--- a/Slides/09_CSS_TrainingPlan.pptx
+++ b/Slides/09_CSS_TrainingPlan.pptx
@@ -5,7 +5,7 @@
     <p:sldMasterId id="2147483672" r:id="rId1"/>
   </p:sldMasterIdLst>
   <p:notesMasterIdLst>
-    <p:notesMasterId r:id="rId31"/>
+    <p:notesMasterId r:id="rId32"/>
   </p:notesMasterIdLst>
   <p:sldIdLst>
     <p:sldId id="256" r:id="rId2"/>
@@ -26,17 +26,18 @@
     <p:sldId id="322" r:id="rId17"/>
     <p:sldId id="323" r:id="rId18"/>
     <p:sldId id="348" r:id="rId19"/>
-    <p:sldId id="349" r:id="rId20"/>
-    <p:sldId id="325" r:id="rId21"/>
-    <p:sldId id="337" r:id="rId22"/>
-    <p:sldId id="311" r:id="rId23"/>
-    <p:sldId id="326" r:id="rId24"/>
-    <p:sldId id="327" r:id="rId25"/>
-    <p:sldId id="350" r:id="rId26"/>
-    <p:sldId id="342" r:id="rId27"/>
-    <p:sldId id="351" r:id="rId28"/>
-    <p:sldId id="341" r:id="rId29"/>
-    <p:sldId id="343" r:id="rId30"/>
+    <p:sldId id="352" r:id="rId20"/>
+    <p:sldId id="349" r:id="rId21"/>
+    <p:sldId id="325" r:id="rId22"/>
+    <p:sldId id="337" r:id="rId23"/>
+    <p:sldId id="311" r:id="rId24"/>
+    <p:sldId id="326" r:id="rId25"/>
+    <p:sldId id="327" r:id="rId26"/>
+    <p:sldId id="350" r:id="rId27"/>
+    <p:sldId id="342" r:id="rId28"/>
+    <p:sldId id="351" r:id="rId29"/>
+    <p:sldId id="341" r:id="rId30"/>
+    <p:sldId id="343" r:id="rId31"/>
   </p:sldIdLst>
   <p:sldSz cx="12192000" cy="6858000"/>
   <p:notesSz cx="6858000" cy="9144000"/>
@@ -225,7 +226,7 @@
           <a:p>
             <a:fld id="{511FFA03-EA42-4D4B-BC08-EB70C6D8C289}" type="datetimeFigureOut">
               <a:rPr lang="en-US" smtClean="0"/>
-              <a:t>3/14/2018</a:t>
+              <a:t>5/28/2018</a:t>
             </a:fld>
             <a:endParaRPr lang="en-US"/>
           </a:p>
@@ -289,38 +290,37 @@
           <a:p>
             <a:pPr lvl="0"/>
             <a:r>
-              <a:rPr lang="en-US" smtClean="0"/>
+              <a:rPr lang="en-US"/>
               <a:t>Click to edit Master text styles</a:t>
             </a:r>
           </a:p>
           <a:p>
             <a:pPr lvl="1"/>
             <a:r>
-              <a:rPr lang="en-US" smtClean="0"/>
+              <a:rPr lang="en-US"/>
               <a:t>Second level</a:t>
             </a:r>
           </a:p>
           <a:p>
             <a:pPr lvl="2"/>
             <a:r>
-              <a:rPr lang="en-US" smtClean="0"/>
+              <a:rPr lang="en-US"/>
               <a:t>Third level</a:t>
             </a:r>
           </a:p>
           <a:p>
             <a:pPr lvl="3"/>
             <a:r>
-              <a:rPr lang="en-US" smtClean="0"/>
+              <a:rPr lang="en-US"/>
               <a:t>Fourth level</a:t>
             </a:r>
           </a:p>
           <a:p>
             <a:pPr lvl="4"/>
             <a:r>
-              <a:rPr lang="en-US" smtClean="0"/>
+              <a:rPr lang="en-US"/>
               <a:t>Fifth level</a:t>
             </a:r>
-            <a:endParaRPr lang="en-US"/>
           </a:p>
         </p:txBody>
       </p:sp>
@@ -542,7 +542,7 @@
               <a:buChar char="•"/>
             </a:pPr>
             <a:r>
-              <a:rPr lang="en-US" baseline="0" dirty="0" smtClean="0"/>
+              <a:rPr lang="en-US" baseline="0" dirty="0"/>
               <a:t>CSS provides the styling for the page.</a:t>
             </a:r>
           </a:p>
@@ -552,7 +552,7 @@
               <a:buChar char="•"/>
             </a:pPr>
             <a:r>
-              <a:rPr lang="en-US" baseline="0" dirty="0" smtClean="0"/>
+              <a:rPr lang="en-US" baseline="0" dirty="0"/>
               <a:t>It stands for cascading style sheets</a:t>
             </a:r>
           </a:p>
@@ -561,7 +561,7 @@
               <a:buFont typeface="Arial" panose="020B0604020202020204" pitchFamily="34" charset="0"/>
               <a:buNone/>
             </a:pPr>
-            <a:endParaRPr lang="en-US" baseline="0" dirty="0" smtClean="0"/>
+            <a:endParaRPr lang="en-US" baseline="0" dirty="0"/>
           </a:p>
         </p:txBody>
       </p:sp>
@@ -650,7 +650,7 @@
               <a:buChar char="•"/>
             </a:pPr>
             <a:r>
-              <a:rPr lang="en-US" sz="1200" kern="1200" dirty="0" smtClean="0">
+              <a:rPr lang="en-US" sz="1200" kern="1200" dirty="0">
                 <a:solidFill>
                   <a:schemeClr val="tx1"/>
                 </a:solidFill>
@@ -668,7 +668,7 @@
               <a:buChar char="•"/>
             </a:pPr>
             <a:r>
-              <a:rPr lang="en-US" sz="1200" kern="1200" dirty="0" smtClean="0">
+              <a:rPr lang="en-US" sz="1200" kern="1200" dirty="0">
                 <a:solidFill>
                   <a:schemeClr val="tx1"/>
                 </a:solidFill>
@@ -686,7 +686,7 @@
               <a:buChar char="•"/>
             </a:pPr>
             <a:r>
-              <a:rPr lang="en-US" sz="1200" kern="1200" dirty="0" smtClean="0">
+              <a:rPr lang="en-US" sz="1200" kern="1200" dirty="0">
                 <a:solidFill>
                   <a:schemeClr val="tx1"/>
                 </a:solidFill>
@@ -704,7 +704,7 @@
               <a:buChar char="•"/>
             </a:pPr>
             <a:r>
-              <a:rPr lang="en-US" sz="1200" kern="1200" dirty="0" smtClean="0">
+              <a:rPr lang="en-US" sz="1200" kern="1200" dirty="0">
                 <a:solidFill>
                   <a:schemeClr val="tx1"/>
                 </a:solidFill>
@@ -716,7 +716,7 @@
               <a:t>Write on the board the </a:t>
             </a:r>
             <a:r>
-              <a:rPr lang="en-US" sz="1200" kern="1200" dirty="0" err="1" smtClean="0">
+              <a:rPr lang="en-US" sz="1200" kern="1200" dirty="0" err="1">
                 <a:solidFill>
                   <a:schemeClr val="tx1"/>
                 </a:solidFill>
@@ -728,7 +728,7 @@
               <a:t>css</a:t>
             </a:r>
             <a:r>
-              <a:rPr lang="en-US" sz="1200" kern="1200" dirty="0" smtClean="0">
+              <a:rPr lang="en-US" sz="1200" kern="1200" dirty="0">
                 <a:solidFill>
                   <a:schemeClr val="tx1"/>
                 </a:solidFill>
@@ -915,7 +915,7 @@
               <a:buChar char="•"/>
             </a:pPr>
             <a:r>
-              <a:rPr lang="en-US" baseline="0" dirty="0" smtClean="0"/>
+              <a:rPr lang="en-US" baseline="0" dirty="0"/>
               <a:t>The box model is an important part of laying out parts of a page.</a:t>
             </a:r>
           </a:p>
@@ -925,7 +925,7 @@
               <a:buChar char="•"/>
             </a:pPr>
             <a:r>
-              <a:rPr lang="en-US" baseline="0" dirty="0" smtClean="0"/>
+              <a:rPr lang="en-US" baseline="0" dirty="0"/>
               <a:t>The content is surrounded by the padding.  The padding is surrounded by the border.  The border is surrounded by the margin.</a:t>
             </a:r>
           </a:p>
@@ -935,7 +935,7 @@
               <a:buChar char="•"/>
             </a:pPr>
             <a:r>
-              <a:rPr lang="en-US" baseline="0" dirty="0" smtClean="0"/>
+              <a:rPr lang="en-US" baseline="0" dirty="0"/>
               <a:t>All of these need to be considered when figuring out the total size of the content.</a:t>
             </a:r>
           </a:p>
@@ -1114,7 +1114,7 @@
               <a:buChar char="•"/>
             </a:pPr>
             <a:r>
-              <a:rPr lang="en-US" baseline="0" dirty="0" smtClean="0"/>
+              <a:rPr lang="en-US" baseline="0" dirty="0"/>
               <a:t>Display has a number of options.</a:t>
             </a:r>
           </a:p>
@@ -1124,7 +1124,7 @@
               <a:buChar char="•"/>
             </a:pPr>
             <a:r>
-              <a:rPr lang="en-US" baseline="0" dirty="0" smtClean="0"/>
+              <a:rPr lang="en-US" baseline="0" dirty="0"/>
               <a:t>One of those is display none.  </a:t>
             </a:r>
           </a:p>
@@ -1134,7 +1134,7 @@
               <a:buChar char="•"/>
             </a:pPr>
             <a:r>
-              <a:rPr lang="en-US" baseline="0" dirty="0" smtClean="0"/>
+              <a:rPr lang="en-US" baseline="0" dirty="0"/>
               <a:t>Display none means the element will not appear on the page</a:t>
             </a:r>
           </a:p>
@@ -1144,7 +1144,7 @@
               <a:buChar char="•"/>
             </a:pPr>
             <a:r>
-              <a:rPr lang="en-US" baseline="0" dirty="0" smtClean="0"/>
+              <a:rPr lang="en-US" baseline="0" dirty="0"/>
               <a:t>This is different than visibility which will make it not show on the page, but still show in the DOM.</a:t>
             </a:r>
           </a:p>
@@ -1154,7 +1154,7 @@
               <a:buChar char="•"/>
             </a:pPr>
             <a:r>
-              <a:rPr lang="en-US" baseline="0" dirty="0" smtClean="0"/>
+              <a:rPr lang="en-US" baseline="0" dirty="0"/>
               <a:t>Let’s review examples of display and flexbox.</a:t>
             </a:r>
           </a:p>
@@ -1245,7 +1245,7 @@
               <a:buChar char="•"/>
             </a:pPr>
             <a:r>
-              <a:rPr lang="en-US" baseline="0" dirty="0" smtClean="0"/>
+              <a:rPr lang="en-US" baseline="0" dirty="0"/>
               <a:t>Position is another style to change how an element is positioned on a page.</a:t>
             </a:r>
           </a:p>
@@ -1255,7 +1255,7 @@
               <a:buChar char="•"/>
             </a:pPr>
             <a:r>
-              <a:rPr lang="en-US" baseline="0" dirty="0" smtClean="0"/>
+              <a:rPr lang="en-US" baseline="0" dirty="0"/>
               <a:t>Let’s review some examples.</a:t>
             </a:r>
           </a:p>
@@ -1346,7 +1346,7 @@
               <a:buChar char="•"/>
             </a:pPr>
             <a:r>
-              <a:rPr lang="en-US" baseline="0" dirty="0" smtClean="0"/>
+              <a:rPr lang="en-US" baseline="0" dirty="0"/>
               <a:t>Here are some other styles that effect the position of elements.</a:t>
             </a:r>
           </a:p>
@@ -1356,7 +1356,7 @@
               <a:buChar char="•"/>
             </a:pPr>
             <a:r>
-              <a:rPr lang="en-US" baseline="0" dirty="0" smtClean="0"/>
+              <a:rPr lang="en-US" baseline="0" dirty="0"/>
               <a:t>It’s easier to see these in action again, so let’s look through the examples.</a:t>
             </a:r>
           </a:p>
@@ -1530,9 +1530,9 @@
           <a:bodyPr/>
           <a:lstStyle/>
           <a:p>
-            <a:pPr marL="171450" indent="-171450">
+            <a:pPr marL="457200" lvl="1" indent="0">
               <a:buFont typeface="Arial" panose="020B0604020202020204" pitchFamily="34" charset="0"/>
-              <a:buChar char="•"/>
+              <a:buNone/>
             </a:pPr>
             <a:endParaRPr lang="en-US" dirty="0"/>
           </a:p>
@@ -1553,7 +1553,7 @@
           <a:bodyPr/>
           <a:lstStyle/>
           <a:p>
-            <a:fld id="{226FA58D-4B12-4E7B-A2FA-693CE3EACDFD}" type="slidenum">
+            <a:fld id="{CB14DD28-1949-4B74-B4FA-306122DED2C3}" type="slidenum">
               <a:rPr lang="en-US" smtClean="0"/>
               <a:t>19</a:t>
             </a:fld>
@@ -1564,7 +1564,7 @@
     </p:spTree>
     <p:extLst>
       <p:ext uri="{BB962C8B-B14F-4D97-AF65-F5344CB8AC3E}">
-        <p14:creationId xmlns:p14="http://schemas.microsoft.com/office/powerpoint/2010/main" val="1043788511"/>
+        <p14:creationId xmlns:p14="http://schemas.microsoft.com/office/powerpoint/2010/main" val="4214561818"/>
       </p:ext>
     </p:extLst>
   </p:cSld>
@@ -1622,20 +1622,7 @@
               <a:buFont typeface="Arial" panose="020B0604020202020204" pitchFamily="34" charset="0"/>
               <a:buChar char="•"/>
             </a:pPr>
-            <a:r>
-              <a:rPr lang="en-US" baseline="0" dirty="0" smtClean="0"/>
-              <a:t>Here are some different ways to align elements.</a:t>
-            </a:r>
-          </a:p>
-          <a:p>
-            <a:pPr marL="171450" indent="-171450">
-              <a:buFont typeface="Arial" panose="020B0604020202020204" pitchFamily="34" charset="0"/>
-              <a:buChar char="•"/>
-            </a:pPr>
-            <a:r>
-              <a:rPr lang="en-US" baseline="0" dirty="0" smtClean="0"/>
-              <a:t>Let’s again go through some examples.</a:t>
-            </a:r>
+            <a:endParaRPr lang="en-US" dirty="0"/>
           </a:p>
         </p:txBody>
       </p:sp>
@@ -1654,7 +1641,7 @@
           <a:bodyPr/>
           <a:lstStyle/>
           <a:p>
-            <a:fld id="{90562276-63C7-43F9-8E9E-CFA137F6F839}" type="slidenum">
+            <a:fld id="{226FA58D-4B12-4E7B-A2FA-693CE3EACDFD}" type="slidenum">
               <a:rPr lang="en-US" smtClean="0"/>
               <a:t>20</a:t>
             </a:fld>
@@ -1665,7 +1652,7 @@
     </p:spTree>
     <p:extLst>
       <p:ext uri="{BB962C8B-B14F-4D97-AF65-F5344CB8AC3E}">
-        <p14:creationId xmlns:p14="http://schemas.microsoft.com/office/powerpoint/2010/main" val="1961600589"/>
+        <p14:creationId xmlns:p14="http://schemas.microsoft.com/office/powerpoint/2010/main" val="1043788511"/>
       </p:ext>
     </p:extLst>
   </p:cSld>
@@ -1724,7 +1711,7 @@
               <a:buChar char="•"/>
             </a:pPr>
             <a:r>
-              <a:rPr lang="en-US" baseline="0" dirty="0" smtClean="0"/>
+              <a:rPr lang="en-US" baseline="0" dirty="0"/>
               <a:t>The styles can be specified in multiple places.</a:t>
             </a:r>
           </a:p>
@@ -1734,7 +1721,7 @@
               <a:buChar char="•"/>
             </a:pPr>
             <a:r>
-              <a:rPr lang="en-US" baseline="0" dirty="0" smtClean="0"/>
+              <a:rPr lang="en-US" baseline="0" dirty="0"/>
               <a:t>First you can specify them in the style attribute of an element.</a:t>
             </a:r>
           </a:p>
@@ -1744,7 +1731,7 @@
               <a:buChar char="•"/>
             </a:pPr>
             <a:r>
-              <a:rPr lang="en-US" baseline="0" dirty="0" smtClean="0"/>
+              <a:rPr lang="en-US" baseline="0" dirty="0"/>
               <a:t>The style element is global and can be used on any html element.</a:t>
             </a:r>
           </a:p>
@@ -1754,7 +1741,7 @@
               <a:buChar char="•"/>
             </a:pPr>
             <a:r>
-              <a:rPr lang="en-US" baseline="0" dirty="0" smtClean="0"/>
+              <a:rPr lang="en-US" baseline="0" dirty="0"/>
               <a:t>The CSS styles are specified by using the style name followed by : followed by the value.</a:t>
             </a:r>
           </a:p>
@@ -1845,8 +1832,8 @@
               <a:buChar char="•"/>
             </a:pPr>
             <a:r>
-              <a:rPr lang="en-US" baseline="0" dirty="0" smtClean="0"/>
-              <a:t>CSS also has pseudo-classes.</a:t>
+              <a:rPr lang="en-US" baseline="0" dirty="0"/>
+              <a:t>Here are some different ways to align elements.</a:t>
             </a:r>
           </a:p>
           <a:p>
@@ -1855,68 +1842,8 @@
               <a:buChar char="•"/>
             </a:pPr>
             <a:r>
-              <a:rPr lang="en-US" baseline="0" dirty="0" smtClean="0"/>
-              <a:t>These allow different styles for different states of an element.</a:t>
-            </a:r>
-          </a:p>
-          <a:p>
-            <a:pPr marL="171450" indent="-171450">
-              <a:buFont typeface="Arial" panose="020B0604020202020204" pitchFamily="34" charset="0"/>
-              <a:buChar char="•"/>
-            </a:pPr>
-            <a:r>
-              <a:rPr lang="en-US" baseline="0" dirty="0" smtClean="0"/>
-              <a:t>Here are some examples of pseudo-classes</a:t>
-            </a:r>
-          </a:p>
-          <a:p>
-            <a:pPr marL="171450" indent="-171450">
-              <a:buFont typeface="Arial" panose="020B0604020202020204" pitchFamily="34" charset="0"/>
-              <a:buChar char="•"/>
-            </a:pPr>
-            <a:r>
-              <a:rPr lang="en-US" baseline="0" dirty="0" smtClean="0"/>
-              <a:t>For example pseudo-classes for a</a:t>
-            </a:r>
-          </a:p>
-          <a:p>
-            <a:pPr marL="171450" indent="-171450">
-              <a:buFont typeface="Arial" panose="020B0604020202020204" pitchFamily="34" charset="0"/>
-              <a:buChar char="•"/>
-            </a:pPr>
-            <a:r>
-              <a:rPr lang="en-US" baseline="0" dirty="0" smtClean="0"/>
-              <a:t>a:active</a:t>
-            </a:r>
-          </a:p>
-          <a:p>
-            <a:pPr marL="171450" indent="-171450">
-              <a:buFont typeface="Arial" panose="020B0604020202020204" pitchFamily="34" charset="0"/>
-              <a:buChar char="•"/>
-            </a:pPr>
-            <a:r>
-              <a:rPr lang="en-US" baseline="0" dirty="0" smtClean="0"/>
-              <a:t>a:hover</a:t>
-            </a:r>
-          </a:p>
-          <a:p>
-            <a:pPr marL="171450" indent="-171450">
-              <a:buFont typeface="Arial" panose="020B0604020202020204" pitchFamily="34" charset="0"/>
-              <a:buChar char="•"/>
-            </a:pPr>
-            <a:r>
-              <a:rPr lang="en-US" baseline="0" dirty="0" smtClean="0"/>
-              <a:t>a:link</a:t>
-            </a:r>
-          </a:p>
-          <a:p>
-            <a:pPr marL="171450" indent="-171450">
-              <a:buFont typeface="Arial" panose="020B0604020202020204" pitchFamily="34" charset="0"/>
-              <a:buChar char="•"/>
-            </a:pPr>
-            <a:r>
-              <a:rPr lang="en-US" baseline="0" dirty="0" smtClean="0"/>
-              <a:t>a:visited</a:t>
+              <a:rPr lang="en-US" baseline="0" dirty="0"/>
+              <a:t>Let’s again go through some examples.</a:t>
             </a:r>
           </a:p>
         </p:txBody>
@@ -1947,7 +1874,7 @@
     </p:spTree>
     <p:extLst>
       <p:ext uri="{BB962C8B-B14F-4D97-AF65-F5344CB8AC3E}">
-        <p14:creationId xmlns:p14="http://schemas.microsoft.com/office/powerpoint/2010/main" val="794572563"/>
+        <p14:creationId xmlns:p14="http://schemas.microsoft.com/office/powerpoint/2010/main" val="1961600589"/>
       </p:ext>
     </p:extLst>
   </p:cSld>
@@ -2006,8 +1933,8 @@
               <a:buChar char="•"/>
             </a:pPr>
             <a:r>
-              <a:rPr lang="en-US" baseline="0" dirty="0" smtClean="0"/>
-              <a:t>This refers to the hierarchy of styles.</a:t>
+              <a:rPr lang="en-US" baseline="0" dirty="0"/>
+              <a:t>CSS also has pseudo-classes.</a:t>
             </a:r>
           </a:p>
           <a:p>
@@ -2016,8 +1943,8 @@
               <a:buChar char="•"/>
             </a:pPr>
             <a:r>
-              <a:rPr lang="en-US" baseline="0" dirty="0" smtClean="0"/>
-              <a:t>Every property figures out what styles should be used, since conflicts will come up.</a:t>
+              <a:rPr lang="en-US" baseline="0" dirty="0"/>
+              <a:t>These allow different styles for different states of an element.</a:t>
             </a:r>
           </a:p>
           <a:p>
@@ -2026,8 +1953,8 @@
               <a:buChar char="•"/>
             </a:pPr>
             <a:r>
-              <a:rPr lang="en-US" baseline="0" dirty="0" smtClean="0"/>
-              <a:t>The first check is based upon whether it is specified with !important at the end of the property.</a:t>
+              <a:rPr lang="en-US" baseline="0" dirty="0"/>
+              <a:t>Here are some examples of pseudo-classes</a:t>
             </a:r>
           </a:p>
           <a:p>
@@ -2036,8 +1963,8 @@
               <a:buChar char="•"/>
             </a:pPr>
             <a:r>
-              <a:rPr lang="en-US" baseline="0" dirty="0" smtClean="0"/>
-              <a:t>This wins over all other properties unless both are specified as !important</a:t>
+              <a:rPr lang="en-US" baseline="0" dirty="0"/>
+              <a:t>For example pseudo-classes for a</a:t>
             </a:r>
           </a:p>
           <a:p>
@@ -2046,8 +1973,8 @@
               <a:buChar char="•"/>
             </a:pPr>
             <a:r>
-              <a:rPr lang="en-US" baseline="0" dirty="0" smtClean="0"/>
-              <a:t>After that specificity is used to determine the styles used.</a:t>
+              <a:rPr lang="en-US" baseline="0" dirty="0"/>
+              <a:t>a:active</a:t>
             </a:r>
           </a:p>
           <a:p>
@@ -2056,8 +1983,8 @@
               <a:buChar char="•"/>
             </a:pPr>
             <a:r>
-              <a:rPr lang="en-US" baseline="0" dirty="0" smtClean="0"/>
-              <a:t>Specificity is determined by a score with 4 digits.</a:t>
+              <a:rPr lang="en-US" baseline="0" dirty="0"/>
+              <a:t>a:hover</a:t>
             </a:r>
           </a:p>
           <a:p>
@@ -2066,8 +1993,8 @@
               <a:buChar char="•"/>
             </a:pPr>
             <a:r>
-              <a:rPr lang="en-US" baseline="0" dirty="0" smtClean="0"/>
-              <a:t>The thousands place gets a value if its inside the style element or style attribute</a:t>
+              <a:rPr lang="en-US" baseline="0" dirty="0"/>
+              <a:t>a:link</a:t>
             </a:r>
           </a:p>
           <a:p>
@@ -2076,38 +2003,8 @@
               <a:buChar char="•"/>
             </a:pPr>
             <a:r>
-              <a:rPr lang="en-US" baseline="0" dirty="0" smtClean="0"/>
-              <a:t>The hundreds place gets a value for each id selector</a:t>
-            </a:r>
-          </a:p>
-          <a:p>
-            <a:pPr marL="171450" indent="-171450">
-              <a:buFont typeface="Arial" panose="020B0604020202020204" pitchFamily="34" charset="0"/>
-              <a:buChar char="•"/>
-            </a:pPr>
-            <a:r>
-              <a:rPr lang="en-US" baseline="0" dirty="0" smtClean="0"/>
-              <a:t>The tens place gets a value for each class selector, attribute selector, or pseudo-class used.</a:t>
-            </a:r>
-          </a:p>
-          <a:p>
-            <a:pPr marL="171450" indent="-171450">
-              <a:buFont typeface="Arial" panose="020B0604020202020204" pitchFamily="34" charset="0"/>
-              <a:buChar char="•"/>
-            </a:pPr>
-            <a:r>
-              <a:rPr lang="en-US" baseline="0" dirty="0" smtClean="0"/>
-              <a:t>The ones place get a value for each element selector or pseudo-element</a:t>
-            </a:r>
-          </a:p>
-          <a:p>
-            <a:pPr marL="171450" indent="-171450">
-              <a:buFont typeface="Arial" panose="020B0604020202020204" pitchFamily="34" charset="0"/>
-              <a:buChar char="•"/>
-            </a:pPr>
-            <a:r>
-              <a:rPr lang="en-US" baseline="0" dirty="0" smtClean="0"/>
-              <a:t>Finally if the specificity is the same the later style wins.</a:t>
+              <a:rPr lang="en-US" baseline="0" dirty="0"/>
+              <a:t>a:visited</a:t>
             </a:r>
           </a:p>
         </p:txBody>
@@ -2138,7 +2035,7 @@
     </p:spTree>
     <p:extLst>
       <p:ext uri="{BB962C8B-B14F-4D97-AF65-F5344CB8AC3E}">
-        <p14:creationId xmlns:p14="http://schemas.microsoft.com/office/powerpoint/2010/main" val="2973498905"/>
+        <p14:creationId xmlns:p14="http://schemas.microsoft.com/office/powerpoint/2010/main" val="794572563"/>
       </p:ext>
     </p:extLst>
   </p:cSld>
@@ -2197,8 +2094,8 @@
               <a:buChar char="•"/>
             </a:pPr>
             <a:r>
-              <a:rPr lang="en-US" baseline="0" dirty="0" smtClean="0"/>
-              <a:t>Page layouts are created using the same styles we’ve talked about so far.</a:t>
+              <a:rPr lang="en-US" baseline="0" dirty="0"/>
+              <a:t>This refers to the hierarchy of styles.</a:t>
             </a:r>
           </a:p>
           <a:p>
@@ -2207,8 +2104,8 @@
               <a:buChar char="•"/>
             </a:pPr>
             <a:r>
-              <a:rPr lang="en-US" baseline="0" dirty="0" smtClean="0"/>
-              <a:t>Tables can be used and was really popular for a while, but is not currently recommended.</a:t>
+              <a:rPr lang="en-US" baseline="0" dirty="0"/>
+              <a:t>Every property figures out what styles should be used, since conflicts will come up.</a:t>
             </a:r>
           </a:p>
           <a:p>
@@ -2217,8 +2114,8 @@
               <a:buChar char="•"/>
             </a:pPr>
             <a:r>
-              <a:rPr lang="en-US" baseline="0" dirty="0" smtClean="0"/>
-              <a:t>Floats can also be used to style the page layout.</a:t>
+              <a:rPr lang="en-US" baseline="0" dirty="0"/>
+              <a:t>The first check is based upon whether it is specified with !important at the end of the property.</a:t>
             </a:r>
           </a:p>
           <a:p>
@@ -2227,8 +2124,8 @@
               <a:buChar char="•"/>
             </a:pPr>
             <a:r>
-              <a:rPr lang="en-US" baseline="0" dirty="0" smtClean="0"/>
-              <a:t>A framework can also be used to aid the creation of a layout</a:t>
+              <a:rPr lang="en-US" baseline="0" dirty="0"/>
+              <a:t>This wins over all other properties unless both are specified as !important</a:t>
             </a:r>
           </a:p>
           <a:p>
@@ -2237,8 +2134,8 @@
               <a:buChar char="•"/>
             </a:pPr>
             <a:r>
-              <a:rPr lang="en-US" baseline="0" dirty="0" smtClean="0"/>
-              <a:t>Flexbox is newer and can be used, but a lot of browsers still in use do not support it</a:t>
+              <a:rPr lang="en-US" baseline="0" dirty="0"/>
+              <a:t>After that specificity is used to determine the styles used.</a:t>
             </a:r>
           </a:p>
           <a:p>
@@ -2247,8 +2144,58 @@
               <a:buChar char="•"/>
             </a:pPr>
             <a:r>
-              <a:rPr lang="en-US" baseline="0" dirty="0" smtClean="0"/>
-              <a:t>Let’s go through some examples.</a:t>
+              <a:rPr lang="en-US" baseline="0" dirty="0"/>
+              <a:t>Specificity is determined by a score with 4 digits.</a:t>
+            </a:r>
+          </a:p>
+          <a:p>
+            <a:pPr marL="171450" indent="-171450">
+              <a:buFont typeface="Arial" panose="020B0604020202020204" pitchFamily="34" charset="0"/>
+              <a:buChar char="•"/>
+            </a:pPr>
+            <a:r>
+              <a:rPr lang="en-US" baseline="0" dirty="0"/>
+              <a:t>The thousands place gets a value if its inside the style element or style attribute</a:t>
+            </a:r>
+          </a:p>
+          <a:p>
+            <a:pPr marL="171450" indent="-171450">
+              <a:buFont typeface="Arial" panose="020B0604020202020204" pitchFamily="34" charset="0"/>
+              <a:buChar char="•"/>
+            </a:pPr>
+            <a:r>
+              <a:rPr lang="en-US" baseline="0" dirty="0"/>
+              <a:t>The hundreds place gets a value for each id selector</a:t>
+            </a:r>
+          </a:p>
+          <a:p>
+            <a:pPr marL="171450" indent="-171450">
+              <a:buFont typeface="Arial" panose="020B0604020202020204" pitchFamily="34" charset="0"/>
+              <a:buChar char="•"/>
+            </a:pPr>
+            <a:r>
+              <a:rPr lang="en-US" baseline="0" dirty="0"/>
+              <a:t>The tens place gets a value for each class selector, attribute selector, or pseudo-class used.</a:t>
+            </a:r>
+          </a:p>
+          <a:p>
+            <a:pPr marL="171450" indent="-171450">
+              <a:buFont typeface="Arial" panose="020B0604020202020204" pitchFamily="34" charset="0"/>
+              <a:buChar char="•"/>
+            </a:pPr>
+            <a:r>
+              <a:rPr lang="en-US" baseline="0" dirty="0"/>
+              <a:t>The ones place get a value for each element selector or pseudo-element</a:t>
+            </a:r>
+          </a:p>
+          <a:p>
+            <a:pPr marL="171450" indent="-171450">
+              <a:buFont typeface="Arial" panose="020B0604020202020204" pitchFamily="34" charset="0"/>
+              <a:buChar char="•"/>
+            </a:pPr>
+            <a:r>
+              <a:rPr lang="en-US" baseline="0" dirty="0"/>
+              <a:t>Finally if the specificity is the same the later style wins.</a:t>
             </a:r>
           </a:p>
         </p:txBody>
@@ -2279,7 +2226,7 @@
     </p:spTree>
     <p:extLst>
       <p:ext uri="{BB962C8B-B14F-4D97-AF65-F5344CB8AC3E}">
-        <p14:creationId xmlns:p14="http://schemas.microsoft.com/office/powerpoint/2010/main" val="3693864327"/>
+        <p14:creationId xmlns:p14="http://schemas.microsoft.com/office/powerpoint/2010/main" val="2973498905"/>
       </p:ext>
     </p:extLst>
   </p:cSld>
@@ -2338,8 +2285,8 @@
               <a:buChar char="•"/>
             </a:pPr>
             <a:r>
-              <a:rPr lang="en-US" baseline="0" dirty="0" smtClean="0"/>
-              <a:t>Pages need to be designed to work on different devices and screen sizes.</a:t>
+              <a:rPr lang="en-US" baseline="0" dirty="0"/>
+              <a:t>Page layouts are created using the same styles we’ve talked about so far.</a:t>
             </a:r>
           </a:p>
           <a:p>
@@ -2348,8 +2295,8 @@
               <a:buChar char="•"/>
             </a:pPr>
             <a:r>
-              <a:rPr lang="en-US" baseline="0" dirty="0" smtClean="0"/>
-              <a:t>These are some things that you can use to help.</a:t>
+              <a:rPr lang="en-US" baseline="0" dirty="0"/>
+              <a:t>Tables can be used and was really popular for a while, but is not currently recommended.</a:t>
             </a:r>
           </a:p>
           <a:p>
@@ -2358,8 +2305,38 @@
               <a:buChar char="•"/>
             </a:pPr>
             <a:r>
-              <a:rPr lang="en-US" baseline="0" dirty="0" smtClean="0"/>
-              <a:t>We are going to focus on using the bootstrap framework.</a:t>
+              <a:rPr lang="en-US" baseline="0" dirty="0"/>
+              <a:t>Floats can also be used to style the page layout.</a:t>
+            </a:r>
+          </a:p>
+          <a:p>
+            <a:pPr marL="171450" indent="-171450">
+              <a:buFont typeface="Arial" panose="020B0604020202020204" pitchFamily="34" charset="0"/>
+              <a:buChar char="•"/>
+            </a:pPr>
+            <a:r>
+              <a:rPr lang="en-US" baseline="0" dirty="0"/>
+              <a:t>A framework can also be used to aid the creation of a layout</a:t>
+            </a:r>
+          </a:p>
+          <a:p>
+            <a:pPr marL="171450" indent="-171450">
+              <a:buFont typeface="Arial" panose="020B0604020202020204" pitchFamily="34" charset="0"/>
+              <a:buChar char="•"/>
+            </a:pPr>
+            <a:r>
+              <a:rPr lang="en-US" baseline="0" dirty="0"/>
+              <a:t>Flexbox is newer and can be used, but a lot of browsers still in use do not support it</a:t>
+            </a:r>
+          </a:p>
+          <a:p>
+            <a:pPr marL="171450" indent="-171450">
+              <a:buFont typeface="Arial" panose="020B0604020202020204" pitchFamily="34" charset="0"/>
+              <a:buChar char="•"/>
+            </a:pPr>
+            <a:r>
+              <a:rPr lang="en-US" baseline="0" dirty="0"/>
+              <a:t>Let’s go through some examples.</a:t>
             </a:r>
           </a:p>
         </p:txBody>
@@ -2390,7 +2367,7 @@
     </p:spTree>
     <p:extLst>
       <p:ext uri="{BB962C8B-B14F-4D97-AF65-F5344CB8AC3E}">
-        <p14:creationId xmlns:p14="http://schemas.microsoft.com/office/powerpoint/2010/main" val="984533383"/>
+        <p14:creationId xmlns:p14="http://schemas.microsoft.com/office/powerpoint/2010/main" val="3693864327"/>
       </p:ext>
     </p:extLst>
   </p:cSld>
@@ -2444,11 +2421,34 @@
           <a:bodyPr/>
           <a:lstStyle/>
           <a:p>
-            <a:pPr marL="457200" lvl="1" indent="0">
+            <a:pPr marL="171450" indent="-171450">
               <a:buFont typeface="Arial" panose="020B0604020202020204" pitchFamily="34" charset="0"/>
-              <a:buNone/>
+              <a:buChar char="•"/>
             </a:pPr>
-            <a:endParaRPr lang="en-US" dirty="0"/>
+            <a:r>
+              <a:rPr lang="en-US" baseline="0" dirty="0"/>
+              <a:t>Pages need to be designed to work on different devices and screen sizes.</a:t>
+            </a:r>
+          </a:p>
+          <a:p>
+            <a:pPr marL="171450" indent="-171450">
+              <a:buFont typeface="Arial" panose="020B0604020202020204" pitchFamily="34" charset="0"/>
+              <a:buChar char="•"/>
+            </a:pPr>
+            <a:r>
+              <a:rPr lang="en-US" baseline="0" dirty="0"/>
+              <a:t>These are some things that you can use to help.</a:t>
+            </a:r>
+          </a:p>
+          <a:p>
+            <a:pPr marL="171450" indent="-171450">
+              <a:buFont typeface="Arial" panose="020B0604020202020204" pitchFamily="34" charset="0"/>
+              <a:buChar char="•"/>
+            </a:pPr>
+            <a:r>
+              <a:rPr lang="en-US" baseline="0" dirty="0"/>
+              <a:t>We are going to focus on using the bootstrap framework.</a:t>
+            </a:r>
           </a:p>
         </p:txBody>
       </p:sp>
@@ -2467,7 +2467,7 @@
           <a:bodyPr/>
           <a:lstStyle/>
           <a:p>
-            <a:fld id="{CB14DD28-1949-4B74-B4FA-306122DED2C3}" type="slidenum">
+            <a:fld id="{90562276-63C7-43F9-8E9E-CFA137F6F839}" type="slidenum">
               <a:rPr lang="en-US" smtClean="0"/>
               <a:t>25</a:t>
             </a:fld>
@@ -2478,7 +2478,7 @@
     </p:spTree>
     <p:extLst>
       <p:ext uri="{BB962C8B-B14F-4D97-AF65-F5344CB8AC3E}">
-        <p14:creationId xmlns:p14="http://schemas.microsoft.com/office/powerpoint/2010/main" val="2723941180"/>
+        <p14:creationId xmlns:p14="http://schemas.microsoft.com/office/powerpoint/2010/main" val="984533383"/>
       </p:ext>
     </p:extLst>
   </p:cSld>
@@ -2532,168 +2532,6 @@
           <a:bodyPr/>
           <a:lstStyle/>
           <a:p>
-            <a:pPr marL="171450" lvl="0" indent="-171450">
-              <a:buFont typeface="Arial" panose="020B0604020202020204" pitchFamily="34" charset="0"/>
-              <a:buChar char="•"/>
-            </a:pPr>
-            <a:r>
-              <a:rPr lang="en-US" sz="1200" kern="1200" dirty="0" smtClean="0">
-                <a:solidFill>
-                  <a:schemeClr val="tx1"/>
-                </a:solidFill>
-                <a:effectLst/>
-                <a:latin typeface="+mn-lt"/>
-                <a:ea typeface="+mn-ea"/>
-                <a:cs typeface="+mn-cs"/>
-              </a:rPr>
-              <a:t>What makes up the box model?</a:t>
-            </a:r>
-          </a:p>
-          <a:p>
-            <a:pPr marL="171450" lvl="0" indent="-171450">
-              <a:buFont typeface="Arial" panose="020B0604020202020204" pitchFamily="34" charset="0"/>
-              <a:buChar char="•"/>
-            </a:pPr>
-            <a:r>
-              <a:rPr lang="en-US" sz="1200" kern="1200" dirty="0" smtClean="0">
-                <a:solidFill>
-                  <a:schemeClr val="tx1"/>
-                </a:solidFill>
-                <a:effectLst/>
-                <a:latin typeface="+mn-lt"/>
-                <a:ea typeface="+mn-ea"/>
-                <a:cs typeface="+mn-cs"/>
-              </a:rPr>
-              <a:t>Write on the board the </a:t>
-            </a:r>
-            <a:r>
-              <a:rPr lang="en-US" sz="1200" kern="1200" dirty="0" err="1" smtClean="0">
-                <a:solidFill>
-                  <a:schemeClr val="tx1"/>
-                </a:solidFill>
-                <a:effectLst/>
-                <a:latin typeface="+mn-lt"/>
-                <a:ea typeface="+mn-ea"/>
-                <a:cs typeface="+mn-cs"/>
-              </a:rPr>
-              <a:t>css</a:t>
-            </a:r>
-            <a:r>
-              <a:rPr lang="en-US" sz="1200" kern="1200" dirty="0" smtClean="0">
-                <a:solidFill>
-                  <a:schemeClr val="tx1"/>
-                </a:solidFill>
-                <a:effectLst/>
-                <a:latin typeface="+mn-lt"/>
-                <a:ea typeface="+mn-ea"/>
-                <a:cs typeface="+mn-cs"/>
-              </a:rPr>
-              <a:t> to set the display to inline for a class named </a:t>
-            </a:r>
-            <a:r>
-              <a:rPr lang="en-US" sz="1200" kern="1200" dirty="0" err="1" smtClean="0">
-                <a:solidFill>
-                  <a:schemeClr val="tx1"/>
-                </a:solidFill>
-                <a:effectLst/>
-                <a:latin typeface="+mn-lt"/>
-                <a:ea typeface="+mn-ea"/>
-                <a:cs typeface="+mn-cs"/>
-              </a:rPr>
-              <a:t>inlineText</a:t>
-            </a:r>
-            <a:r>
-              <a:rPr lang="en-US" sz="1200" kern="1200" dirty="0" smtClean="0">
-                <a:solidFill>
-                  <a:schemeClr val="tx1"/>
-                </a:solidFill>
-                <a:effectLst/>
-                <a:latin typeface="+mn-lt"/>
-                <a:ea typeface="+mn-ea"/>
-                <a:cs typeface="+mn-cs"/>
-              </a:rPr>
-              <a:t>.</a:t>
-            </a:r>
-          </a:p>
-          <a:p>
-            <a:pPr marL="171450" lvl="0" indent="-171450">
-              <a:buFont typeface="Arial" panose="020B0604020202020204" pitchFamily="34" charset="0"/>
-              <a:buChar char="•"/>
-            </a:pPr>
-            <a:r>
-              <a:rPr lang="en-US" sz="1200" kern="1200" dirty="0" smtClean="0">
-                <a:solidFill>
-                  <a:schemeClr val="tx1"/>
-                </a:solidFill>
-                <a:effectLst/>
-                <a:latin typeface="+mn-lt"/>
-                <a:ea typeface="+mn-ea"/>
-                <a:cs typeface="+mn-cs"/>
-              </a:rPr>
-              <a:t>Write on the board the </a:t>
-            </a:r>
-            <a:r>
-              <a:rPr lang="en-US" sz="1200" kern="1200" dirty="0" err="1" smtClean="0">
-                <a:solidFill>
-                  <a:schemeClr val="tx1"/>
-                </a:solidFill>
-                <a:effectLst/>
-                <a:latin typeface="+mn-lt"/>
-                <a:ea typeface="+mn-ea"/>
-                <a:cs typeface="+mn-cs"/>
-              </a:rPr>
-              <a:t>css</a:t>
-            </a:r>
-            <a:r>
-              <a:rPr lang="en-US" sz="1200" kern="1200" dirty="0" smtClean="0">
-                <a:solidFill>
-                  <a:schemeClr val="tx1"/>
-                </a:solidFill>
-                <a:effectLst/>
-                <a:latin typeface="+mn-lt"/>
-                <a:ea typeface="+mn-ea"/>
-                <a:cs typeface="+mn-cs"/>
-              </a:rPr>
-              <a:t> to fix the footer element to the bottom of the page.</a:t>
-            </a:r>
-          </a:p>
-          <a:p>
-            <a:pPr marL="171450" lvl="0" indent="-171450">
-              <a:buFont typeface="Arial" panose="020B0604020202020204" pitchFamily="34" charset="0"/>
-              <a:buChar char="•"/>
-            </a:pPr>
-            <a:r>
-              <a:rPr lang="en-US" sz="1200" kern="1200" dirty="0" smtClean="0">
-                <a:solidFill>
-                  <a:schemeClr val="tx1"/>
-                </a:solidFill>
-                <a:effectLst/>
-                <a:latin typeface="+mn-lt"/>
-                <a:ea typeface="+mn-ea"/>
-                <a:cs typeface="+mn-cs"/>
-              </a:rPr>
-              <a:t>What are some options for page layout?</a:t>
-            </a:r>
-          </a:p>
-          <a:p>
-            <a:pPr marL="171450" lvl="0" indent="-171450">
-              <a:buFont typeface="Arial" panose="020B0604020202020204" pitchFamily="34" charset="0"/>
-              <a:buChar char="•"/>
-            </a:pPr>
-            <a:r>
-              <a:rPr lang="en-US" sz="1200" kern="1200" dirty="0" smtClean="0">
-                <a:solidFill>
-                  <a:schemeClr val="tx1"/>
-                </a:solidFill>
-                <a:effectLst/>
-                <a:latin typeface="+mn-lt"/>
-                <a:ea typeface="+mn-ea"/>
-                <a:cs typeface="+mn-cs"/>
-              </a:rPr>
-              <a:t>What can be done to make a page responsive?</a:t>
-            </a:r>
-          </a:p>
-          <a:p>
             <a:pPr marL="457200" lvl="1" indent="0">
               <a:buFont typeface="Arial" panose="020B0604020202020204" pitchFamily="34" charset="0"/>
               <a:buNone/>
@@ -2717,7 +2555,7 @@
           <a:bodyPr/>
           <a:lstStyle/>
           <a:p>
-            <a:fld id="{226FA58D-4B12-4E7B-A2FA-693CE3EACDFD}" type="slidenum">
+            <a:fld id="{CB14DD28-1949-4B74-B4FA-306122DED2C3}" type="slidenum">
               <a:rPr lang="en-US" smtClean="0"/>
               <a:t>26</a:t>
             </a:fld>
@@ -2728,7 +2566,7 @@
     </p:spTree>
     <p:extLst>
       <p:ext uri="{BB962C8B-B14F-4D97-AF65-F5344CB8AC3E}">
-        <p14:creationId xmlns:p14="http://schemas.microsoft.com/office/powerpoint/2010/main" val="1375049745"/>
+        <p14:creationId xmlns:p14="http://schemas.microsoft.com/office/powerpoint/2010/main" val="2723941180"/>
       </p:ext>
     </p:extLst>
   </p:cSld>
@@ -2782,9 +2620,171 @@
           <a:bodyPr/>
           <a:lstStyle/>
           <a:p>
-            <a:pPr marL="171450" indent="-171450">
+            <a:pPr marL="171450" lvl="0" indent="-171450">
               <a:buFont typeface="Arial" panose="020B0604020202020204" pitchFamily="34" charset="0"/>
               <a:buChar char="•"/>
+            </a:pPr>
+            <a:r>
+              <a:rPr lang="en-US" sz="1200" kern="1200" dirty="0">
+                <a:solidFill>
+                  <a:schemeClr val="tx1"/>
+                </a:solidFill>
+                <a:effectLst/>
+                <a:latin typeface="+mn-lt"/>
+                <a:ea typeface="+mn-ea"/>
+                <a:cs typeface="+mn-cs"/>
+              </a:rPr>
+              <a:t>What makes up the box model?</a:t>
+            </a:r>
+          </a:p>
+          <a:p>
+            <a:pPr marL="171450" lvl="0" indent="-171450">
+              <a:buFont typeface="Arial" panose="020B0604020202020204" pitchFamily="34" charset="0"/>
+              <a:buChar char="•"/>
+            </a:pPr>
+            <a:r>
+              <a:rPr lang="en-US" sz="1200" kern="1200" dirty="0">
+                <a:solidFill>
+                  <a:schemeClr val="tx1"/>
+                </a:solidFill>
+                <a:effectLst/>
+                <a:latin typeface="+mn-lt"/>
+                <a:ea typeface="+mn-ea"/>
+                <a:cs typeface="+mn-cs"/>
+              </a:rPr>
+              <a:t>Write on the board the </a:t>
+            </a:r>
+            <a:r>
+              <a:rPr lang="en-US" sz="1200" kern="1200" dirty="0" err="1">
+                <a:solidFill>
+                  <a:schemeClr val="tx1"/>
+                </a:solidFill>
+                <a:effectLst/>
+                <a:latin typeface="+mn-lt"/>
+                <a:ea typeface="+mn-ea"/>
+                <a:cs typeface="+mn-cs"/>
+              </a:rPr>
+              <a:t>css</a:t>
+            </a:r>
+            <a:r>
+              <a:rPr lang="en-US" sz="1200" kern="1200" dirty="0">
+                <a:solidFill>
+                  <a:schemeClr val="tx1"/>
+                </a:solidFill>
+                <a:effectLst/>
+                <a:latin typeface="+mn-lt"/>
+                <a:ea typeface="+mn-ea"/>
+                <a:cs typeface="+mn-cs"/>
+              </a:rPr>
+              <a:t> to set the display to inline for a class named </a:t>
+            </a:r>
+            <a:r>
+              <a:rPr lang="en-US" sz="1200" kern="1200" dirty="0" err="1">
+                <a:solidFill>
+                  <a:schemeClr val="tx1"/>
+                </a:solidFill>
+                <a:effectLst/>
+                <a:latin typeface="+mn-lt"/>
+                <a:ea typeface="+mn-ea"/>
+                <a:cs typeface="+mn-cs"/>
+              </a:rPr>
+              <a:t>inlineText</a:t>
+            </a:r>
+            <a:r>
+              <a:rPr lang="en-US" sz="1200" kern="1200" dirty="0">
+                <a:solidFill>
+                  <a:schemeClr val="tx1"/>
+                </a:solidFill>
+                <a:effectLst/>
+                <a:latin typeface="+mn-lt"/>
+                <a:ea typeface="+mn-ea"/>
+                <a:cs typeface="+mn-cs"/>
+              </a:rPr>
+              <a:t>.</a:t>
+            </a:r>
+          </a:p>
+          <a:p>
+            <a:pPr marL="171450" lvl="0" indent="-171450">
+              <a:buFont typeface="Arial" panose="020B0604020202020204" pitchFamily="34" charset="0"/>
+              <a:buChar char="•"/>
+            </a:pPr>
+            <a:r>
+              <a:rPr lang="en-US" sz="1200" kern="1200" dirty="0">
+                <a:solidFill>
+                  <a:schemeClr val="tx1"/>
+                </a:solidFill>
+                <a:effectLst/>
+                <a:latin typeface="+mn-lt"/>
+                <a:ea typeface="+mn-ea"/>
+                <a:cs typeface="+mn-cs"/>
+              </a:rPr>
+              <a:t>Write on the board the </a:t>
+            </a:r>
+            <a:r>
+              <a:rPr lang="en-US" sz="1200" kern="1200" dirty="0" err="1">
+                <a:solidFill>
+                  <a:schemeClr val="tx1"/>
+                </a:solidFill>
+                <a:effectLst/>
+                <a:latin typeface="+mn-lt"/>
+                <a:ea typeface="+mn-ea"/>
+                <a:cs typeface="+mn-cs"/>
+              </a:rPr>
+              <a:t>css</a:t>
+            </a:r>
+            <a:r>
+              <a:rPr lang="en-US" sz="1200" kern="1200" dirty="0">
+                <a:solidFill>
+                  <a:schemeClr val="tx1"/>
+                </a:solidFill>
+                <a:effectLst/>
+                <a:latin typeface="+mn-lt"/>
+                <a:ea typeface="+mn-ea"/>
+                <a:cs typeface="+mn-cs"/>
+              </a:rPr>
+              <a:t> to fix the footer element to the bottom of the page.</a:t>
+            </a:r>
+          </a:p>
+          <a:p>
+            <a:pPr marL="171450" lvl="0" indent="-171450">
+              <a:buFont typeface="Arial" panose="020B0604020202020204" pitchFamily="34" charset="0"/>
+              <a:buChar char="•"/>
+            </a:pPr>
+            <a:r>
+              <a:rPr lang="en-US" sz="1200" kern="1200" dirty="0">
+                <a:solidFill>
+                  <a:schemeClr val="tx1"/>
+                </a:solidFill>
+                <a:effectLst/>
+                <a:latin typeface="+mn-lt"/>
+                <a:ea typeface="+mn-ea"/>
+                <a:cs typeface="+mn-cs"/>
+              </a:rPr>
+              <a:t>What are some options for page layout?</a:t>
+            </a:r>
+          </a:p>
+          <a:p>
+            <a:pPr marL="171450" lvl="0" indent="-171450">
+              <a:buFont typeface="Arial" panose="020B0604020202020204" pitchFamily="34" charset="0"/>
+              <a:buChar char="•"/>
+            </a:pPr>
+            <a:r>
+              <a:rPr lang="en-US" sz="1200" kern="1200" dirty="0">
+                <a:solidFill>
+                  <a:schemeClr val="tx1"/>
+                </a:solidFill>
+                <a:effectLst/>
+                <a:latin typeface="+mn-lt"/>
+                <a:ea typeface="+mn-ea"/>
+                <a:cs typeface="+mn-cs"/>
+              </a:rPr>
+              <a:t>What can be done to make a page responsive?</a:t>
+            </a:r>
+          </a:p>
+          <a:p>
+            <a:pPr marL="457200" lvl="1" indent="0">
+              <a:buFont typeface="Arial" panose="020B0604020202020204" pitchFamily="34" charset="0"/>
+              <a:buNone/>
             </a:pPr>
             <a:endParaRPr lang="en-US" dirty="0"/>
           </a:p>
@@ -2816,7 +2816,7 @@
     </p:spTree>
     <p:extLst>
       <p:ext uri="{BB962C8B-B14F-4D97-AF65-F5344CB8AC3E}">
-        <p14:creationId xmlns:p14="http://schemas.microsoft.com/office/powerpoint/2010/main" val="4054273796"/>
+        <p14:creationId xmlns:p14="http://schemas.microsoft.com/office/powerpoint/2010/main" val="1375049745"/>
       </p:ext>
     </p:extLst>
   </p:cSld>
@@ -2870,195 +2870,9 @@
           <a:bodyPr/>
           <a:lstStyle/>
           <a:p>
-            <a:pPr marL="171450" lvl="0" indent="-171450">
+            <a:pPr marL="171450" indent="-171450">
               <a:buFont typeface="Arial" panose="020B0604020202020204" pitchFamily="34" charset="0"/>
               <a:buChar char="•"/>
-            </a:pPr>
-            <a:r>
-              <a:rPr lang="en-US" sz="1200" kern="1200" dirty="0" smtClean="0">
-                <a:solidFill>
-                  <a:schemeClr val="tx1"/>
-                </a:solidFill>
-                <a:effectLst/>
-                <a:latin typeface="+mn-lt"/>
-                <a:ea typeface="+mn-ea"/>
-                <a:cs typeface="+mn-cs"/>
-              </a:rPr>
-              <a:t>What tag is used to reference a separate CSS file?</a:t>
-            </a:r>
-          </a:p>
-          <a:p>
-            <a:pPr marL="171450" lvl="0" indent="-171450">
-              <a:buFont typeface="Arial" panose="020B0604020202020204" pitchFamily="34" charset="0"/>
-              <a:buChar char="•"/>
-            </a:pPr>
-            <a:r>
-              <a:rPr lang="en-US" sz="1200" kern="1200" dirty="0" smtClean="0">
-                <a:solidFill>
-                  <a:schemeClr val="tx1"/>
-                </a:solidFill>
-                <a:effectLst/>
-                <a:latin typeface="+mn-lt"/>
-                <a:ea typeface="+mn-ea"/>
-                <a:cs typeface="+mn-cs"/>
-              </a:rPr>
-              <a:t>Write on the board the </a:t>
-            </a:r>
-            <a:r>
-              <a:rPr lang="en-US" sz="1200" kern="1200" dirty="0" err="1" smtClean="0">
-                <a:solidFill>
-                  <a:schemeClr val="tx1"/>
-                </a:solidFill>
-                <a:effectLst/>
-                <a:latin typeface="+mn-lt"/>
-                <a:ea typeface="+mn-ea"/>
-                <a:cs typeface="+mn-cs"/>
-              </a:rPr>
-              <a:t>css</a:t>
-            </a:r>
-            <a:r>
-              <a:rPr lang="en-US" sz="1200" kern="1200" dirty="0" smtClean="0">
-                <a:solidFill>
-                  <a:schemeClr val="tx1"/>
-                </a:solidFill>
-                <a:effectLst/>
-                <a:latin typeface="+mn-lt"/>
-                <a:ea typeface="+mn-ea"/>
-                <a:cs typeface="+mn-cs"/>
-              </a:rPr>
-              <a:t> to make the font color red for an element with an id of header.</a:t>
-            </a:r>
-          </a:p>
-          <a:p>
-            <a:pPr marL="171450" lvl="0" indent="-171450">
-              <a:buFont typeface="Arial" panose="020B0604020202020204" pitchFamily="34" charset="0"/>
-              <a:buChar char="•"/>
-            </a:pPr>
-            <a:r>
-              <a:rPr lang="en-US" sz="1200" kern="1200" dirty="0" smtClean="0">
-                <a:solidFill>
-                  <a:schemeClr val="tx1"/>
-                </a:solidFill>
-                <a:effectLst/>
-                <a:latin typeface="+mn-lt"/>
-                <a:ea typeface="+mn-ea"/>
-                <a:cs typeface="+mn-cs"/>
-              </a:rPr>
-              <a:t>What makes up the box model?</a:t>
-            </a:r>
-          </a:p>
-          <a:p>
-            <a:pPr marL="171450" lvl="0" indent="-171450">
-              <a:buFont typeface="Arial" panose="020B0604020202020204" pitchFamily="34" charset="0"/>
-              <a:buChar char="•"/>
-            </a:pPr>
-            <a:r>
-              <a:rPr lang="en-US" sz="1200" kern="1200" dirty="0" smtClean="0">
-                <a:solidFill>
-                  <a:schemeClr val="tx1"/>
-                </a:solidFill>
-                <a:effectLst/>
-                <a:latin typeface="+mn-lt"/>
-                <a:ea typeface="+mn-ea"/>
-                <a:cs typeface="+mn-cs"/>
-              </a:rPr>
-              <a:t>Write on the board the </a:t>
-            </a:r>
-            <a:r>
-              <a:rPr lang="en-US" sz="1200" kern="1200" dirty="0" err="1" smtClean="0">
-                <a:solidFill>
-                  <a:schemeClr val="tx1"/>
-                </a:solidFill>
-                <a:effectLst/>
-                <a:latin typeface="+mn-lt"/>
-                <a:ea typeface="+mn-ea"/>
-                <a:cs typeface="+mn-cs"/>
-              </a:rPr>
-              <a:t>css</a:t>
-            </a:r>
-            <a:r>
-              <a:rPr lang="en-US" sz="1200" kern="1200" dirty="0" smtClean="0">
-                <a:solidFill>
-                  <a:schemeClr val="tx1"/>
-                </a:solidFill>
-                <a:effectLst/>
-                <a:latin typeface="+mn-lt"/>
-                <a:ea typeface="+mn-ea"/>
-                <a:cs typeface="+mn-cs"/>
-              </a:rPr>
-              <a:t> to set the display to inline for a class named </a:t>
-            </a:r>
-            <a:r>
-              <a:rPr lang="en-US" sz="1200" kern="1200" dirty="0" err="1" smtClean="0">
-                <a:solidFill>
-                  <a:schemeClr val="tx1"/>
-                </a:solidFill>
-                <a:effectLst/>
-                <a:latin typeface="+mn-lt"/>
-                <a:ea typeface="+mn-ea"/>
-                <a:cs typeface="+mn-cs"/>
-              </a:rPr>
-              <a:t>inlineText</a:t>
-            </a:r>
-            <a:r>
-              <a:rPr lang="en-US" sz="1200" kern="1200" dirty="0" smtClean="0">
-                <a:solidFill>
-                  <a:schemeClr val="tx1"/>
-                </a:solidFill>
-                <a:effectLst/>
-                <a:latin typeface="+mn-lt"/>
-                <a:ea typeface="+mn-ea"/>
-                <a:cs typeface="+mn-cs"/>
-              </a:rPr>
-              <a:t>.</a:t>
-            </a:r>
-          </a:p>
-          <a:p>
-            <a:pPr marL="171450" lvl="0" indent="-171450">
-              <a:buFont typeface="Arial" panose="020B0604020202020204" pitchFamily="34" charset="0"/>
-              <a:buChar char="•"/>
-            </a:pPr>
-            <a:r>
-              <a:rPr lang="en-US" sz="1200" kern="1200" dirty="0" smtClean="0">
-                <a:solidFill>
-                  <a:schemeClr val="tx1"/>
-                </a:solidFill>
-                <a:effectLst/>
-                <a:latin typeface="+mn-lt"/>
-                <a:ea typeface="+mn-ea"/>
-                <a:cs typeface="+mn-cs"/>
-              </a:rPr>
-              <a:t>Write on the board the </a:t>
-            </a:r>
-            <a:r>
-              <a:rPr lang="en-US" sz="1200" kern="1200" dirty="0" err="1" smtClean="0">
-                <a:solidFill>
-                  <a:schemeClr val="tx1"/>
-                </a:solidFill>
-                <a:effectLst/>
-                <a:latin typeface="+mn-lt"/>
-                <a:ea typeface="+mn-ea"/>
-                <a:cs typeface="+mn-cs"/>
-              </a:rPr>
-              <a:t>css</a:t>
-            </a:r>
-            <a:r>
-              <a:rPr lang="en-US" sz="1200" kern="1200" dirty="0" smtClean="0">
-                <a:solidFill>
-                  <a:schemeClr val="tx1"/>
-                </a:solidFill>
-                <a:effectLst/>
-                <a:latin typeface="+mn-lt"/>
-                <a:ea typeface="+mn-ea"/>
-                <a:cs typeface="+mn-cs"/>
-              </a:rPr>
-              <a:t> to fix the footer element to the bottom of the page.</a:t>
-            </a:r>
-          </a:p>
-          <a:p>
-            <a:pPr marL="457200" lvl="1" indent="0">
-              <a:buFont typeface="Arial" panose="020B0604020202020204" pitchFamily="34" charset="0"/>
-              <a:buNone/>
             </a:pPr>
             <a:endParaRPr lang="en-US" dirty="0"/>
           </a:p>
@@ -3090,7 +2904,7 @@
     </p:spTree>
     <p:extLst>
       <p:ext uri="{BB962C8B-B14F-4D97-AF65-F5344CB8AC3E}">
-        <p14:creationId xmlns:p14="http://schemas.microsoft.com/office/powerpoint/2010/main" val="1836442978"/>
+        <p14:creationId xmlns:p14="http://schemas.microsoft.com/office/powerpoint/2010/main" val="4054273796"/>
       </p:ext>
     </p:extLst>
   </p:cSld>
@@ -3144,6 +2958,280 @@
           <a:bodyPr/>
           <a:lstStyle/>
           <a:p>
+            <a:pPr marL="171450" lvl="0" indent="-171450">
+              <a:buFont typeface="Arial" panose="020B0604020202020204" pitchFamily="34" charset="0"/>
+              <a:buChar char="•"/>
+            </a:pPr>
+            <a:r>
+              <a:rPr lang="en-US" sz="1200" kern="1200" dirty="0">
+                <a:solidFill>
+                  <a:schemeClr val="tx1"/>
+                </a:solidFill>
+                <a:effectLst/>
+                <a:latin typeface="+mn-lt"/>
+                <a:ea typeface="+mn-ea"/>
+                <a:cs typeface="+mn-cs"/>
+              </a:rPr>
+              <a:t>What tag is used to reference a separate CSS file?</a:t>
+            </a:r>
+          </a:p>
+          <a:p>
+            <a:pPr marL="171450" lvl="0" indent="-171450">
+              <a:buFont typeface="Arial" panose="020B0604020202020204" pitchFamily="34" charset="0"/>
+              <a:buChar char="•"/>
+            </a:pPr>
+            <a:r>
+              <a:rPr lang="en-US" sz="1200" kern="1200" dirty="0">
+                <a:solidFill>
+                  <a:schemeClr val="tx1"/>
+                </a:solidFill>
+                <a:effectLst/>
+                <a:latin typeface="+mn-lt"/>
+                <a:ea typeface="+mn-ea"/>
+                <a:cs typeface="+mn-cs"/>
+              </a:rPr>
+              <a:t>Write on the board the </a:t>
+            </a:r>
+            <a:r>
+              <a:rPr lang="en-US" sz="1200" kern="1200" dirty="0" err="1">
+                <a:solidFill>
+                  <a:schemeClr val="tx1"/>
+                </a:solidFill>
+                <a:effectLst/>
+                <a:latin typeface="+mn-lt"/>
+                <a:ea typeface="+mn-ea"/>
+                <a:cs typeface="+mn-cs"/>
+              </a:rPr>
+              <a:t>css</a:t>
+            </a:r>
+            <a:r>
+              <a:rPr lang="en-US" sz="1200" kern="1200" dirty="0">
+                <a:solidFill>
+                  <a:schemeClr val="tx1"/>
+                </a:solidFill>
+                <a:effectLst/>
+                <a:latin typeface="+mn-lt"/>
+                <a:ea typeface="+mn-ea"/>
+                <a:cs typeface="+mn-cs"/>
+              </a:rPr>
+              <a:t> to make the font color red for an element with an id of header.</a:t>
+            </a:r>
+          </a:p>
+          <a:p>
+            <a:pPr marL="171450" lvl="0" indent="-171450">
+              <a:buFont typeface="Arial" panose="020B0604020202020204" pitchFamily="34" charset="0"/>
+              <a:buChar char="•"/>
+            </a:pPr>
+            <a:r>
+              <a:rPr lang="en-US" sz="1200" kern="1200" dirty="0">
+                <a:solidFill>
+                  <a:schemeClr val="tx1"/>
+                </a:solidFill>
+                <a:effectLst/>
+                <a:latin typeface="+mn-lt"/>
+                <a:ea typeface="+mn-ea"/>
+                <a:cs typeface="+mn-cs"/>
+              </a:rPr>
+              <a:t>What makes up the box model?</a:t>
+            </a:r>
+          </a:p>
+          <a:p>
+            <a:pPr marL="171450" lvl="0" indent="-171450">
+              <a:buFont typeface="Arial" panose="020B0604020202020204" pitchFamily="34" charset="0"/>
+              <a:buChar char="•"/>
+            </a:pPr>
+            <a:r>
+              <a:rPr lang="en-US" sz="1200" kern="1200" dirty="0">
+                <a:solidFill>
+                  <a:schemeClr val="tx1"/>
+                </a:solidFill>
+                <a:effectLst/>
+                <a:latin typeface="+mn-lt"/>
+                <a:ea typeface="+mn-ea"/>
+                <a:cs typeface="+mn-cs"/>
+              </a:rPr>
+              <a:t>Write on the board the </a:t>
+            </a:r>
+            <a:r>
+              <a:rPr lang="en-US" sz="1200" kern="1200" dirty="0" err="1">
+                <a:solidFill>
+                  <a:schemeClr val="tx1"/>
+                </a:solidFill>
+                <a:effectLst/>
+                <a:latin typeface="+mn-lt"/>
+                <a:ea typeface="+mn-ea"/>
+                <a:cs typeface="+mn-cs"/>
+              </a:rPr>
+              <a:t>css</a:t>
+            </a:r>
+            <a:r>
+              <a:rPr lang="en-US" sz="1200" kern="1200" dirty="0">
+                <a:solidFill>
+                  <a:schemeClr val="tx1"/>
+                </a:solidFill>
+                <a:effectLst/>
+                <a:latin typeface="+mn-lt"/>
+                <a:ea typeface="+mn-ea"/>
+                <a:cs typeface="+mn-cs"/>
+              </a:rPr>
+              <a:t> to set the display to inline for a class named </a:t>
+            </a:r>
+            <a:r>
+              <a:rPr lang="en-US" sz="1200" kern="1200" dirty="0" err="1">
+                <a:solidFill>
+                  <a:schemeClr val="tx1"/>
+                </a:solidFill>
+                <a:effectLst/>
+                <a:latin typeface="+mn-lt"/>
+                <a:ea typeface="+mn-ea"/>
+                <a:cs typeface="+mn-cs"/>
+              </a:rPr>
+              <a:t>inlineText</a:t>
+            </a:r>
+            <a:r>
+              <a:rPr lang="en-US" sz="1200" kern="1200" dirty="0">
+                <a:solidFill>
+                  <a:schemeClr val="tx1"/>
+                </a:solidFill>
+                <a:effectLst/>
+                <a:latin typeface="+mn-lt"/>
+                <a:ea typeface="+mn-ea"/>
+                <a:cs typeface="+mn-cs"/>
+              </a:rPr>
+              <a:t>.</a:t>
+            </a:r>
+          </a:p>
+          <a:p>
+            <a:pPr marL="171450" lvl="0" indent="-171450">
+              <a:buFont typeface="Arial" panose="020B0604020202020204" pitchFamily="34" charset="0"/>
+              <a:buChar char="•"/>
+            </a:pPr>
+            <a:r>
+              <a:rPr lang="en-US" sz="1200" kern="1200" dirty="0">
+                <a:solidFill>
+                  <a:schemeClr val="tx1"/>
+                </a:solidFill>
+                <a:effectLst/>
+                <a:latin typeface="+mn-lt"/>
+                <a:ea typeface="+mn-ea"/>
+                <a:cs typeface="+mn-cs"/>
+              </a:rPr>
+              <a:t>Write on the board the </a:t>
+            </a:r>
+            <a:r>
+              <a:rPr lang="en-US" sz="1200" kern="1200" dirty="0" err="1">
+                <a:solidFill>
+                  <a:schemeClr val="tx1"/>
+                </a:solidFill>
+                <a:effectLst/>
+                <a:latin typeface="+mn-lt"/>
+                <a:ea typeface="+mn-ea"/>
+                <a:cs typeface="+mn-cs"/>
+              </a:rPr>
+              <a:t>css</a:t>
+            </a:r>
+            <a:r>
+              <a:rPr lang="en-US" sz="1200" kern="1200" dirty="0">
+                <a:solidFill>
+                  <a:schemeClr val="tx1"/>
+                </a:solidFill>
+                <a:effectLst/>
+                <a:latin typeface="+mn-lt"/>
+                <a:ea typeface="+mn-ea"/>
+                <a:cs typeface="+mn-cs"/>
+              </a:rPr>
+              <a:t> to fix the footer element to the bottom of the page.</a:t>
+            </a:r>
+          </a:p>
+          <a:p>
+            <a:pPr marL="457200" lvl="1" indent="0">
+              <a:buFont typeface="Arial" panose="020B0604020202020204" pitchFamily="34" charset="0"/>
+              <a:buNone/>
+            </a:pPr>
+            <a:endParaRPr lang="en-US" dirty="0"/>
+          </a:p>
+        </p:txBody>
+      </p:sp>
+      <p:sp>
+        <p:nvSpPr>
+          <p:cNvPr id="4" name="Slide Number Placeholder 3"/>
+          <p:cNvSpPr>
+            <a:spLocks noGrp="1"/>
+          </p:cNvSpPr>
+          <p:nvPr>
+            <p:ph type="sldNum" sz="quarter" idx="10"/>
+          </p:nvPr>
+        </p:nvSpPr>
+        <p:spPr/>
+        <p:txBody>
+          <a:bodyPr/>
+          <a:lstStyle/>
+          <a:p>
+            <a:fld id="{226FA58D-4B12-4E7B-A2FA-693CE3EACDFD}" type="slidenum">
+              <a:rPr lang="en-US" smtClean="0"/>
+              <a:t>29</a:t>
+            </a:fld>
+            <a:endParaRPr lang="en-US"/>
+          </a:p>
+        </p:txBody>
+      </p:sp>
+    </p:spTree>
+    <p:extLst>
+      <p:ext uri="{BB962C8B-B14F-4D97-AF65-F5344CB8AC3E}">
+        <p14:creationId xmlns:p14="http://schemas.microsoft.com/office/powerpoint/2010/main" val="1836442978"/>
+      </p:ext>
+    </p:extLst>
+  </p:cSld>
+  <p:clrMapOvr>
+    <a:masterClrMapping/>
+  </p:clrMapOvr>
+</p:notes>
+</file>
+
+<file path=ppt/notesSlides/notesSlide29.xml><?xml version="1.0" encoding="utf-8"?>
+<p:notes xmlns:a="http://schemas.openxmlformats.org/drawingml/2006/main" xmlns:r="http://schemas.openxmlformats.org/officeDocument/2006/relationships" xmlns:p="http://schemas.openxmlformats.org/presentationml/2006/main">
+  <p:cSld>
+    <p:spTree>
+      <p:nvGrpSpPr>
+        <p:cNvPr id="1" name=""/>
+        <p:cNvGrpSpPr/>
+        <p:nvPr/>
+      </p:nvGrpSpPr>
+      <p:grpSpPr>
+        <a:xfrm>
+          <a:off x="0" y="0"/>
+          <a:ext cx="0" cy="0"/>
+          <a:chOff x="0" y="0"/>
+          <a:chExt cx="0" cy="0"/>
+        </a:xfrm>
+      </p:grpSpPr>
+      <p:sp>
+        <p:nvSpPr>
+          <p:cNvPr id="2" name="Slide Image Placeholder 1"/>
+          <p:cNvSpPr>
+            <a:spLocks noGrp="1" noRot="1" noChangeAspect="1"/>
+          </p:cNvSpPr>
+          <p:nvPr>
+            <p:ph type="sldImg"/>
+          </p:nvPr>
+        </p:nvSpPr>
+        <p:spPr/>
+      </p:sp>
+      <p:sp>
+        <p:nvSpPr>
+          <p:cNvPr id="3" name="Notes Placeholder 2"/>
+          <p:cNvSpPr>
+            <a:spLocks noGrp="1"/>
+          </p:cNvSpPr>
+          <p:nvPr>
+            <p:ph type="body" idx="1"/>
+          </p:nvPr>
+        </p:nvSpPr>
+        <p:spPr/>
+        <p:txBody>
+          <a:bodyPr/>
+          <a:lstStyle/>
+          <a:p>
             <a:pPr marL="171450" indent="-171450">
               <a:buFont typeface="Arial" panose="020B0604020202020204" pitchFamily="34" charset="0"/>
               <a:buChar char="•"/>
@@ -3169,7 +3257,7 @@
           <a:p>
             <a:fld id="{226FA58D-4B12-4E7B-A2FA-693CE3EACDFD}" type="slidenum">
               <a:rPr lang="en-US" smtClean="0"/>
-              <a:t>29</a:t>
+              <a:t>30</a:t>
             </a:fld>
             <a:endParaRPr lang="en-US"/>
           </a:p>
@@ -3237,7 +3325,7 @@
               <a:buChar char="•"/>
             </a:pPr>
             <a:r>
-              <a:rPr lang="en-US" baseline="0" dirty="0" smtClean="0"/>
+              <a:rPr lang="en-US" baseline="0" dirty="0"/>
               <a:t>You can also specify styling within the page.</a:t>
             </a:r>
           </a:p>
@@ -3247,7 +3335,7 @@
               <a:buChar char="•"/>
             </a:pPr>
             <a:r>
-              <a:rPr lang="en-US" baseline="0" dirty="0" smtClean="0"/>
+              <a:rPr lang="en-US" baseline="0" dirty="0"/>
               <a:t>Add the style element within the head element</a:t>
             </a:r>
           </a:p>
@@ -3257,7 +3345,7 @@
               <a:buChar char="•"/>
             </a:pPr>
             <a:r>
-              <a:rPr lang="en-US" baseline="0" dirty="0" smtClean="0"/>
+              <a:rPr lang="en-US" baseline="0" dirty="0"/>
               <a:t>Then styles can be specified.</a:t>
             </a:r>
           </a:p>
@@ -3348,7 +3436,7 @@
               <a:buChar char="•"/>
             </a:pPr>
             <a:r>
-              <a:rPr lang="en-US" baseline="0" dirty="0" smtClean="0"/>
+              <a:rPr lang="en-US" baseline="0" dirty="0"/>
               <a:t>Finally you can also specify styles in another file.</a:t>
             </a:r>
           </a:p>
@@ -3358,7 +3446,7 @@
               <a:buChar char="•"/>
             </a:pPr>
             <a:r>
-              <a:rPr lang="en-US" baseline="0" dirty="0" smtClean="0"/>
+              <a:rPr lang="en-US" baseline="0" dirty="0"/>
               <a:t>This is the recommended approach.</a:t>
             </a:r>
           </a:p>
@@ -3368,15 +3456,15 @@
               <a:buChar char="•"/>
             </a:pPr>
             <a:r>
-              <a:rPr lang="en-US" baseline="0" dirty="0" smtClean="0"/>
+              <a:rPr lang="en-US" baseline="0" dirty="0"/>
               <a:t>Link the </a:t>
             </a:r>
             <a:r>
-              <a:rPr lang="en-US" baseline="0" dirty="0" err="1" smtClean="0"/>
+              <a:rPr lang="en-US" baseline="0" dirty="0" err="1"/>
               <a:t>css</a:t>
             </a:r>
             <a:r>
-              <a:rPr lang="en-US" baseline="0" dirty="0" smtClean="0"/>
+              <a:rPr lang="en-US" baseline="0" dirty="0"/>
               <a:t> file by adding a link element to the head element</a:t>
             </a:r>
           </a:p>
@@ -3386,15 +3474,15 @@
               <a:buChar char="•"/>
             </a:pPr>
             <a:r>
-              <a:rPr lang="en-US" baseline="0" dirty="0" smtClean="0"/>
+              <a:rPr lang="en-US" baseline="0" dirty="0"/>
               <a:t>Specify </a:t>
             </a:r>
             <a:r>
-              <a:rPr lang="en-US" baseline="0" dirty="0" err="1" smtClean="0"/>
+              <a:rPr lang="en-US" baseline="0" dirty="0" err="1"/>
               <a:t>rel</a:t>
             </a:r>
             <a:r>
-              <a:rPr lang="en-US" baseline="0" dirty="0" smtClean="0"/>
+              <a:rPr lang="en-US" baseline="0" dirty="0"/>
               <a:t> as stylesheet</a:t>
             </a:r>
           </a:p>
@@ -3404,14 +3492,14 @@
               <a:buChar char="•"/>
             </a:pPr>
             <a:r>
-              <a:rPr lang="en-US" baseline="0" dirty="0" smtClean="0"/>
+              <a:rPr lang="en-US" baseline="0" dirty="0"/>
               <a:t>Specify type as text/</a:t>
             </a:r>
             <a:r>
-              <a:rPr lang="en-US" baseline="0" dirty="0" err="1" smtClean="0"/>
+              <a:rPr lang="en-US" baseline="0" dirty="0" err="1"/>
               <a:t>css</a:t>
             </a:r>
-            <a:endParaRPr lang="en-US" baseline="0" dirty="0" smtClean="0"/>
+            <a:endParaRPr lang="en-US" baseline="0" dirty="0"/>
           </a:p>
           <a:p>
             <a:pPr marL="171450" indent="-171450">
@@ -3419,23 +3507,23 @@
               <a:buChar char="•"/>
             </a:pPr>
             <a:r>
-              <a:rPr lang="en-US" baseline="0" dirty="0" smtClean="0"/>
+              <a:rPr lang="en-US" baseline="0" dirty="0"/>
               <a:t>Then specify the </a:t>
             </a:r>
             <a:r>
-              <a:rPr lang="en-US" baseline="0" dirty="0" err="1" smtClean="0"/>
+              <a:rPr lang="en-US" baseline="0" dirty="0" err="1"/>
               <a:t>href</a:t>
             </a:r>
             <a:r>
-              <a:rPr lang="en-US" baseline="0" dirty="0" smtClean="0"/>
+              <a:rPr lang="en-US" baseline="0" dirty="0"/>
               <a:t> as the location of the </a:t>
             </a:r>
             <a:r>
-              <a:rPr lang="en-US" baseline="0" dirty="0" err="1" smtClean="0"/>
+              <a:rPr lang="en-US" baseline="0" dirty="0" err="1"/>
               <a:t>css</a:t>
             </a:r>
             <a:r>
-              <a:rPr lang="en-US" baseline="0" dirty="0" smtClean="0"/>
+              <a:rPr lang="en-US" baseline="0" dirty="0"/>
               <a:t> file.</a:t>
             </a:r>
           </a:p>
@@ -3526,7 +3614,7 @@
               <a:buChar char="•"/>
             </a:pPr>
             <a:r>
-              <a:rPr lang="en-US" baseline="0" dirty="0" smtClean="0"/>
+              <a:rPr lang="en-US" baseline="0" dirty="0"/>
               <a:t>These are different selectors that can be used to set a style for</a:t>
             </a:r>
           </a:p>
@@ -3536,7 +3624,7 @@
               <a:buChar char="•"/>
             </a:pPr>
             <a:r>
-              <a:rPr lang="en-US" baseline="0" dirty="0" smtClean="0"/>
+              <a:rPr lang="en-US" baseline="0" dirty="0"/>
               <a:t>The most obvious ones are ID, class, and element</a:t>
             </a:r>
           </a:p>
@@ -3546,7 +3634,7 @@
               <a:buChar char="•"/>
             </a:pPr>
             <a:r>
-              <a:rPr lang="en-US" baseline="0" dirty="0" smtClean="0"/>
+              <a:rPr lang="en-US" baseline="0" dirty="0"/>
               <a:t>To specify an id, put a # in front of it.</a:t>
             </a:r>
           </a:p>
@@ -3556,7 +3644,7 @@
               <a:buChar char="•"/>
             </a:pPr>
             <a:r>
-              <a:rPr lang="en-US" baseline="0" dirty="0" smtClean="0"/>
+              <a:rPr lang="en-US" baseline="0" dirty="0"/>
               <a:t>To specify a class, put a . In front of it.</a:t>
             </a:r>
           </a:p>
@@ -3566,7 +3654,7 @@
               <a:buChar char="•"/>
             </a:pPr>
             <a:r>
-              <a:rPr lang="en-US" baseline="0" dirty="0" smtClean="0"/>
+              <a:rPr lang="en-US" baseline="0" dirty="0"/>
               <a:t>To specify an element, just write it.</a:t>
             </a:r>
           </a:p>
@@ -3576,7 +3664,7 @@
               <a:buChar char="•"/>
             </a:pPr>
             <a:r>
-              <a:rPr lang="en-US" baseline="0" dirty="0" smtClean="0"/>
+              <a:rPr lang="en-US" baseline="0" dirty="0"/>
               <a:t>With these selectors it could apply to many elements throughout the site</a:t>
             </a:r>
           </a:p>
@@ -3586,7 +3674,7 @@
               <a:buChar char="•"/>
             </a:pPr>
             <a:r>
-              <a:rPr lang="en-US" baseline="0" dirty="0" smtClean="0"/>
+              <a:rPr lang="en-US" baseline="0" dirty="0"/>
               <a:t>All of these elements are updated with the style.</a:t>
             </a:r>
           </a:p>
@@ -3677,7 +3765,7 @@
               <a:buChar char="•"/>
             </a:pPr>
             <a:r>
-              <a:rPr lang="en-US" baseline="0" dirty="0" smtClean="0"/>
+              <a:rPr lang="en-US" baseline="0" dirty="0"/>
               <a:t>Comments are provided with the /* */ syntax.</a:t>
             </a:r>
           </a:p>
@@ -3687,7 +3775,7 @@
               <a:buChar char="•"/>
             </a:pPr>
             <a:r>
-              <a:rPr lang="en-US" baseline="0" dirty="0" smtClean="0"/>
+              <a:rPr lang="en-US" baseline="0" dirty="0"/>
               <a:t>Single and multi line comments are the same.</a:t>
             </a:r>
           </a:p>
@@ -3778,7 +3866,7 @@
               <a:buChar char="•"/>
             </a:pPr>
             <a:r>
-              <a:rPr lang="en-US" baseline="0" dirty="0" smtClean="0"/>
+              <a:rPr lang="en-US" baseline="0" dirty="0"/>
               <a:t>You can set the font color, background color, or border color.</a:t>
             </a:r>
           </a:p>
@@ -3788,7 +3876,7 @@
               <a:buChar char="•"/>
             </a:pPr>
             <a:r>
-              <a:rPr lang="en-US" baseline="0" dirty="0" smtClean="0"/>
+              <a:rPr lang="en-US" baseline="0" dirty="0"/>
               <a:t>The font color is specified using the color style</a:t>
             </a:r>
           </a:p>
@@ -3798,7 +3886,7 @@
               <a:buChar char="•"/>
             </a:pPr>
             <a:r>
-              <a:rPr lang="en-US" baseline="0" dirty="0" smtClean="0"/>
+              <a:rPr lang="en-US" baseline="0" dirty="0"/>
               <a:t>The background color is specified using the background-color style</a:t>
             </a:r>
           </a:p>
@@ -3808,7 +3896,7 @@
               <a:buChar char="•"/>
             </a:pPr>
             <a:r>
-              <a:rPr lang="en-US" baseline="0" dirty="0" smtClean="0"/>
+              <a:rPr lang="en-US" baseline="0" dirty="0"/>
               <a:t>The border color is specified using the border-color style</a:t>
             </a:r>
           </a:p>
@@ -3818,7 +3906,7 @@
               <a:buChar char="•"/>
             </a:pPr>
             <a:r>
-              <a:rPr lang="en-US" baseline="0" dirty="0" smtClean="0"/>
+              <a:rPr lang="en-US" baseline="0" dirty="0"/>
               <a:t>Colors can be specified in multiple ways.</a:t>
             </a:r>
           </a:p>
@@ -3828,7 +3916,7 @@
               <a:buChar char="•"/>
             </a:pPr>
             <a:r>
-              <a:rPr lang="en-US" baseline="0" dirty="0" smtClean="0"/>
+              <a:rPr lang="en-US" baseline="0" dirty="0"/>
               <a:t>There are many colors that are named.</a:t>
             </a:r>
           </a:p>
@@ -3838,7 +3926,7 @@
               <a:buChar char="•"/>
             </a:pPr>
             <a:r>
-              <a:rPr lang="en-US" baseline="0" dirty="0" smtClean="0"/>
+              <a:rPr lang="en-US" baseline="0" dirty="0"/>
               <a:t>In this way you can set the color by its name</a:t>
             </a:r>
           </a:p>
@@ -3848,7 +3936,7 @@
               <a:buChar char="•"/>
             </a:pPr>
             <a:r>
-              <a:rPr lang="en-US" baseline="0" dirty="0" smtClean="0"/>
+              <a:rPr lang="en-US" baseline="0" dirty="0"/>
               <a:t>You can also use RGB, which is specifying the values for red, green, and blue.</a:t>
             </a:r>
           </a:p>
@@ -3858,7 +3946,7 @@
               <a:buChar char="•"/>
             </a:pPr>
             <a:r>
-              <a:rPr lang="en-US" baseline="0" dirty="0" smtClean="0"/>
+              <a:rPr lang="en-US" baseline="0" dirty="0"/>
               <a:t>Finally, you can use the hex value.</a:t>
             </a:r>
           </a:p>
@@ -3949,7 +4037,7 @@
               <a:buChar char="•"/>
             </a:pPr>
             <a:r>
-              <a:rPr lang="en-US" baseline="0" dirty="0" smtClean="0"/>
+              <a:rPr lang="en-US" baseline="0" dirty="0"/>
               <a:t>There are many styles for text.</a:t>
             </a:r>
           </a:p>
@@ -3959,7 +4047,7 @@
               <a:buChar char="•"/>
             </a:pPr>
             <a:r>
-              <a:rPr lang="en-US" baseline="0" dirty="0" smtClean="0"/>
+              <a:rPr lang="en-US" baseline="0" dirty="0"/>
               <a:t>As just mentioned there is color for the text color.</a:t>
             </a:r>
           </a:p>
@@ -3969,7 +4057,7 @@
               <a:buChar char="•"/>
             </a:pPr>
             <a:r>
-              <a:rPr lang="en-US" baseline="0" dirty="0" smtClean="0"/>
+              <a:rPr lang="en-US" baseline="0" dirty="0"/>
               <a:t>There is text-align to specify the horizontal alignment.</a:t>
             </a:r>
           </a:p>
@@ -3979,7 +4067,7 @@
               <a:buChar char="•"/>
             </a:pPr>
             <a:r>
-              <a:rPr lang="en-US" baseline="0" dirty="0" smtClean="0"/>
+              <a:rPr lang="en-US" baseline="0" dirty="0"/>
               <a:t>And much more</a:t>
             </a:r>
           </a:p>
@@ -4151,7 +4239,7 @@
           </a:lstStyle>
           <a:p>
             <a:r>
-              <a:rPr lang="en-US" smtClean="0"/>
+              <a:rPr lang="en-US"/>
               <a:t>Click to edit Master title style</a:t>
             </a:r>
             <a:endParaRPr lang="en-US" dirty="0"/>
@@ -4271,7 +4359,7 @@
           </a:lstStyle>
           <a:p>
             <a:r>
-              <a:rPr lang="en-US" smtClean="0"/>
+              <a:rPr lang="en-US"/>
               <a:t>Click to edit Master subtitle style</a:t>
             </a:r>
             <a:endParaRPr lang="en-US" dirty="0"/>
@@ -4295,7 +4383,7 @@
           <a:p>
             <a:fld id="{96FB5D56-0812-4ED5-8B52-3D0DCBF578CB}" type="datetimeFigureOut">
               <a:rPr lang="en-US" smtClean="0"/>
-              <a:t>3/14/2018</a:t>
+              <a:t>5/28/2018</a:t>
             </a:fld>
             <a:endParaRPr lang="en-US"/>
           </a:p>
@@ -4400,7 +4488,7 @@
           </a:lstStyle>
           <a:p>
             <a:r>
-              <a:rPr lang="en-US" smtClean="0"/>
+              <a:rPr lang="en-US"/>
               <a:t>Click to edit Master title style</a:t>
             </a:r>
             <a:endParaRPr lang="en-US" dirty="0"/>
@@ -4479,7 +4567,7 @@
           </a:lstStyle>
           <a:p>
             <a:r>
-              <a:rPr lang="en-US" smtClean="0"/>
+              <a:rPr lang="en-US"/>
               <a:t>Click icon to add picture</a:t>
             </a:r>
             <a:endParaRPr lang="en-US" dirty="0"/>
@@ -4547,7 +4635,7 @@
           <a:p>
             <a:pPr lvl="0"/>
             <a:r>
-              <a:rPr lang="en-US" smtClean="0"/>
+              <a:rPr lang="en-US"/>
               <a:t>Click to edit Master text styles</a:t>
             </a:r>
           </a:p>
@@ -4570,7 +4658,7 @@
           <a:p>
             <a:fld id="{96FB5D56-0812-4ED5-8B52-3D0DCBF578CB}" type="datetimeFigureOut">
               <a:rPr lang="en-US" smtClean="0"/>
-              <a:t>3/14/2018</a:t>
+              <a:t>5/28/2018</a:t>
             </a:fld>
             <a:endParaRPr lang="en-US"/>
           </a:p>
@@ -4673,7 +4761,7 @@
           </a:lstStyle>
           <a:p>
             <a:r>
-              <a:rPr lang="en-US" smtClean="0"/>
+              <a:rPr lang="en-US"/>
               <a:t>Click to edit Master title style</a:t>
             </a:r>
             <a:endParaRPr lang="en-US" dirty="0"/>
@@ -4741,7 +4829,7 @@
           <a:p>
             <a:pPr lvl="0"/>
             <a:r>
-              <a:rPr lang="en-US" smtClean="0"/>
+              <a:rPr lang="en-US"/>
               <a:t>Click to edit Master text styles</a:t>
             </a:r>
           </a:p>
@@ -4764,7 +4852,7 @@
           <a:p>
             <a:fld id="{96FB5D56-0812-4ED5-8B52-3D0DCBF578CB}" type="datetimeFigureOut">
               <a:rPr lang="en-US" smtClean="0"/>
-              <a:t>3/14/2018</a:t>
+              <a:t>5/28/2018</a:t>
             </a:fld>
             <a:endParaRPr lang="en-US"/>
           </a:p>
@@ -4867,7 +4955,7 @@
           </a:lstStyle>
           <a:p>
             <a:r>
-              <a:rPr lang="en-US" smtClean="0"/>
+              <a:rPr lang="en-US"/>
               <a:t>Click to edit Master title style</a:t>
             </a:r>
             <a:endParaRPr lang="en-US" dirty="0"/>
@@ -4947,7 +5035,7 @@
               <a:buNone/>
             </a:pPr>
             <a:r>
-              <a:rPr lang="en-US" smtClean="0"/>
+              <a:rPr lang="en-US"/>
               <a:t>Click to edit Master text styles</a:t>
             </a:r>
           </a:p>
@@ -5014,7 +5102,7 @@
           <a:p>
             <a:pPr lvl="0"/>
             <a:r>
-              <a:rPr lang="en-US" smtClean="0"/>
+              <a:rPr lang="en-US"/>
               <a:t>Click to edit Master text styles</a:t>
             </a:r>
           </a:p>
@@ -5037,7 +5125,7 @@
           <a:p>
             <a:fld id="{96FB5D56-0812-4ED5-8B52-3D0DCBF578CB}" type="datetimeFigureOut">
               <a:rPr lang="en-US" smtClean="0"/>
-              <a:t>3/14/2018</a:t>
+              <a:t>5/28/2018</a:t>
             </a:fld>
             <a:endParaRPr lang="en-US"/>
           </a:p>
@@ -5234,7 +5322,7 @@
           </a:lstStyle>
           <a:p>
             <a:r>
-              <a:rPr lang="en-US" smtClean="0"/>
+              <a:rPr lang="en-US"/>
               <a:t>Click to edit Master title style</a:t>
             </a:r>
             <a:endParaRPr lang="en-US" dirty="0"/>
@@ -5355,7 +5443,7 @@
           <a:p>
             <a:pPr lvl="0"/>
             <a:r>
-              <a:rPr lang="en-US" smtClean="0"/>
+              <a:rPr lang="en-US"/>
               <a:t>Click to edit Master text styles</a:t>
             </a:r>
           </a:p>
@@ -5378,7 +5466,7 @@
           <a:p>
             <a:fld id="{96FB5D56-0812-4ED5-8B52-3D0DCBF578CB}" type="datetimeFigureOut">
               <a:rPr lang="en-US" smtClean="0"/>
-              <a:t>3/14/2018</a:t>
+              <a:t>5/28/2018</a:t>
             </a:fld>
             <a:endParaRPr lang="en-US"/>
           </a:p>
@@ -5476,7 +5564,7 @@
           </a:lstStyle>
           <a:p>
             <a:r>
-              <a:rPr lang="en-US" smtClean="0"/>
+              <a:rPr lang="en-US"/>
               <a:t>Click to edit Master title style</a:t>
             </a:r>
             <a:endParaRPr lang="en-US" dirty="0"/>
@@ -5551,7 +5639,7 @@
           <a:p>
             <a:pPr lvl="0"/>
             <a:r>
-              <a:rPr lang="en-US" smtClean="0"/>
+              <a:rPr lang="en-US"/>
               <a:t>Click to edit Master text styles</a:t>
             </a:r>
           </a:p>
@@ -5618,7 +5706,7 @@
           <a:p>
             <a:pPr lvl="0"/>
             <a:r>
-              <a:rPr lang="en-US" smtClean="0"/>
+              <a:rPr lang="en-US"/>
               <a:t>Click to edit Master text styles</a:t>
             </a:r>
           </a:p>
@@ -5692,7 +5780,7 @@
           <a:p>
             <a:pPr lvl="0"/>
             <a:r>
-              <a:rPr lang="en-US" smtClean="0"/>
+              <a:rPr lang="en-US"/>
               <a:t>Click to edit Master text styles</a:t>
             </a:r>
           </a:p>
@@ -5759,7 +5847,7 @@
           <a:p>
             <a:pPr lvl="0"/>
             <a:r>
-              <a:rPr lang="en-US" smtClean="0"/>
+              <a:rPr lang="en-US"/>
               <a:t>Click to edit Master text styles</a:t>
             </a:r>
           </a:p>
@@ -5833,7 +5921,7 @@
           <a:p>
             <a:pPr lvl="0"/>
             <a:r>
-              <a:rPr lang="en-US" smtClean="0"/>
+              <a:rPr lang="en-US"/>
               <a:t>Click to edit Master text styles</a:t>
             </a:r>
           </a:p>
@@ -5900,7 +5988,7 @@
           <a:p>
             <a:pPr lvl="0"/>
             <a:r>
-              <a:rPr lang="en-US" smtClean="0"/>
+              <a:rPr lang="en-US"/>
               <a:t>Click to edit Master text styles</a:t>
             </a:r>
           </a:p>
@@ -6001,7 +6089,7 @@
           <a:p>
             <a:fld id="{96FB5D56-0812-4ED5-8B52-3D0DCBF578CB}" type="datetimeFigureOut">
               <a:rPr lang="en-US" smtClean="0"/>
-              <a:t>3/14/2018</a:t>
+              <a:t>5/28/2018</a:t>
             </a:fld>
             <a:endParaRPr lang="en-US"/>
           </a:p>
@@ -6099,7 +6187,7 @@
           </a:lstStyle>
           <a:p>
             <a:r>
-              <a:rPr lang="en-US" smtClean="0"/>
+              <a:rPr lang="en-US"/>
               <a:t>Click to edit Master title style</a:t>
             </a:r>
             <a:endParaRPr lang="en-US" dirty="0"/>
@@ -6174,7 +6262,7 @@
           <a:p>
             <a:pPr lvl="0"/>
             <a:r>
-              <a:rPr lang="en-US" smtClean="0"/>
+              <a:rPr lang="en-US"/>
               <a:t>Click to edit Master text styles</a:t>
             </a:r>
           </a:p>
@@ -6252,7 +6340,7 @@
           </a:lstStyle>
           <a:p>
             <a:r>
-              <a:rPr lang="en-US" smtClean="0"/>
+              <a:rPr lang="en-US"/>
               <a:t>Click icon to add picture</a:t>
             </a:r>
             <a:endParaRPr lang="en-US" dirty="0"/>
@@ -6320,7 +6408,7 @@
           <a:p>
             <a:pPr lvl="0"/>
             <a:r>
-              <a:rPr lang="en-US" smtClean="0"/>
+              <a:rPr lang="en-US"/>
               <a:t>Click to edit Master text styles</a:t>
             </a:r>
           </a:p>
@@ -6394,7 +6482,7 @@
           <a:p>
             <a:pPr lvl="0"/>
             <a:r>
-              <a:rPr lang="en-US" smtClean="0"/>
+              <a:rPr lang="en-US"/>
               <a:t>Click to edit Master text styles</a:t>
             </a:r>
           </a:p>
@@ -6472,7 +6560,7 @@
           </a:lstStyle>
           <a:p>
             <a:r>
-              <a:rPr lang="en-US" smtClean="0"/>
+              <a:rPr lang="en-US"/>
               <a:t>Click icon to add picture</a:t>
             </a:r>
             <a:endParaRPr lang="en-US" dirty="0"/>
@@ -6540,7 +6628,7 @@
           <a:p>
             <a:pPr lvl="0"/>
             <a:r>
-              <a:rPr lang="en-US" smtClean="0"/>
+              <a:rPr lang="en-US"/>
               <a:t>Click to edit Master text styles</a:t>
             </a:r>
           </a:p>
@@ -6614,7 +6702,7 @@
           <a:p>
             <a:pPr lvl="0"/>
             <a:r>
-              <a:rPr lang="en-US" smtClean="0"/>
+              <a:rPr lang="en-US"/>
               <a:t>Click to edit Master text styles</a:t>
             </a:r>
           </a:p>
@@ -6692,7 +6780,7 @@
           </a:lstStyle>
           <a:p>
             <a:r>
-              <a:rPr lang="en-US" smtClean="0"/>
+              <a:rPr lang="en-US"/>
               <a:t>Click icon to add picture</a:t>
             </a:r>
             <a:endParaRPr lang="en-US" dirty="0"/>
@@ -6760,7 +6848,7 @@
           <a:p>
             <a:pPr lvl="0"/>
             <a:r>
-              <a:rPr lang="en-US" smtClean="0"/>
+              <a:rPr lang="en-US"/>
               <a:t>Click to edit Master text styles</a:t>
             </a:r>
           </a:p>
@@ -6861,7 +6949,7 @@
           <a:p>
             <a:fld id="{96FB5D56-0812-4ED5-8B52-3D0DCBF578CB}" type="datetimeFigureOut">
               <a:rPr lang="en-US" smtClean="0"/>
-              <a:t>3/14/2018</a:t>
+              <a:t>5/28/2018</a:t>
             </a:fld>
             <a:endParaRPr lang="en-US"/>
           </a:p>
@@ -6955,7 +7043,7 @@
           <a:lstStyle/>
           <a:p>
             <a:r>
-              <a:rPr lang="en-US" smtClean="0"/>
+              <a:rPr lang="en-US"/>
               <a:t>Click to edit Master title style</a:t>
             </a:r>
             <a:endParaRPr lang="en-US" dirty="0"/>
@@ -6979,35 +7067,35 @@
           <a:p>
             <a:pPr lvl="0"/>
             <a:r>
-              <a:rPr lang="en-US" smtClean="0"/>
+              <a:rPr lang="en-US"/>
               <a:t>Click to edit Master text styles</a:t>
             </a:r>
           </a:p>
           <a:p>
             <a:pPr lvl="1"/>
             <a:r>
-              <a:rPr lang="en-US" smtClean="0"/>
+              <a:rPr lang="en-US"/>
               <a:t>Second level</a:t>
             </a:r>
           </a:p>
           <a:p>
             <a:pPr lvl="2"/>
             <a:r>
-              <a:rPr lang="en-US" smtClean="0"/>
+              <a:rPr lang="en-US"/>
               <a:t>Third level</a:t>
             </a:r>
           </a:p>
           <a:p>
             <a:pPr lvl="3"/>
             <a:r>
-              <a:rPr lang="en-US" smtClean="0"/>
+              <a:rPr lang="en-US"/>
               <a:t>Fourth level</a:t>
             </a:r>
           </a:p>
           <a:p>
             <a:pPr lvl="4"/>
             <a:r>
-              <a:rPr lang="en-US" smtClean="0"/>
+              <a:rPr lang="en-US"/>
               <a:t>Fifth level</a:t>
             </a:r>
             <a:endParaRPr lang="en-US" dirty="0"/>
@@ -7031,7 +7119,7 @@
           <a:p>
             <a:fld id="{96FB5D56-0812-4ED5-8B52-3D0DCBF578CB}" type="datetimeFigureOut">
               <a:rPr lang="en-US" smtClean="0"/>
-              <a:t>3/14/2018</a:t>
+              <a:t>5/28/2018</a:t>
             </a:fld>
             <a:endParaRPr lang="en-US"/>
           </a:p>
@@ -7130,7 +7218,7 @@
           <a:lstStyle/>
           <a:p>
             <a:r>
-              <a:rPr lang="en-US" smtClean="0"/>
+              <a:rPr lang="en-US"/>
               <a:t>Click to edit Master title style</a:t>
             </a:r>
             <a:endParaRPr lang="en-US" dirty="0"/>
@@ -7159,35 +7247,35 @@
           <a:p>
             <a:pPr lvl="0"/>
             <a:r>
-              <a:rPr lang="en-US" smtClean="0"/>
+              <a:rPr lang="en-US"/>
               <a:t>Click to edit Master text styles</a:t>
             </a:r>
           </a:p>
           <a:p>
             <a:pPr lvl="1"/>
             <a:r>
-              <a:rPr lang="en-US" smtClean="0"/>
+              <a:rPr lang="en-US"/>
               <a:t>Second level</a:t>
             </a:r>
           </a:p>
           <a:p>
             <a:pPr lvl="2"/>
             <a:r>
-              <a:rPr lang="en-US" smtClean="0"/>
+              <a:rPr lang="en-US"/>
               <a:t>Third level</a:t>
             </a:r>
           </a:p>
           <a:p>
             <a:pPr lvl="3"/>
             <a:r>
-              <a:rPr lang="en-US" smtClean="0"/>
+              <a:rPr lang="en-US"/>
               <a:t>Fourth level</a:t>
             </a:r>
           </a:p>
           <a:p>
             <a:pPr lvl="4"/>
             <a:r>
-              <a:rPr lang="en-US" smtClean="0"/>
+              <a:rPr lang="en-US"/>
               <a:t>Fifth level</a:t>
             </a:r>
             <a:endParaRPr lang="en-US" dirty="0"/>
@@ -7211,7 +7299,7 @@
           <a:p>
             <a:fld id="{96FB5D56-0812-4ED5-8B52-3D0DCBF578CB}" type="datetimeFigureOut">
               <a:rPr lang="en-US" smtClean="0"/>
-              <a:t>3/14/2018</a:t>
+              <a:t>5/28/2018</a:t>
             </a:fld>
             <a:endParaRPr lang="en-US"/>
           </a:p>
@@ -7305,7 +7393,7 @@
           <a:lstStyle/>
           <a:p>
             <a:r>
-              <a:rPr lang="en-US" smtClean="0"/>
+              <a:rPr lang="en-US"/>
               <a:t>Click to edit Master title style</a:t>
             </a:r>
             <a:endParaRPr lang="en-US" dirty="0"/>
@@ -7329,35 +7417,35 @@
           <a:p>
             <a:pPr lvl="0"/>
             <a:r>
-              <a:rPr lang="en-US" smtClean="0"/>
+              <a:rPr lang="en-US"/>
               <a:t>Click to edit Master text styles</a:t>
             </a:r>
           </a:p>
           <a:p>
             <a:pPr lvl="1"/>
             <a:r>
-              <a:rPr lang="en-US" smtClean="0"/>
+              <a:rPr lang="en-US"/>
               <a:t>Second level</a:t>
             </a:r>
           </a:p>
           <a:p>
             <a:pPr lvl="2"/>
             <a:r>
-              <a:rPr lang="en-US" smtClean="0"/>
+              <a:rPr lang="en-US"/>
               <a:t>Third level</a:t>
             </a:r>
           </a:p>
           <a:p>
             <a:pPr lvl="3"/>
             <a:r>
-              <a:rPr lang="en-US" smtClean="0"/>
+              <a:rPr lang="en-US"/>
               <a:t>Fourth level</a:t>
             </a:r>
           </a:p>
           <a:p>
             <a:pPr lvl="4"/>
             <a:r>
-              <a:rPr lang="en-US" smtClean="0"/>
+              <a:rPr lang="en-US"/>
               <a:t>Fifth level</a:t>
             </a:r>
             <a:endParaRPr lang="en-US" dirty="0"/>
@@ -7381,7 +7469,7 @@
           <a:p>
             <a:fld id="{96FB5D56-0812-4ED5-8B52-3D0DCBF578CB}" type="datetimeFigureOut">
               <a:rPr lang="en-US" smtClean="0"/>
-              <a:t>3/14/2018</a:t>
+              <a:t>5/28/2018</a:t>
             </a:fld>
             <a:endParaRPr lang="en-US"/>
           </a:p>
@@ -7484,7 +7572,7 @@
           </a:lstStyle>
           <a:p>
             <a:r>
-              <a:rPr lang="en-US" smtClean="0"/>
+              <a:rPr lang="en-US"/>
               <a:t>Click to edit Master title style</a:t>
             </a:r>
             <a:endParaRPr lang="en-US" dirty="0"/>
@@ -7605,7 +7693,7 @@
           <a:p>
             <a:pPr lvl="0"/>
             <a:r>
-              <a:rPr lang="en-US" smtClean="0"/>
+              <a:rPr lang="en-US"/>
               <a:t>Click to edit Master text styles</a:t>
             </a:r>
           </a:p>
@@ -7628,7 +7716,7 @@
           <a:p>
             <a:fld id="{96FB5D56-0812-4ED5-8B52-3D0DCBF578CB}" type="datetimeFigureOut">
               <a:rPr lang="en-US" smtClean="0"/>
-              <a:t>3/14/2018</a:t>
+              <a:t>5/28/2018</a:t>
             </a:fld>
             <a:endParaRPr lang="en-US"/>
           </a:p>
@@ -7722,7 +7810,7 @@
           <a:lstStyle/>
           <a:p>
             <a:r>
-              <a:rPr lang="en-US" smtClean="0"/>
+              <a:rPr lang="en-US"/>
               <a:t>Click to edit Master title style</a:t>
             </a:r>
             <a:endParaRPr lang="en-US" dirty="0"/>
@@ -7781,35 +7869,35 @@
           <a:p>
             <a:pPr lvl="0"/>
             <a:r>
-              <a:rPr lang="en-US" smtClean="0"/>
+              <a:rPr lang="en-US"/>
               <a:t>Click to edit Master text styles</a:t>
             </a:r>
           </a:p>
           <a:p>
             <a:pPr lvl="1"/>
             <a:r>
-              <a:rPr lang="en-US" smtClean="0"/>
+              <a:rPr lang="en-US"/>
               <a:t>Second level</a:t>
             </a:r>
           </a:p>
           <a:p>
             <a:pPr lvl="2"/>
             <a:r>
-              <a:rPr lang="en-US" smtClean="0"/>
+              <a:rPr lang="en-US"/>
               <a:t>Third level</a:t>
             </a:r>
           </a:p>
           <a:p>
             <a:pPr lvl="3"/>
             <a:r>
-              <a:rPr lang="en-US" smtClean="0"/>
+              <a:rPr lang="en-US"/>
               <a:t>Fourth level</a:t>
             </a:r>
           </a:p>
           <a:p>
             <a:pPr lvl="4"/>
             <a:r>
-              <a:rPr lang="en-US" smtClean="0"/>
+              <a:rPr lang="en-US"/>
               <a:t>Fifth level</a:t>
             </a:r>
             <a:endParaRPr lang="en-US" dirty="0"/>
@@ -7868,35 +7956,35 @@
           <a:p>
             <a:pPr lvl="0"/>
             <a:r>
-              <a:rPr lang="en-US" smtClean="0"/>
+              <a:rPr lang="en-US"/>
               <a:t>Click to edit Master text styles</a:t>
             </a:r>
           </a:p>
           <a:p>
             <a:pPr lvl="1"/>
             <a:r>
-              <a:rPr lang="en-US" smtClean="0"/>
+              <a:rPr lang="en-US"/>
               <a:t>Second level</a:t>
             </a:r>
           </a:p>
           <a:p>
             <a:pPr lvl="2"/>
             <a:r>
-              <a:rPr lang="en-US" smtClean="0"/>
+              <a:rPr lang="en-US"/>
               <a:t>Third level</a:t>
             </a:r>
           </a:p>
           <a:p>
             <a:pPr lvl="3"/>
             <a:r>
-              <a:rPr lang="en-US" smtClean="0"/>
+              <a:rPr lang="en-US"/>
               <a:t>Fourth level</a:t>
             </a:r>
           </a:p>
           <a:p>
             <a:pPr lvl="4"/>
             <a:r>
-              <a:rPr lang="en-US" smtClean="0"/>
+              <a:rPr lang="en-US"/>
               <a:t>Fifth level</a:t>
             </a:r>
             <a:endParaRPr lang="en-US" dirty="0"/>
@@ -7920,7 +8008,7 @@
           <a:p>
             <a:fld id="{96FB5D56-0812-4ED5-8B52-3D0DCBF578CB}" type="datetimeFigureOut">
               <a:rPr lang="en-US" smtClean="0"/>
-              <a:t>3/14/2018</a:t>
+              <a:t>5/28/2018</a:t>
             </a:fld>
             <a:endParaRPr lang="en-US"/>
           </a:p>
@@ -8018,7 +8106,7 @@
           </a:lstStyle>
           <a:p>
             <a:r>
-              <a:rPr lang="en-US" smtClean="0"/>
+              <a:rPr lang="en-US"/>
               <a:t>Click to edit Master title style</a:t>
             </a:r>
             <a:endParaRPr lang="en-US" dirty="0"/>
@@ -8093,7 +8181,7 @@
           <a:p>
             <a:pPr lvl="0"/>
             <a:r>
-              <a:rPr lang="en-US" smtClean="0"/>
+              <a:rPr lang="en-US"/>
               <a:t>Click to edit Master text styles</a:t>
             </a:r>
           </a:p>
@@ -8151,35 +8239,35 @@
           <a:p>
             <a:pPr lvl="0"/>
             <a:r>
-              <a:rPr lang="en-US" smtClean="0"/>
+              <a:rPr lang="en-US"/>
               <a:t>Click to edit Master text styles</a:t>
             </a:r>
           </a:p>
           <a:p>
             <a:pPr lvl="1"/>
             <a:r>
-              <a:rPr lang="en-US" smtClean="0"/>
+              <a:rPr lang="en-US"/>
               <a:t>Second level</a:t>
             </a:r>
           </a:p>
           <a:p>
             <a:pPr lvl="2"/>
             <a:r>
-              <a:rPr lang="en-US" smtClean="0"/>
+              <a:rPr lang="en-US"/>
               <a:t>Third level</a:t>
             </a:r>
           </a:p>
           <a:p>
             <a:pPr lvl="3"/>
             <a:r>
-              <a:rPr lang="en-US" smtClean="0"/>
+              <a:rPr lang="en-US"/>
               <a:t>Fourth level</a:t>
             </a:r>
           </a:p>
           <a:p>
             <a:pPr lvl="4"/>
             <a:r>
-              <a:rPr lang="en-US" smtClean="0"/>
+              <a:rPr lang="en-US"/>
               <a:t>Fifth level</a:t>
             </a:r>
             <a:endParaRPr lang="en-US" dirty="0"/>
@@ -8254,7 +8342,7 @@
           <a:p>
             <a:pPr lvl="0"/>
             <a:r>
-              <a:rPr lang="en-US" smtClean="0"/>
+              <a:rPr lang="en-US"/>
               <a:t>Click to edit Master text styles</a:t>
             </a:r>
           </a:p>
@@ -8312,35 +8400,35 @@
           <a:p>
             <a:pPr lvl="0"/>
             <a:r>
-              <a:rPr lang="en-US" smtClean="0"/>
+              <a:rPr lang="en-US"/>
               <a:t>Click to edit Master text styles</a:t>
             </a:r>
           </a:p>
           <a:p>
             <a:pPr lvl="1"/>
             <a:r>
-              <a:rPr lang="en-US" smtClean="0"/>
+              <a:rPr lang="en-US"/>
               <a:t>Second level</a:t>
             </a:r>
           </a:p>
           <a:p>
             <a:pPr lvl="2"/>
             <a:r>
-              <a:rPr lang="en-US" smtClean="0"/>
+              <a:rPr lang="en-US"/>
               <a:t>Third level</a:t>
             </a:r>
           </a:p>
           <a:p>
             <a:pPr lvl="3"/>
             <a:r>
-              <a:rPr lang="en-US" smtClean="0"/>
+              <a:rPr lang="en-US"/>
               <a:t>Fourth level</a:t>
             </a:r>
           </a:p>
           <a:p>
             <a:pPr lvl="4"/>
             <a:r>
-              <a:rPr lang="en-US" smtClean="0"/>
+              <a:rPr lang="en-US"/>
               <a:t>Fifth level</a:t>
             </a:r>
             <a:endParaRPr lang="en-US" dirty="0"/>
@@ -8364,7 +8452,7 @@
           <a:p>
             <a:fld id="{96FB5D56-0812-4ED5-8B52-3D0DCBF578CB}" type="datetimeFigureOut">
               <a:rPr lang="en-US" smtClean="0"/>
-              <a:t>3/14/2018</a:t>
+              <a:t>5/28/2018</a:t>
             </a:fld>
             <a:endParaRPr lang="en-US"/>
           </a:p>
@@ -8458,7 +8546,7 @@
           <a:lstStyle/>
           <a:p>
             <a:r>
-              <a:rPr lang="en-US" smtClean="0"/>
+              <a:rPr lang="en-US"/>
               <a:t>Click to edit Master title style</a:t>
             </a:r>
             <a:endParaRPr lang="en-US" dirty="0"/>
@@ -8482,7 +8570,7 @@
           <a:p>
             <a:fld id="{96FB5D56-0812-4ED5-8B52-3D0DCBF578CB}" type="datetimeFigureOut">
               <a:rPr lang="en-US" smtClean="0"/>
-              <a:t>3/14/2018</a:t>
+              <a:t>5/28/2018</a:t>
             </a:fld>
             <a:endParaRPr lang="en-US"/>
           </a:p>
@@ -8577,7 +8665,7 @@
           <a:p>
             <a:fld id="{96FB5D56-0812-4ED5-8B52-3D0DCBF578CB}" type="datetimeFigureOut">
               <a:rPr lang="en-US" smtClean="0"/>
-              <a:t>3/14/2018</a:t>
+              <a:t>5/28/2018</a:t>
             </a:fld>
             <a:endParaRPr lang="en-US"/>
           </a:p>
@@ -8680,7 +8768,7 @@
           </a:lstStyle>
           <a:p>
             <a:r>
-              <a:rPr lang="en-US" smtClean="0"/>
+              <a:rPr lang="en-US"/>
               <a:t>Click to edit Master title style</a:t>
             </a:r>
             <a:endParaRPr lang="en-US" dirty="0"/>
@@ -8739,35 +8827,35 @@
           <a:p>
             <a:pPr lvl="0"/>
             <a:r>
-              <a:rPr lang="en-US" smtClean="0"/>
+              <a:rPr lang="en-US"/>
               <a:t>Click to edit Master text styles</a:t>
             </a:r>
           </a:p>
           <a:p>
             <a:pPr lvl="1"/>
             <a:r>
-              <a:rPr lang="en-US" smtClean="0"/>
+              <a:rPr lang="en-US"/>
               <a:t>Second level</a:t>
             </a:r>
           </a:p>
           <a:p>
             <a:pPr lvl="2"/>
             <a:r>
-              <a:rPr lang="en-US" smtClean="0"/>
+              <a:rPr lang="en-US"/>
               <a:t>Third level</a:t>
             </a:r>
           </a:p>
           <a:p>
             <a:pPr lvl="3"/>
             <a:r>
-              <a:rPr lang="en-US" smtClean="0"/>
+              <a:rPr lang="en-US"/>
               <a:t>Fourth level</a:t>
             </a:r>
           </a:p>
           <a:p>
             <a:pPr lvl="4"/>
             <a:r>
-              <a:rPr lang="en-US" smtClean="0"/>
+              <a:rPr lang="en-US"/>
               <a:t>Fifth level</a:t>
             </a:r>
             <a:endParaRPr lang="en-US" dirty="0"/>
@@ -8833,7 +8921,7 @@
           <a:p>
             <a:pPr lvl="0"/>
             <a:r>
-              <a:rPr lang="en-US" smtClean="0"/>
+              <a:rPr lang="en-US"/>
               <a:t>Click to edit Master text styles</a:t>
             </a:r>
           </a:p>
@@ -8856,7 +8944,7 @@
           <a:p>
             <a:fld id="{96FB5D56-0812-4ED5-8B52-3D0DCBF578CB}" type="datetimeFigureOut">
               <a:rPr lang="en-US" smtClean="0"/>
-              <a:t>3/14/2018</a:t>
+              <a:t>5/28/2018</a:t>
             </a:fld>
             <a:endParaRPr lang="en-US"/>
           </a:p>
@@ -8961,7 +9049,7 @@
           </a:lstStyle>
           <a:p>
             <a:r>
-              <a:rPr lang="en-US" smtClean="0"/>
+              <a:rPr lang="en-US"/>
               <a:t>Click to edit Master title style</a:t>
             </a:r>
             <a:endParaRPr lang="en-US" dirty="0"/>
@@ -9040,7 +9128,7 @@
           </a:lstStyle>
           <a:p>
             <a:r>
-              <a:rPr lang="en-US" smtClean="0"/>
+              <a:rPr lang="en-US"/>
               <a:t>Click icon to add picture</a:t>
             </a:r>
             <a:endParaRPr lang="en-US" dirty="0"/>
@@ -9108,7 +9196,7 @@
           <a:p>
             <a:pPr lvl="0"/>
             <a:r>
-              <a:rPr lang="en-US" smtClean="0"/>
+              <a:rPr lang="en-US"/>
               <a:t>Click to edit Master text styles</a:t>
             </a:r>
           </a:p>
@@ -9131,7 +9219,7 @@
           <a:p>
             <a:fld id="{96FB5D56-0812-4ED5-8B52-3D0DCBF578CB}" type="datetimeFigureOut">
               <a:rPr lang="en-US" smtClean="0"/>
-              <a:t>3/14/2018</a:t>
+              <a:t>5/28/2018</a:t>
             </a:fld>
             <a:endParaRPr lang="en-US"/>
           </a:p>
@@ -9455,7 +9543,7 @@
           <a:lstStyle/>
           <a:p>
             <a:r>
-              <a:rPr lang="en-US" smtClean="0"/>
+              <a:rPr lang="en-US"/>
               <a:t>Click to edit Master title style</a:t>
             </a:r>
             <a:endParaRPr lang="en-US" dirty="0"/>
@@ -9489,35 +9577,35 @@
           <a:p>
             <a:pPr lvl="0"/>
             <a:r>
-              <a:rPr lang="en-US" smtClean="0"/>
+              <a:rPr lang="en-US"/>
               <a:t>Click to edit Master text styles</a:t>
             </a:r>
           </a:p>
           <a:p>
             <a:pPr lvl="1"/>
             <a:r>
-              <a:rPr lang="en-US" smtClean="0"/>
+              <a:rPr lang="en-US"/>
               <a:t>Second level</a:t>
             </a:r>
           </a:p>
           <a:p>
             <a:pPr lvl="2"/>
             <a:r>
-              <a:rPr lang="en-US" smtClean="0"/>
+              <a:rPr lang="en-US"/>
               <a:t>Third level</a:t>
             </a:r>
           </a:p>
           <a:p>
             <a:pPr lvl="3"/>
             <a:r>
-              <a:rPr lang="en-US" smtClean="0"/>
+              <a:rPr lang="en-US"/>
               <a:t>Fourth level</a:t>
             </a:r>
           </a:p>
           <a:p>
             <a:pPr lvl="4"/>
             <a:r>
-              <a:rPr lang="en-US" smtClean="0"/>
+              <a:rPr lang="en-US"/>
               <a:t>Fifth level</a:t>
             </a:r>
             <a:endParaRPr lang="en-US" dirty="0"/>
@@ -9560,7 +9648,7 @@
           <a:p>
             <a:fld id="{96FB5D56-0812-4ED5-8B52-3D0DCBF578CB}" type="datetimeFigureOut">
               <a:rPr lang="en-US" smtClean="0"/>
-              <a:t>3/14/2018</a:t>
+              <a:t>5/28/2018</a:t>
             </a:fld>
             <a:endParaRPr lang="en-US"/>
           </a:p>
@@ -10104,14 +10192,13 @@
           <a:lstStyle/>
           <a:p>
             <a:r>
-              <a:rPr lang="en-US" dirty="0" err="1" smtClean="0"/>
+              <a:rPr lang="en-US" dirty="0" err="1"/>
               <a:t>Logols</a:t>
             </a:r>
             <a:r>
-              <a:rPr lang="en-US" dirty="0" smtClean="0"/>
+              <a:rPr lang="en-US" dirty="0"/>
               <a:t> Learning</a:t>
             </a:r>
-            <a:endParaRPr lang="en-US" dirty="0"/>
           </a:p>
         </p:txBody>
       </p:sp>
@@ -10137,10 +10224,9 @@
           </a:p>
           <a:p>
             <a:r>
-              <a:rPr lang="en-US" dirty="0" smtClean="0"/>
+              <a:rPr lang="en-US" dirty="0"/>
               <a:t>Training:  CSS</a:t>
             </a:r>
-            <a:endParaRPr lang="en-US" dirty="0"/>
           </a:p>
         </p:txBody>
       </p:sp>
@@ -10154,13 +10240,6 @@
   <p:clrMapOvr>
     <a:masterClrMapping/>
   </p:clrMapOvr>
-  <p:timing>
-    <p:tnLst>
-      <p:par>
-        <p:cTn id="1" dur="indefinite" restart="never" nodeType="tmRoot"/>
-      </p:par>
-    </p:tnLst>
-  </p:timing>
 </p:sld>
 </file>
 
@@ -10197,10 +10276,9 @@
           <a:lstStyle/>
           <a:p>
             <a:r>
-              <a:rPr lang="en-US" dirty="0" smtClean="0"/>
+              <a:rPr lang="en-US" dirty="0"/>
               <a:t>EXAMPLE</a:t>
             </a:r>
-            <a:endParaRPr lang="en-US" dirty="0"/>
           </a:p>
         </p:txBody>
       </p:sp>
@@ -10220,10 +10298,9 @@
           <a:lstStyle/>
           <a:p>
             <a:r>
-              <a:rPr lang="en-US" dirty="0" smtClean="0"/>
+              <a:rPr lang="en-US" dirty="0"/>
               <a:t>Linking, Selectors, Colors, Text, Comments</a:t>
             </a:r>
-            <a:endParaRPr lang="en-US" dirty="0"/>
           </a:p>
         </p:txBody>
       </p:sp>
@@ -10267,13 +10344,6 @@
   <p:clrMapOvr>
     <a:masterClrMapping/>
   </p:clrMapOvr>
-  <p:timing>
-    <p:tnLst>
-      <p:par>
-        <p:cTn id="1" dur="indefinite" restart="never" nodeType="tmRoot"/>
-      </p:par>
-    </p:tnLst>
-  </p:timing>
 </p:sld>
 </file>
 
@@ -10310,10 +10380,9 @@
           <a:lstStyle/>
           <a:p>
             <a:r>
-              <a:rPr lang="en-US" dirty="0" smtClean="0"/>
+              <a:rPr lang="en-US" dirty="0"/>
               <a:t>ASSESSMENT</a:t>
             </a:r>
-            <a:endParaRPr lang="en-US" dirty="0"/>
           </a:p>
         </p:txBody>
       </p:sp>
@@ -10379,13 +10448,6 @@
   <p:clrMapOvr>
     <a:masterClrMapping/>
   </p:clrMapOvr>
-  <p:timing>
-    <p:tnLst>
-      <p:par>
-        <p:cTn id="1" dur="indefinite" restart="never" nodeType="tmRoot"/>
-      </p:par>
-    </p:tnLst>
-  </p:timing>
 </p:sld>
 </file>
 
@@ -10422,10 +10484,9 @@
           <a:lstStyle/>
           <a:p>
             <a:r>
-              <a:rPr lang="en-US" dirty="0" smtClean="0"/>
+              <a:rPr lang="en-US" dirty="0"/>
               <a:t>Assignment</a:t>
             </a:r>
-            <a:endParaRPr lang="en-US" dirty="0"/>
           </a:p>
         </p:txBody>
       </p:sp>
@@ -10452,25 +10513,25 @@
           <a:lstStyle/>
           <a:p>
             <a:r>
-              <a:rPr lang="en-US" sz="3600" dirty="0" smtClean="0"/>
+              <a:rPr lang="en-US" sz="3600" dirty="0"/>
               <a:t>Style the Status Report Interface.</a:t>
             </a:r>
           </a:p>
           <a:p>
             <a:r>
-              <a:rPr lang="en-US" sz="3600" dirty="0" smtClean="0"/>
+              <a:rPr lang="en-US" sz="3600" dirty="0"/>
               <a:t>Center the header text using an id selector.</a:t>
             </a:r>
           </a:p>
           <a:p>
             <a:r>
-              <a:rPr lang="en-US" sz="3600" dirty="0" smtClean="0"/>
+              <a:rPr lang="en-US" sz="3600" dirty="0"/>
               <a:t>Modify the paragraph text to be dark grey using a class selector.</a:t>
             </a:r>
           </a:p>
           <a:p>
             <a:r>
-              <a:rPr lang="en-US" sz="3600" dirty="0" smtClean="0"/>
+              <a:rPr lang="en-US" sz="3600" dirty="0"/>
               <a:t>Modify the table header to be light grey using the element selector.</a:t>
             </a:r>
           </a:p>
@@ -10554,10 +10615,9 @@
           <a:lstStyle/>
           <a:p>
             <a:r>
-              <a:rPr lang="en-US" dirty="0" smtClean="0"/>
+              <a:rPr lang="en-US" dirty="0"/>
               <a:t>Box Model</a:t>
             </a:r>
-            <a:endParaRPr lang="en-US" dirty="0"/>
           </a:p>
         </p:txBody>
       </p:sp>
@@ -10739,10 +10799,9 @@
           <a:p>
             <a:pPr algn="ctr"/>
             <a:r>
-              <a:rPr lang="en-US" dirty="0" smtClean="0"/>
+              <a:rPr lang="en-US" dirty="0"/>
               <a:t>Content</a:t>
             </a:r>
-            <a:endParaRPr lang="en-US" dirty="0"/>
           </a:p>
         </p:txBody>
       </p:sp>
@@ -10769,18 +10828,13 @@
           <a:lstStyle/>
           <a:p>
             <a:r>
-              <a:rPr lang="en-US" dirty="0" smtClean="0">
+              <a:rPr lang="en-US" dirty="0">
                 <a:solidFill>
                   <a:schemeClr val="bg1"/>
                 </a:solidFill>
               </a:rPr>
               <a:t>Margin</a:t>
             </a:r>
-            <a:endParaRPr lang="en-US" dirty="0">
-              <a:solidFill>
-                <a:schemeClr val="bg1"/>
-              </a:solidFill>
-            </a:endParaRPr>
           </a:p>
         </p:txBody>
       </p:sp>
@@ -10807,18 +10861,13 @@
           <a:lstStyle/>
           <a:p>
             <a:r>
-              <a:rPr lang="en-US" dirty="0" smtClean="0">
+              <a:rPr lang="en-US" dirty="0">
                 <a:solidFill>
                   <a:schemeClr val="bg1"/>
                 </a:solidFill>
               </a:rPr>
               <a:t>Border</a:t>
             </a:r>
-            <a:endParaRPr lang="en-US" dirty="0">
-              <a:solidFill>
-                <a:schemeClr val="bg1"/>
-              </a:solidFill>
-            </a:endParaRPr>
           </a:p>
         </p:txBody>
       </p:sp>
@@ -10845,18 +10894,13 @@
           <a:lstStyle/>
           <a:p>
             <a:r>
-              <a:rPr lang="en-US" dirty="0" smtClean="0">
+              <a:rPr lang="en-US" dirty="0">
                 <a:solidFill>
                   <a:schemeClr val="bg1"/>
                 </a:solidFill>
               </a:rPr>
               <a:t>Padding</a:t>
             </a:r>
-            <a:endParaRPr lang="en-US" dirty="0">
-              <a:solidFill>
-                <a:schemeClr val="bg1"/>
-              </a:solidFill>
-            </a:endParaRPr>
           </a:p>
         </p:txBody>
       </p:sp>
@@ -10906,10 +10950,9 @@
           <a:lstStyle/>
           <a:p>
             <a:r>
-              <a:rPr lang="en-US" dirty="0" smtClean="0"/>
+              <a:rPr lang="en-US" dirty="0"/>
               <a:t>EXAMPLE</a:t>
             </a:r>
-            <a:endParaRPr lang="en-US" dirty="0"/>
           </a:p>
         </p:txBody>
       </p:sp>
@@ -10929,10 +10972,9 @@
           <a:lstStyle/>
           <a:p>
             <a:r>
-              <a:rPr lang="en-US" dirty="0" smtClean="0"/>
+              <a:rPr lang="en-US" dirty="0"/>
               <a:t>Box model</a:t>
             </a:r>
-            <a:endParaRPr lang="en-US" dirty="0"/>
           </a:p>
         </p:txBody>
       </p:sp>
@@ -10976,13 +11018,6 @@
   <p:clrMapOvr>
     <a:masterClrMapping/>
   </p:clrMapOvr>
-  <p:timing>
-    <p:tnLst>
-      <p:par>
-        <p:cTn id="1" dur="indefinite" restart="never" nodeType="tmRoot"/>
-      </p:par>
-    </p:tnLst>
-  </p:timing>
 </p:sld>
 </file>
 
@@ -11019,10 +11054,9 @@
           <a:lstStyle/>
           <a:p>
             <a:r>
-              <a:rPr lang="en-US" dirty="0" smtClean="0"/>
+              <a:rPr lang="en-US" dirty="0"/>
               <a:t>Display</a:t>
             </a:r>
-            <a:endParaRPr lang="en-US" dirty="0"/>
           </a:p>
         </p:txBody>
       </p:sp>
@@ -11044,67 +11078,67 @@
           <a:lstStyle/>
           <a:p>
             <a:r>
-              <a:rPr lang="en-US" sz="2000" dirty="0" smtClean="0"/>
+              <a:rPr lang="en-US" sz="2000" dirty="0"/>
               <a:t>Options:</a:t>
             </a:r>
           </a:p>
           <a:p>
             <a:pPr lvl="1"/>
             <a:r>
-              <a:rPr lang="en-US" sz="2000" dirty="0" smtClean="0"/>
+              <a:rPr lang="en-US" sz="2000" dirty="0"/>
               <a:t>inline</a:t>
             </a:r>
           </a:p>
           <a:p>
             <a:pPr lvl="1"/>
             <a:r>
-              <a:rPr lang="en-US" sz="2000" dirty="0" smtClean="0"/>
+              <a:rPr lang="en-US" sz="2000" dirty="0"/>
               <a:t>block</a:t>
             </a:r>
           </a:p>
           <a:p>
             <a:pPr lvl="1"/>
             <a:r>
-              <a:rPr lang="en-US" sz="2000" dirty="0" smtClean="0"/>
+              <a:rPr lang="en-US" sz="2000" dirty="0"/>
               <a:t>flex</a:t>
             </a:r>
           </a:p>
           <a:p>
             <a:pPr lvl="1"/>
             <a:r>
-              <a:rPr lang="en-US" sz="2000" dirty="0" smtClean="0"/>
+              <a:rPr lang="en-US" sz="2000" dirty="0"/>
               <a:t>inline-block</a:t>
             </a:r>
           </a:p>
           <a:p>
             <a:pPr lvl="1"/>
             <a:r>
-              <a:rPr lang="en-US" sz="2000" dirty="0" err="1" smtClean="0"/>
+              <a:rPr lang="en-US" sz="2000" dirty="0" err="1"/>
               <a:t>infline</a:t>
             </a:r>
             <a:r>
-              <a:rPr lang="en-US" sz="2000" dirty="0" smtClean="0"/>
+              <a:rPr lang="en-US" sz="2000" dirty="0"/>
               <a:t>-flex</a:t>
             </a:r>
           </a:p>
           <a:p>
             <a:pPr lvl="1"/>
             <a:r>
-              <a:rPr lang="en-US" sz="2000" dirty="0" smtClean="0"/>
+              <a:rPr lang="en-US" sz="2000" dirty="0"/>
               <a:t>table</a:t>
             </a:r>
           </a:p>
           <a:p>
             <a:pPr lvl="1"/>
             <a:r>
-              <a:rPr lang="en-US" sz="2000" dirty="0" smtClean="0"/>
+              <a:rPr lang="en-US" sz="2000" dirty="0"/>
               <a:t>none</a:t>
             </a:r>
           </a:p>
           <a:p>
             <a:pPr lvl="1"/>
             <a:r>
-              <a:rPr lang="en-US" sz="2000" dirty="0" smtClean="0"/>
+              <a:rPr lang="en-US" sz="2000" dirty="0"/>
               <a:t>etc...</a:t>
             </a:r>
           </a:p>
@@ -11213,10 +11247,9 @@
           <a:lstStyle/>
           <a:p>
             <a:r>
-              <a:rPr lang="en-US" dirty="0" smtClean="0"/>
+              <a:rPr lang="en-US" dirty="0"/>
               <a:t>Position</a:t>
             </a:r>
-            <a:endParaRPr lang="en-US" dirty="0"/>
           </a:p>
         </p:txBody>
       </p:sp>
@@ -11238,38 +11271,37 @@
           <a:lstStyle/>
           <a:p>
             <a:r>
-              <a:rPr lang="en-US" sz="2800" dirty="0" smtClean="0"/>
+              <a:rPr lang="en-US" sz="2800" dirty="0"/>
               <a:t>Options:</a:t>
             </a:r>
           </a:p>
           <a:p>
             <a:pPr lvl="1"/>
             <a:r>
-              <a:rPr lang="en-US" sz="2800" dirty="0" smtClean="0"/>
+              <a:rPr lang="en-US" sz="2800" dirty="0"/>
               <a:t>static</a:t>
             </a:r>
           </a:p>
           <a:p>
             <a:pPr lvl="1"/>
             <a:r>
-              <a:rPr lang="en-US" sz="2800" dirty="0" smtClean="0"/>
+              <a:rPr lang="en-US" sz="2800" dirty="0"/>
               <a:t>relative</a:t>
             </a:r>
           </a:p>
           <a:p>
             <a:pPr lvl="1"/>
             <a:r>
-              <a:rPr lang="en-US" sz="2800" dirty="0" smtClean="0"/>
+              <a:rPr lang="en-US" sz="2800" dirty="0"/>
               <a:t>fixed</a:t>
             </a:r>
           </a:p>
           <a:p>
             <a:pPr lvl="1"/>
             <a:r>
-              <a:rPr lang="en-US" sz="2800" dirty="0" smtClean="0"/>
+              <a:rPr lang="en-US" sz="2800" dirty="0"/>
               <a:t>absolute</a:t>
             </a:r>
-            <a:endParaRPr lang="en-US" sz="2800" dirty="0"/>
           </a:p>
           <a:p>
             <a:r>
@@ -11280,21 +11312,15 @@
               <a:rPr lang="en-US" sz="2800" dirty="0">
                 <a:hlinkClick r:id="rId3"/>
               </a:rPr>
-              <a:t>http://</a:t>
-            </a:r>
-            <a:r>
-              <a:rPr lang="en-US" sz="2800" dirty="0" smtClean="0">
-                <a:hlinkClick r:id="rId3"/>
-              </a:rPr>
-              <a:t>learnlayout.com/position.html</a:t>
-            </a:r>
-            <a:endParaRPr lang="en-US" sz="2800" dirty="0" smtClean="0"/>
+              <a:t>http://learnlayout.com/position.html</a:t>
+            </a:r>
+            <a:endParaRPr lang="en-US" sz="2800" dirty="0"/>
           </a:p>
           <a:p>
             <a:pPr marL="45720" indent="0">
               <a:buNone/>
             </a:pPr>
-            <a:endParaRPr lang="en-US" dirty="0" smtClean="0"/>
+            <a:endParaRPr lang="en-US" dirty="0"/>
           </a:p>
         </p:txBody>
       </p:sp>
@@ -11344,10 +11370,9 @@
           <a:lstStyle/>
           <a:p>
             <a:r>
-              <a:rPr lang="en-US" dirty="0" smtClean="0"/>
+              <a:rPr lang="en-US" dirty="0"/>
               <a:t>Float</a:t>
             </a:r>
-            <a:endParaRPr lang="en-US" dirty="0"/>
           </a:p>
         </p:txBody>
       </p:sp>
@@ -11370,58 +11395,54 @@
           <a:p>
             <a:r>
               <a:rPr lang="en-US" sz="2200" dirty="0"/>
-              <a:t>f</a:t>
-            </a:r>
-            <a:r>
-              <a:rPr lang="en-US" sz="2200" dirty="0" smtClean="0"/>
-              <a:t>loat</a:t>
+              <a:t>float</a:t>
             </a:r>
           </a:p>
           <a:p>
             <a:pPr lvl="1"/>
             <a:r>
-              <a:rPr lang="en-US" sz="2200" dirty="0" smtClean="0"/>
+              <a:rPr lang="en-US" sz="2200" dirty="0"/>
               <a:t>none</a:t>
             </a:r>
           </a:p>
           <a:p>
             <a:pPr lvl="1"/>
             <a:r>
-              <a:rPr lang="en-US" sz="2200" dirty="0" smtClean="0"/>
+              <a:rPr lang="en-US" sz="2200" dirty="0"/>
               <a:t>left</a:t>
             </a:r>
           </a:p>
           <a:p>
             <a:pPr lvl="1"/>
             <a:r>
-              <a:rPr lang="en-US" sz="2200" dirty="0" smtClean="0"/>
+              <a:rPr lang="en-US" sz="2200" dirty="0"/>
               <a:t>right</a:t>
             </a:r>
           </a:p>
           <a:p>
             <a:pPr lvl="1"/>
             <a:r>
-              <a:rPr lang="en-US" sz="2200" dirty="0" smtClean="0"/>
+              <a:rPr lang="en-US" sz="2200" dirty="0"/>
               <a:t>initial</a:t>
             </a:r>
           </a:p>
           <a:p>
             <a:pPr lvl="1"/>
             <a:r>
-              <a:rPr lang="en-US" sz="2200" dirty="0" smtClean="0"/>
+              <a:rPr lang="en-US" sz="2200" dirty="0"/>
               <a:t>inherit</a:t>
             </a:r>
           </a:p>
           <a:p>
             <a:r>
-              <a:rPr lang="en-US" sz="2200" dirty="0" smtClean="0"/>
+              <a:rPr lang="en-US" sz="2200" dirty="0"/>
               <a:t>clear</a:t>
             </a:r>
           </a:p>
           <a:p>
             <a:pPr lvl="1"/>
             <a:r>
-              <a:rPr lang="en-US" sz="2200" dirty="0" smtClean="0"/>
+              <a:rPr lang="en-US" sz="2200" dirty="0"/>
               <a:t>Same +both</a:t>
             </a:r>
           </a:p>
@@ -11434,15 +11455,9 @@
               <a:rPr lang="en-US" sz="2200" dirty="0">
                 <a:hlinkClick r:id="rId3"/>
               </a:rPr>
-              <a:t>https://css-tricks.com/all-about-floats</a:t>
-            </a:r>
-            <a:r>
-              <a:rPr lang="en-US" sz="2200" dirty="0" smtClean="0">
-                <a:hlinkClick r:id="rId3"/>
-              </a:rPr>
-              <a:t>/</a:t>
-            </a:r>
-            <a:endParaRPr lang="en-US" sz="2200" dirty="0" smtClean="0"/>
+              <a:t>https://css-tricks.com/all-about-floats/</a:t>
+            </a:r>
+            <a:endParaRPr lang="en-US" sz="2200" dirty="0"/>
           </a:p>
           <a:p>
             <a:pPr marL="45720" indent="0">
@@ -11512,7 +11527,7 @@
           <a:p>
             <a:pPr lvl="1"/>
             <a:r>
-              <a:rPr lang="en-US" sz="2000" dirty="0" smtClean="0"/>
+              <a:rPr lang="en-US" sz="2000" dirty="0"/>
               <a:t>Inherit</a:t>
             </a:r>
           </a:p>
@@ -11525,15 +11540,9 @@
               <a:rPr lang="en-US" sz="2000" dirty="0">
                 <a:hlinkClick r:id="rId4"/>
               </a:rPr>
-              <a:t>https://css-tricks.com/almanac/properties/o/overflow</a:t>
-            </a:r>
-            <a:r>
-              <a:rPr lang="en-US" sz="2000" dirty="0" smtClean="0">
-                <a:hlinkClick r:id="rId4"/>
-              </a:rPr>
-              <a:t>/</a:t>
-            </a:r>
-            <a:endParaRPr lang="en-US" sz="2000" dirty="0" smtClean="0"/>
+              <a:t>https://css-tricks.com/almanac/properties/o/overflow/</a:t>
+            </a:r>
+            <a:endParaRPr lang="en-US" sz="2000" dirty="0"/>
           </a:p>
         </p:txBody>
       </p:sp>
@@ -11583,10 +11592,9 @@
           <a:lstStyle/>
           <a:p>
             <a:r>
-              <a:rPr lang="en-US" dirty="0" smtClean="0"/>
+              <a:rPr lang="en-US" dirty="0"/>
               <a:t>EXAMPLE</a:t>
             </a:r>
-            <a:endParaRPr lang="en-US" dirty="0"/>
           </a:p>
         </p:txBody>
       </p:sp>
@@ -11606,10 +11614,9 @@
           <a:lstStyle/>
           <a:p>
             <a:r>
-              <a:rPr lang="en-US" dirty="0" smtClean="0"/>
-              <a:t>Display, Position, Float, Flex b ox</a:t>
-            </a:r>
-            <a:endParaRPr lang="en-US" dirty="0"/>
+              <a:rPr lang="en-US" dirty="0"/>
+              <a:t>Display, Position, Float</a:t>
+            </a:r>
           </a:p>
         </p:txBody>
       </p:sp>
@@ -11653,13 +11660,6 @@
   <p:clrMapOvr>
     <a:masterClrMapping/>
   </p:clrMapOvr>
-  <p:timing>
-    <p:tnLst>
-      <p:par>
-        <p:cTn id="1" dur="indefinite" restart="never" nodeType="tmRoot"/>
-      </p:par>
-    </p:tnLst>
-  </p:timing>
 </p:sld>
 </file>
 
@@ -11696,10 +11696,223 @@
           <a:lstStyle/>
           <a:p>
             <a:r>
-              <a:rPr lang="en-US" dirty="0" smtClean="0"/>
+              <a:rPr lang="en-US" dirty="0"/>
+              <a:t>EXAMPLE</a:t>
+            </a:r>
+          </a:p>
+        </p:txBody>
+      </p:sp>
+      <p:sp>
+        <p:nvSpPr>
+          <p:cNvPr id="3" name="Text Placeholder 2"/>
+          <p:cNvSpPr>
+            <a:spLocks noGrp="1"/>
+          </p:cNvSpPr>
+          <p:nvPr>
+            <p:ph type="body" idx="1"/>
+          </p:nvPr>
+        </p:nvSpPr>
+        <p:spPr/>
+        <p:txBody>
+          <a:bodyPr/>
+          <a:lstStyle/>
+          <a:p>
+            <a:r>
+              <a:rPr lang="en-US" dirty="0"/>
+              <a:t>Flexbox - </a:t>
+            </a:r>
+            <a:r>
+              <a:rPr lang="en-US" dirty="0">
+                <a:hlinkClick r:id="rId3"/>
+              </a:rPr>
+              <a:t>https://flexboxfroggy.com/</a:t>
+            </a:r>
+            <a:endParaRPr lang="en-US" dirty="0"/>
+          </a:p>
+          <a:p>
+            <a:endParaRPr lang="en-US" dirty="0"/>
+          </a:p>
+        </p:txBody>
+      </p:sp>
+      <p:pic>
+        <p:nvPicPr>
+          <p:cNvPr id="4" name="Content Placeholder 4"/>
+          <p:cNvPicPr>
+            <a:picLocks noChangeAspect="1"/>
+          </p:cNvPicPr>
+          <p:nvPr/>
+        </p:nvPicPr>
+        <p:blipFill>
+          <a:blip r:embed="rId4">
+            <a:extLst>
+              <a:ext uri="{28A0092B-C50C-407E-A947-70E740481C1C}">
+                <a14:useLocalDpi xmlns:a14="http://schemas.microsoft.com/office/drawing/2010/main" val="0"/>
+              </a:ext>
+            </a:extLst>
+          </a:blip>
+          <a:stretch>
+            <a:fillRect/>
+          </a:stretch>
+        </p:blipFill>
+        <p:spPr>
+          <a:xfrm>
+            <a:off x="1154955" y="563880"/>
+            <a:ext cx="3819192" cy="3055354"/>
+          </a:xfrm>
+          <a:prstGeom prst="rect">
+            <a:avLst/>
+          </a:prstGeom>
+        </p:spPr>
+      </p:pic>
+    </p:spTree>
+    <p:extLst>
+      <p:ext uri="{BB962C8B-B14F-4D97-AF65-F5344CB8AC3E}">
+        <p14:creationId xmlns:p14="http://schemas.microsoft.com/office/powerpoint/2010/main" val="1634431682"/>
+      </p:ext>
+    </p:extLst>
+  </p:cSld>
+  <p:clrMapOvr>
+    <a:masterClrMapping/>
+  </p:clrMapOvr>
+</p:sld>
+</file>
+
+<file path=ppt/slides/slide2.xml><?xml version="1.0" encoding="utf-8"?>
+<p:sld xmlns:a="http://schemas.openxmlformats.org/drawingml/2006/main" xmlns:r="http://schemas.openxmlformats.org/officeDocument/2006/relationships" xmlns:p="http://schemas.openxmlformats.org/presentationml/2006/main">
+  <p:cSld>
+    <p:spTree>
+      <p:nvGrpSpPr>
+        <p:cNvPr id="1" name=""/>
+        <p:cNvGrpSpPr/>
+        <p:nvPr/>
+      </p:nvGrpSpPr>
+      <p:grpSpPr>
+        <a:xfrm>
+          <a:off x="0" y="0"/>
+          <a:ext cx="0" cy="0"/>
+          <a:chOff x="0" y="0"/>
+          <a:chExt cx="0" cy="0"/>
+        </a:xfrm>
+      </p:grpSpPr>
+      <p:sp>
+        <p:nvSpPr>
+          <p:cNvPr id="2" name="Title 1"/>
+          <p:cNvSpPr>
+            <a:spLocks noGrp="1"/>
+          </p:cNvSpPr>
+          <p:nvPr>
+            <p:ph type="title"/>
+          </p:nvPr>
+        </p:nvSpPr>
+        <p:spPr/>
+        <p:txBody>
+          <a:bodyPr/>
+          <a:lstStyle/>
+          <a:p>
+            <a:r>
+              <a:rPr lang="en-US" dirty="0"/>
+              <a:t>What is CSS?</a:t>
+            </a:r>
+          </a:p>
+        </p:txBody>
+      </p:sp>
+      <p:sp>
+        <p:nvSpPr>
+          <p:cNvPr id="3" name="Content Placeholder 2"/>
+          <p:cNvSpPr>
+            <a:spLocks noGrp="1"/>
+          </p:cNvSpPr>
+          <p:nvPr>
+            <p:ph idx="1"/>
+          </p:nvPr>
+        </p:nvSpPr>
+        <p:spPr/>
+        <p:txBody>
+          <a:bodyPr>
+            <a:normAutofit/>
+          </a:bodyPr>
+          <a:lstStyle/>
+          <a:p>
+            <a:r>
+              <a:rPr lang="en-US" sz="2800" dirty="0"/>
+              <a:t>HTML provides the definition of the page</a:t>
+            </a:r>
+          </a:p>
+          <a:p>
+            <a:r>
+              <a:rPr lang="en-US" sz="2800" dirty="0"/>
+              <a:t>CSS provides the styling for the page</a:t>
+            </a:r>
+          </a:p>
+          <a:p>
+            <a:r>
+              <a:rPr lang="en-US" sz="2800" dirty="0"/>
+              <a:t>It’s best to keep these separate</a:t>
+            </a:r>
+          </a:p>
+          <a:p>
+            <a:r>
+              <a:rPr lang="en-US" sz="2800" dirty="0"/>
+              <a:t>Cascading Style Sheets</a:t>
+            </a:r>
+          </a:p>
+          <a:p>
+            <a:r>
+              <a:rPr lang="en-US" sz="2800" dirty="0"/>
+              <a:t>If multiple styles applied, styles will override based on the hierarchy</a:t>
+            </a:r>
+          </a:p>
+        </p:txBody>
+      </p:sp>
+    </p:spTree>
+    <p:extLst>
+      <p:ext uri="{BB962C8B-B14F-4D97-AF65-F5344CB8AC3E}">
+        <p14:creationId xmlns:p14="http://schemas.microsoft.com/office/powerpoint/2010/main" val="98690558"/>
+      </p:ext>
+    </p:extLst>
+  </p:cSld>
+  <p:clrMapOvr>
+    <a:masterClrMapping/>
+  </p:clrMapOvr>
+</p:sld>
+</file>
+
+<file path=ppt/slides/slide20.xml><?xml version="1.0" encoding="utf-8"?>
+<p:sld xmlns:a="http://schemas.openxmlformats.org/drawingml/2006/main" xmlns:r="http://schemas.openxmlformats.org/officeDocument/2006/relationships" xmlns:p="http://schemas.openxmlformats.org/presentationml/2006/main">
+  <p:cSld>
+    <p:spTree>
+      <p:nvGrpSpPr>
+        <p:cNvPr id="1" name=""/>
+        <p:cNvGrpSpPr/>
+        <p:nvPr/>
+      </p:nvGrpSpPr>
+      <p:grpSpPr>
+        <a:xfrm>
+          <a:off x="0" y="0"/>
+          <a:ext cx="0" cy="0"/>
+          <a:chOff x="0" y="0"/>
+          <a:chExt cx="0" cy="0"/>
+        </a:xfrm>
+      </p:grpSpPr>
+      <p:sp>
+        <p:nvSpPr>
+          <p:cNvPr id="2" name="Title 1"/>
+          <p:cNvSpPr>
+            <a:spLocks noGrp="1"/>
+          </p:cNvSpPr>
+          <p:nvPr>
+            <p:ph type="title"/>
+          </p:nvPr>
+        </p:nvSpPr>
+        <p:spPr/>
+        <p:txBody>
+          <a:bodyPr/>
+          <a:lstStyle/>
+          <a:p>
+            <a:r>
+              <a:rPr lang="en-US" dirty="0"/>
               <a:t>Assignment</a:t>
             </a:r>
-            <a:endParaRPr lang="en-US" dirty="0"/>
           </a:p>
         </p:txBody>
       </p:sp>
@@ -11726,7 +11939,7 @@
           <a:lstStyle/>
           <a:p>
             <a:r>
-              <a:rPr lang="en-US" sz="4000" dirty="0" smtClean="0"/>
+              <a:rPr lang="en-US" sz="4000" dirty="0"/>
               <a:t>Style the report so the image is to the right of the data table using floats.</a:t>
             </a:r>
           </a:p>
@@ -11777,301 +11990,6 @@
 </p:sld>
 </file>
 
-<file path=ppt/slides/slide2.xml><?xml version="1.0" encoding="utf-8"?>
-<p:sld xmlns:a="http://schemas.openxmlformats.org/drawingml/2006/main" xmlns:r="http://schemas.openxmlformats.org/officeDocument/2006/relationships" xmlns:p="http://schemas.openxmlformats.org/presentationml/2006/main">
-  <p:cSld>
-    <p:spTree>
-      <p:nvGrpSpPr>
-        <p:cNvPr id="1" name=""/>
-        <p:cNvGrpSpPr/>
-        <p:nvPr/>
-      </p:nvGrpSpPr>
-      <p:grpSpPr>
-        <a:xfrm>
-          <a:off x="0" y="0"/>
-          <a:ext cx="0" cy="0"/>
-          <a:chOff x="0" y="0"/>
-          <a:chExt cx="0" cy="0"/>
-        </a:xfrm>
-      </p:grpSpPr>
-      <p:sp>
-        <p:nvSpPr>
-          <p:cNvPr id="2" name="Title 1"/>
-          <p:cNvSpPr>
-            <a:spLocks noGrp="1"/>
-          </p:cNvSpPr>
-          <p:nvPr>
-            <p:ph type="title"/>
-          </p:nvPr>
-        </p:nvSpPr>
-        <p:spPr/>
-        <p:txBody>
-          <a:bodyPr/>
-          <a:lstStyle/>
-          <a:p>
-            <a:r>
-              <a:rPr lang="en-US" dirty="0" smtClean="0"/>
-              <a:t>What is CSS?</a:t>
-            </a:r>
-            <a:endParaRPr lang="en-US" dirty="0"/>
-          </a:p>
-        </p:txBody>
-      </p:sp>
-      <p:sp>
-        <p:nvSpPr>
-          <p:cNvPr id="3" name="Content Placeholder 2"/>
-          <p:cNvSpPr>
-            <a:spLocks noGrp="1"/>
-          </p:cNvSpPr>
-          <p:nvPr>
-            <p:ph idx="1"/>
-          </p:nvPr>
-        </p:nvSpPr>
-        <p:spPr/>
-        <p:txBody>
-          <a:bodyPr>
-            <a:normAutofit/>
-          </a:bodyPr>
-          <a:lstStyle/>
-          <a:p>
-            <a:r>
-              <a:rPr lang="en-US" sz="2800" dirty="0" smtClean="0"/>
-              <a:t>HTML provides the definition of the page</a:t>
-            </a:r>
-          </a:p>
-          <a:p>
-            <a:r>
-              <a:rPr lang="en-US" sz="2800" dirty="0" smtClean="0"/>
-              <a:t>CSS provides the styling for the page</a:t>
-            </a:r>
-          </a:p>
-          <a:p>
-            <a:r>
-              <a:rPr lang="en-US" sz="2800" dirty="0" smtClean="0"/>
-              <a:t>It’s best to keep these separate</a:t>
-            </a:r>
-          </a:p>
-          <a:p>
-            <a:r>
-              <a:rPr lang="en-US" sz="2800" dirty="0" smtClean="0"/>
-              <a:t>Cascading Style Sheets</a:t>
-            </a:r>
-          </a:p>
-          <a:p>
-            <a:r>
-              <a:rPr lang="en-US" sz="2800" dirty="0" smtClean="0"/>
-              <a:t>If multiple styles applied, styles will override based on the hierarchy</a:t>
-            </a:r>
-            <a:endParaRPr lang="en-US" sz="2800" dirty="0"/>
-          </a:p>
-        </p:txBody>
-      </p:sp>
-    </p:spTree>
-    <p:extLst>
-      <p:ext uri="{BB962C8B-B14F-4D97-AF65-F5344CB8AC3E}">
-        <p14:creationId xmlns:p14="http://schemas.microsoft.com/office/powerpoint/2010/main" val="98690558"/>
-      </p:ext>
-    </p:extLst>
-  </p:cSld>
-  <p:clrMapOvr>
-    <a:masterClrMapping/>
-  </p:clrMapOvr>
-</p:sld>
-</file>
-
-<file path=ppt/slides/slide20.xml><?xml version="1.0" encoding="utf-8"?>
-<p:sld xmlns:a="http://schemas.openxmlformats.org/drawingml/2006/main" xmlns:r="http://schemas.openxmlformats.org/officeDocument/2006/relationships" xmlns:p="http://schemas.openxmlformats.org/presentationml/2006/main">
-  <p:cSld>
-    <p:spTree>
-      <p:nvGrpSpPr>
-        <p:cNvPr id="1" name=""/>
-        <p:cNvGrpSpPr/>
-        <p:nvPr/>
-      </p:nvGrpSpPr>
-      <p:grpSpPr>
-        <a:xfrm>
-          <a:off x="0" y="0"/>
-          <a:ext cx="0" cy="0"/>
-          <a:chOff x="0" y="0"/>
-          <a:chExt cx="0" cy="0"/>
-        </a:xfrm>
-      </p:grpSpPr>
-      <p:sp>
-        <p:nvSpPr>
-          <p:cNvPr id="2" name="Title 1"/>
-          <p:cNvSpPr>
-            <a:spLocks noGrp="1"/>
-          </p:cNvSpPr>
-          <p:nvPr>
-            <p:ph type="title"/>
-          </p:nvPr>
-        </p:nvSpPr>
-        <p:spPr/>
-        <p:txBody>
-          <a:bodyPr/>
-          <a:lstStyle/>
-          <a:p>
-            <a:r>
-              <a:rPr lang="en-US" dirty="0" smtClean="0"/>
-              <a:t>Alignment</a:t>
-            </a:r>
-            <a:endParaRPr lang="en-US" dirty="0"/>
-          </a:p>
-        </p:txBody>
-      </p:sp>
-      <p:sp>
-        <p:nvSpPr>
-          <p:cNvPr id="3" name="Content Placeholder 2"/>
-          <p:cNvSpPr>
-            <a:spLocks noGrp="1"/>
-          </p:cNvSpPr>
-          <p:nvPr>
-            <p:ph sz="half" idx="1"/>
-          </p:nvPr>
-        </p:nvSpPr>
-        <p:spPr/>
-        <p:txBody>
-          <a:bodyPr>
-            <a:normAutofit/>
-          </a:bodyPr>
-          <a:lstStyle/>
-          <a:p>
-            <a:r>
-              <a:rPr lang="en-US" sz="2400" dirty="0" smtClean="0"/>
-              <a:t>Center Align Block Element or image</a:t>
-            </a:r>
-          </a:p>
-          <a:p>
-            <a:pPr lvl="1"/>
-            <a:r>
-              <a:rPr lang="en-US" sz="2400" dirty="0"/>
-              <a:t>m</a:t>
-            </a:r>
-            <a:r>
-              <a:rPr lang="en-US" sz="2400" dirty="0" smtClean="0"/>
-              <a:t>argin: auto;</a:t>
-            </a:r>
-          </a:p>
-          <a:p>
-            <a:r>
-              <a:rPr lang="en-US" sz="2400" dirty="0" smtClean="0"/>
-              <a:t>Center Align Text</a:t>
-            </a:r>
-          </a:p>
-          <a:p>
-            <a:pPr lvl="1"/>
-            <a:r>
-              <a:rPr lang="en-US" sz="2400" dirty="0"/>
-              <a:t>t</a:t>
-            </a:r>
-            <a:r>
-              <a:rPr lang="en-US" sz="2400" dirty="0" smtClean="0"/>
-              <a:t>ext-align: center;</a:t>
-            </a:r>
-          </a:p>
-          <a:p>
-            <a:r>
-              <a:rPr lang="en-US" sz="2400" dirty="0" smtClean="0"/>
-              <a:t>Absolute Position Alignment</a:t>
-            </a:r>
-          </a:p>
-          <a:p>
-            <a:pPr lvl="1"/>
-            <a:r>
-              <a:rPr lang="en-US" sz="2400" dirty="0"/>
-              <a:t>p</a:t>
-            </a:r>
-            <a:r>
-              <a:rPr lang="en-US" sz="2400" dirty="0" smtClean="0"/>
-              <a:t>osition: absolute</a:t>
-            </a:r>
-          </a:p>
-          <a:p>
-            <a:pPr lvl="1"/>
-            <a:r>
-              <a:rPr lang="en-US" sz="2400" dirty="0"/>
-              <a:t>r</a:t>
-            </a:r>
-            <a:r>
-              <a:rPr lang="en-US" sz="2400" dirty="0" smtClean="0"/>
-              <a:t>ight: 0px; or left: 0px;</a:t>
-            </a:r>
-          </a:p>
-        </p:txBody>
-      </p:sp>
-      <p:sp>
-        <p:nvSpPr>
-          <p:cNvPr id="4" name="Content Placeholder 3"/>
-          <p:cNvSpPr>
-            <a:spLocks noGrp="1"/>
-          </p:cNvSpPr>
-          <p:nvPr>
-            <p:ph sz="half" idx="2"/>
-          </p:nvPr>
-        </p:nvSpPr>
-        <p:spPr/>
-        <p:txBody>
-          <a:bodyPr>
-            <a:normAutofit/>
-          </a:bodyPr>
-          <a:lstStyle/>
-          <a:p>
-            <a:r>
-              <a:rPr lang="en-US" sz="2400" dirty="0"/>
-              <a:t>Float Alignment</a:t>
-            </a:r>
-          </a:p>
-          <a:p>
-            <a:pPr lvl="1"/>
-            <a:r>
-              <a:rPr lang="en-US" sz="2400" dirty="0"/>
-              <a:t>float: right; or float: left;</a:t>
-            </a:r>
-          </a:p>
-          <a:p>
-            <a:r>
-              <a:rPr lang="en-US" sz="2400" dirty="0"/>
-              <a:t>Center Vertically with Padding</a:t>
-            </a:r>
-          </a:p>
-          <a:p>
-            <a:pPr lvl="1"/>
-            <a:r>
-              <a:rPr lang="en-US" sz="2400" dirty="0"/>
-              <a:t>padding: 70px 0;</a:t>
-            </a:r>
-          </a:p>
-          <a:p>
-            <a:r>
-              <a:rPr lang="en-US" sz="2400" dirty="0"/>
-              <a:t>Example:  </a:t>
-            </a:r>
-            <a:r>
-              <a:rPr lang="en-US" sz="2400" dirty="0">
-                <a:hlinkClick r:id="rId3"/>
-              </a:rPr>
-              <a:t>https://www.w3schools.com/css/css_align.asp</a:t>
-            </a:r>
-            <a:endParaRPr lang="en-US" sz="2400" dirty="0"/>
-          </a:p>
-          <a:p>
-            <a:endParaRPr lang="en-US" dirty="0"/>
-          </a:p>
-        </p:txBody>
-      </p:sp>
-    </p:spTree>
-    <p:extLst>
-      <p:ext uri="{BB962C8B-B14F-4D97-AF65-F5344CB8AC3E}">
-        <p14:creationId xmlns:p14="http://schemas.microsoft.com/office/powerpoint/2010/main" val="824902312"/>
-      </p:ext>
-    </p:extLst>
-  </p:cSld>
-  <p:clrMapOvr>
-    <a:masterClrMapping/>
-  </p:clrMapOvr>
-</p:sld>
-</file>
-
 <file path=ppt/slides/slide21.xml><?xml version="1.0" encoding="utf-8"?>
 <p:sld xmlns:a="http://schemas.openxmlformats.org/drawingml/2006/main" xmlns:r="http://schemas.openxmlformats.org/officeDocument/2006/relationships" xmlns:p="http://schemas.openxmlformats.org/presentationml/2006/main">
   <p:cSld>
@@ -12105,10 +12023,9 @@
           <a:lstStyle/>
           <a:p>
             <a:r>
-              <a:rPr lang="en-US" dirty="0" smtClean="0"/>
-              <a:t>Pseudo-Class</a:t>
-            </a:r>
-            <a:endParaRPr lang="en-US" dirty="0"/>
+              <a:rPr lang="en-US" dirty="0"/>
+              <a:t>Alignment</a:t>
+            </a:r>
           </a:p>
         </p:txBody>
       </p:sp>
@@ -12130,42 +12047,48 @@
           <a:lstStyle/>
           <a:p>
             <a:r>
-              <a:rPr lang="en-US" sz="2400" dirty="0" smtClean="0"/>
-              <a:t>Allow to set style of element in certain states.</a:t>
-            </a:r>
-          </a:p>
-          <a:p>
-            <a:r>
-              <a:rPr lang="en-US" sz="2400" dirty="0" smtClean="0"/>
-              <a:t>Examples of Pseudo-Classes:</a:t>
+              <a:rPr lang="en-US" sz="2400" dirty="0"/>
+              <a:t>Center Align Block Element or image</a:t>
             </a:r>
           </a:p>
           <a:p>
             <a:pPr lvl="1"/>
             <a:r>
-              <a:rPr lang="en-US" sz="2400" dirty="0" smtClean="0"/>
-              <a:t>a:active</a:t>
+              <a:rPr lang="en-US" sz="2400" dirty="0"/>
+              <a:t>margin: auto;</a:t>
+            </a:r>
+          </a:p>
+          <a:p>
+            <a:r>
+              <a:rPr lang="en-US" sz="2400" dirty="0"/>
+              <a:t>Center Align Text</a:t>
             </a:r>
           </a:p>
           <a:p>
             <a:pPr lvl="1"/>
             <a:r>
-              <a:rPr lang="en-US" sz="2400" dirty="0" smtClean="0"/>
-              <a:t>a:hover</a:t>
+              <a:rPr lang="en-US" sz="2400" dirty="0"/>
+              <a:t>text-align: center;</a:t>
+            </a:r>
+          </a:p>
+          <a:p>
+            <a:r>
+              <a:rPr lang="en-US" sz="2400" dirty="0"/>
+              <a:t>Absolute Position Alignment</a:t>
             </a:r>
           </a:p>
           <a:p>
             <a:pPr lvl="1"/>
             <a:r>
-              <a:rPr lang="en-US" sz="2400" dirty="0" smtClean="0"/>
-              <a:t>a:link</a:t>
+              <a:rPr lang="en-US" sz="2400" dirty="0"/>
+              <a:t>position: absolute</a:t>
             </a:r>
           </a:p>
           <a:p>
             <a:pPr lvl="1"/>
             <a:r>
-              <a:rPr lang="en-US" sz="2400" dirty="0" smtClean="0"/>
-              <a:t>a:visited</a:t>
+              <a:rPr lang="en-US" sz="2400" dirty="0"/>
+              <a:t>right: 0px; or left: 0px;</a:t>
             </a:r>
           </a:p>
         </p:txBody>
@@ -12187,50 +12110,41 @@
           </a:bodyPr>
           <a:lstStyle/>
           <a:p>
+            <a:r>
+              <a:rPr lang="en-US" sz="2400" dirty="0"/>
+              <a:t>Float Alignment</a:t>
+            </a:r>
+          </a:p>
+          <a:p>
             <a:pPr lvl="1"/>
             <a:r>
-              <a:rPr lang="en-US" sz="2400" dirty="0" err="1"/>
-              <a:t>input:checked</a:t>
-            </a:r>
-            <a:endParaRPr lang="en-US" sz="2400" dirty="0"/>
+              <a:rPr lang="en-US" sz="2400" dirty="0"/>
+              <a:t>float: right; or float: left;</a:t>
+            </a:r>
+          </a:p>
+          <a:p>
+            <a:r>
+              <a:rPr lang="en-US" sz="2400" dirty="0"/>
+              <a:t>Center Vertically with Padding</a:t>
+            </a:r>
           </a:p>
           <a:p>
             <a:pPr lvl="1"/>
             <a:r>
-              <a:rPr lang="en-US" sz="2400" dirty="0" err="1"/>
-              <a:t>input:disabled</a:t>
-            </a:r>
-            <a:endParaRPr lang="en-US" sz="2400" dirty="0"/>
-          </a:p>
-          <a:p>
-            <a:pPr lvl="1"/>
-            <a:r>
-              <a:rPr lang="en-US" sz="2400" dirty="0" err="1"/>
-              <a:t>input:enabled</a:t>
-            </a:r>
-            <a:endParaRPr lang="en-US" sz="2400" dirty="0"/>
-          </a:p>
-          <a:p>
-            <a:pPr lvl="1"/>
-            <a:r>
-              <a:rPr lang="en-US" sz="2400" dirty="0" err="1"/>
-              <a:t>input:focus</a:t>
-            </a:r>
-            <a:endParaRPr lang="en-US" sz="2400" dirty="0"/>
-          </a:p>
-          <a:p>
-            <a:pPr lvl="1"/>
-            <a:r>
-              <a:rPr lang="en-US" sz="2400" dirty="0" err="1"/>
-              <a:t>input:invalid</a:t>
-            </a:r>
-            <a:endParaRPr lang="en-US" sz="2400" dirty="0"/>
-          </a:p>
-          <a:p>
-            <a:pPr lvl="1"/>
-            <a:r>
-              <a:rPr lang="en-US" sz="2400" dirty="0" err="1"/>
-              <a:t>input:valid</a:t>
+              <a:rPr lang="en-US" sz="2400" dirty="0"/>
+              <a:t>padding: 70px 0;</a:t>
+            </a:r>
+          </a:p>
+          <a:p>
+            <a:r>
+              <a:rPr lang="en-US" sz="2400" dirty="0"/>
+              <a:t>Example:  </a:t>
+            </a:r>
+            <a:r>
+              <a:rPr lang="en-US" sz="2400" dirty="0">
+                <a:hlinkClick r:id="rId3"/>
+              </a:rPr>
+              <a:t>https://www.w3schools.com/css/css_align.asp</a:t>
             </a:r>
             <a:endParaRPr lang="en-US" sz="2400" dirty="0"/>
           </a:p>
@@ -12242,7 +12156,7 @@
     </p:spTree>
     <p:extLst>
       <p:ext uri="{BB962C8B-B14F-4D97-AF65-F5344CB8AC3E}">
-        <p14:creationId xmlns:p14="http://schemas.microsoft.com/office/powerpoint/2010/main" val="2734982113"/>
+        <p14:creationId xmlns:p14="http://schemas.microsoft.com/office/powerpoint/2010/main" val="824902312"/>
       </p:ext>
     </p:extLst>
   </p:cSld>
@@ -12285,14 +12199,9 @@
           <a:lstStyle/>
           <a:p>
             <a:r>
-              <a:rPr lang="en-US" dirty="0" smtClean="0"/>
-              <a:t>Where is </a:t>
-            </a:r>
-            <a:r>
-              <a:rPr lang="en-US" smtClean="0"/>
-              <a:t>my style?</a:t>
-            </a:r>
-            <a:endParaRPr lang="en-US" dirty="0"/>
+              <a:rPr lang="en-US" dirty="0"/>
+              <a:t>Pseudo-Class</a:t>
+            </a:r>
           </a:p>
         </p:txBody>
       </p:sp>
@@ -12303,88 +12212,122 @@
             <a:spLocks noGrp="1"/>
           </p:cNvSpPr>
           <p:nvPr>
-            <p:ph idx="1"/>
+            <p:ph sz="half" idx="1"/>
           </p:nvPr>
         </p:nvSpPr>
         <p:spPr/>
         <p:txBody>
           <a:bodyPr>
-            <a:normAutofit lnSpcReduction="10000"/>
+            <a:normAutofit/>
           </a:bodyPr>
           <a:lstStyle/>
           <a:p>
             <a:r>
-              <a:rPr lang="en-US" dirty="0" smtClean="0"/>
-              <a:t>Importance</a:t>
+              <a:rPr lang="en-US" sz="2400" dirty="0"/>
+              <a:t>Allow to set style of element in certain states.</a:t>
+            </a:r>
+          </a:p>
+          <a:p>
+            <a:r>
+              <a:rPr lang="en-US" sz="2400" dirty="0"/>
+              <a:t>Examples of Pseudo-Classes:</a:t>
             </a:r>
           </a:p>
           <a:p>
             <a:pPr lvl="1"/>
             <a:r>
-              <a:rPr lang="en-US" dirty="0" smtClean="0"/>
-              <a:t>Add !important to the end of a property</a:t>
+              <a:rPr lang="en-US" sz="2400" dirty="0"/>
+              <a:t>a:active</a:t>
             </a:r>
           </a:p>
           <a:p>
             <a:pPr lvl="1"/>
             <a:r>
-              <a:rPr lang="en-US" dirty="0" smtClean="0"/>
-              <a:t>Wins over all other rules (not recommended)</a:t>
-            </a:r>
-          </a:p>
-          <a:p>
-            <a:r>
-              <a:rPr lang="en-US" dirty="0" smtClean="0"/>
-              <a:t>Specificity</a:t>
+              <a:rPr lang="en-US" sz="2400" dirty="0"/>
+              <a:t>a:hover</a:t>
             </a:r>
           </a:p>
           <a:p>
             <a:pPr lvl="1"/>
             <a:r>
-              <a:rPr lang="en-US" dirty="0" smtClean="0"/>
-              <a:t>Measured using 4 values </a:t>
-            </a:r>
-          </a:p>
-          <a:p>
-            <a:pPr lvl="2"/>
-            <a:r>
-              <a:rPr lang="en-US" dirty="0" smtClean="0"/>
-              <a:t>Thousands – inside style element or style attribute</a:t>
-            </a:r>
-          </a:p>
-          <a:p>
-            <a:pPr lvl="2"/>
-            <a:r>
-              <a:rPr lang="en-US" dirty="0" smtClean="0"/>
-              <a:t>Hundreds – one for each ID selector</a:t>
-            </a:r>
-          </a:p>
-          <a:p>
-            <a:pPr lvl="2"/>
-            <a:r>
-              <a:rPr lang="en-US" dirty="0" smtClean="0"/>
-              <a:t>Tens – one for each class selector, attribute selector, or pseudo-class</a:t>
-            </a:r>
-          </a:p>
-          <a:p>
-            <a:pPr lvl="2"/>
-            <a:r>
-              <a:rPr lang="en-US" dirty="0" smtClean="0"/>
-              <a:t>Ones – one for each element selector or pseudo-element</a:t>
-            </a:r>
-          </a:p>
-          <a:p>
-            <a:r>
-              <a:rPr lang="en-US" dirty="0" smtClean="0"/>
-              <a:t>Source Order</a:t>
+              <a:rPr lang="en-US" sz="2400" dirty="0"/>
+              <a:t>a:link</a:t>
             </a:r>
           </a:p>
           <a:p>
             <a:pPr lvl="1"/>
             <a:r>
-              <a:rPr lang="en-US" dirty="0" smtClean="0"/>
-              <a:t>Later rule wins if everything else is the same</a:t>
-            </a:r>
+              <a:rPr lang="en-US" sz="2400" dirty="0"/>
+              <a:t>a:visited</a:t>
+            </a:r>
+          </a:p>
+        </p:txBody>
+      </p:sp>
+      <p:sp>
+        <p:nvSpPr>
+          <p:cNvPr id="4" name="Content Placeholder 3"/>
+          <p:cNvSpPr>
+            <a:spLocks noGrp="1"/>
+          </p:cNvSpPr>
+          <p:nvPr>
+            <p:ph sz="half" idx="2"/>
+          </p:nvPr>
+        </p:nvSpPr>
+        <p:spPr/>
+        <p:txBody>
+          <a:bodyPr>
+            <a:normAutofit/>
+          </a:bodyPr>
+          <a:lstStyle/>
+          <a:p>
+            <a:pPr lvl="1"/>
+            <a:r>
+              <a:rPr lang="en-US" sz="2400" dirty="0" err="1"/>
+              <a:t>input:checked</a:t>
+            </a:r>
+            <a:endParaRPr lang="en-US" sz="2400" dirty="0"/>
+          </a:p>
+          <a:p>
+            <a:pPr lvl="1"/>
+            <a:r>
+              <a:rPr lang="en-US" sz="2400" dirty="0" err="1"/>
+              <a:t>input:disabled</a:t>
+            </a:r>
+            <a:endParaRPr lang="en-US" sz="2400" dirty="0"/>
+          </a:p>
+          <a:p>
+            <a:pPr lvl="1"/>
+            <a:r>
+              <a:rPr lang="en-US" sz="2400" dirty="0" err="1"/>
+              <a:t>input:enabled</a:t>
+            </a:r>
+            <a:endParaRPr lang="en-US" sz="2400" dirty="0"/>
+          </a:p>
+          <a:p>
+            <a:pPr lvl="1"/>
+            <a:r>
+              <a:rPr lang="en-US" sz="2400" dirty="0" err="1"/>
+              <a:t>input:focus</a:t>
+            </a:r>
+            <a:endParaRPr lang="en-US" sz="2400" dirty="0"/>
+          </a:p>
+          <a:p>
+            <a:pPr lvl="1"/>
+            <a:r>
+              <a:rPr lang="en-US" sz="2400" dirty="0" err="1"/>
+              <a:t>input:invalid</a:t>
+            </a:r>
+            <a:endParaRPr lang="en-US" sz="2400" dirty="0"/>
+          </a:p>
+          <a:p>
+            <a:pPr lvl="1"/>
+            <a:r>
+              <a:rPr lang="en-US" sz="2400" dirty="0" err="1"/>
+              <a:t>input:valid</a:t>
+            </a:r>
+            <a:endParaRPr lang="en-US" sz="2400" dirty="0"/>
+          </a:p>
+          <a:p>
             <a:endParaRPr lang="en-US" dirty="0"/>
           </a:p>
         </p:txBody>
@@ -12392,7 +12335,7 @@
     </p:spTree>
     <p:extLst>
       <p:ext uri="{BB962C8B-B14F-4D97-AF65-F5344CB8AC3E}">
-        <p14:creationId xmlns:p14="http://schemas.microsoft.com/office/powerpoint/2010/main" val="2125971102"/>
+        <p14:creationId xmlns:p14="http://schemas.microsoft.com/office/powerpoint/2010/main" val="2734982113"/>
       </p:ext>
     </p:extLst>
   </p:cSld>
@@ -12435,8 +12378,12 @@
           <a:lstStyle/>
           <a:p>
             <a:r>
-              <a:rPr lang="en-US" dirty="0" smtClean="0"/>
-              <a:t>Page Layouts</a:t>
+              <a:rPr lang="en-US" dirty="0"/>
+              <a:t>Where is </a:t>
+            </a:r>
+            <a:r>
+              <a:rPr lang="en-US"/>
+              <a:t>my style?</a:t>
             </a:r>
             <a:endParaRPr lang="en-US" dirty="0"/>
           </a:p>
@@ -12449,122 +12396,95 @@
             <a:spLocks noGrp="1"/>
           </p:cNvSpPr>
           <p:nvPr>
-            <p:ph sz="half" idx="1"/>
+            <p:ph idx="1"/>
           </p:nvPr>
         </p:nvSpPr>
         <p:spPr/>
         <p:txBody>
           <a:bodyPr>
-            <a:normAutofit/>
+            <a:normAutofit lnSpcReduction="10000"/>
           </a:bodyPr>
           <a:lstStyle/>
           <a:p>
             <a:r>
-              <a:rPr lang="en-US" sz="2800" dirty="0" smtClean="0"/>
-              <a:t>Options:  </a:t>
+              <a:rPr lang="en-US" dirty="0"/>
+              <a:t>Importance</a:t>
             </a:r>
           </a:p>
           <a:p>
             <a:pPr lvl="1"/>
             <a:r>
-              <a:rPr lang="en-US" sz="2800" dirty="0" smtClean="0"/>
-              <a:t>Tables</a:t>
+              <a:rPr lang="en-US" dirty="0"/>
+              <a:t>Add !important to the end of a property</a:t>
             </a:r>
           </a:p>
           <a:p>
             <a:pPr lvl="1"/>
             <a:r>
-              <a:rPr lang="en-US" sz="2800" dirty="0" smtClean="0"/>
-              <a:t>Float</a:t>
+              <a:rPr lang="en-US" dirty="0"/>
+              <a:t>Wins over all other rules (not recommended)</a:t>
+            </a:r>
+          </a:p>
+          <a:p>
+            <a:r>
+              <a:rPr lang="en-US" dirty="0"/>
+              <a:t>Specificity</a:t>
             </a:r>
           </a:p>
           <a:p>
             <a:pPr lvl="1"/>
             <a:r>
-              <a:rPr lang="en-US" sz="2800" dirty="0" smtClean="0"/>
-              <a:t>CSS Framework</a:t>
+              <a:rPr lang="en-US" dirty="0"/>
+              <a:t>Measured using 4 values </a:t>
+            </a:r>
+          </a:p>
+          <a:p>
+            <a:pPr lvl="2"/>
+            <a:r>
+              <a:rPr lang="en-US" dirty="0"/>
+              <a:t>Thousands – inside style element or style attribute</a:t>
+            </a:r>
+          </a:p>
+          <a:p>
+            <a:pPr lvl="2"/>
+            <a:r>
+              <a:rPr lang="en-US" dirty="0"/>
+              <a:t>Hundreds – one for each ID selector</a:t>
+            </a:r>
+          </a:p>
+          <a:p>
+            <a:pPr lvl="2"/>
+            <a:r>
+              <a:rPr lang="en-US" dirty="0"/>
+              <a:t>Tens – one for each class selector, attribute selector, or pseudo-class</a:t>
+            </a:r>
+          </a:p>
+          <a:p>
+            <a:pPr lvl="2"/>
+            <a:r>
+              <a:rPr lang="en-US" dirty="0"/>
+              <a:t>Ones – one for each element selector or pseudo-element</a:t>
+            </a:r>
+          </a:p>
+          <a:p>
+            <a:r>
+              <a:rPr lang="en-US" dirty="0"/>
+              <a:t>Source Order</a:t>
             </a:r>
           </a:p>
           <a:p>
             <a:pPr lvl="1"/>
             <a:r>
-              <a:rPr lang="en-US" sz="2800" dirty="0" smtClean="0"/>
-              <a:t>Flexbox</a:t>
-            </a:r>
-          </a:p>
-          <a:p>
-            <a:pPr lvl="1"/>
-            <a:r>
-              <a:rPr lang="en-US" sz="2800" dirty="0" smtClean="0"/>
-              <a:t>CSS Grid</a:t>
-            </a:r>
-          </a:p>
-        </p:txBody>
-      </p:sp>
-      <p:sp>
-        <p:nvSpPr>
-          <p:cNvPr id="4" name="Content Placeholder 3"/>
-          <p:cNvSpPr>
-            <a:spLocks noGrp="1"/>
-          </p:cNvSpPr>
-          <p:nvPr>
-            <p:ph sz="half" idx="2"/>
-          </p:nvPr>
-        </p:nvSpPr>
-        <p:spPr/>
-        <p:txBody>
-          <a:bodyPr>
-            <a:normAutofit/>
-          </a:bodyPr>
-          <a:lstStyle/>
-          <a:p>
-            <a:r>
               <a:rPr lang="en-US" dirty="0"/>
-              <a:t>Example:  </a:t>
-            </a:r>
-            <a:r>
-              <a:rPr lang="en-US" dirty="0">
-                <a:hlinkClick r:id="rId3"/>
-              </a:rPr>
-              <a:t>https://www.codementor.io/codementorteam/4-different-html-css-layout-techniques-to-create-a-site-85i9t1x34</a:t>
-            </a:r>
-            <a:endParaRPr lang="en-US" dirty="0"/>
-          </a:p>
-          <a:p>
-            <a:r>
-              <a:rPr lang="en-US" dirty="0"/>
-              <a:t>Bootstrap Templates:  </a:t>
-            </a:r>
-            <a:r>
-              <a:rPr lang="en-US" dirty="0">
-                <a:hlinkClick r:id="rId4"/>
-              </a:rPr>
-              <a:t>https://www.w3schools.com/bootstrap/bootstrap_templates.asp</a:t>
-            </a:r>
-            <a:endParaRPr lang="en-US" dirty="0"/>
-          </a:p>
-          <a:p>
-            <a:r>
-              <a:rPr lang="en-US" dirty="0"/>
-              <a:t>Scroll Template:  </a:t>
-            </a:r>
-            <a:r>
-              <a:rPr lang="en-US" dirty="0">
-                <a:hlinkClick r:id="rId5"/>
-              </a:rPr>
-              <a:t>https://www.w3schools.com/bootstrap/bootstrap_theme_company.asp</a:t>
-            </a:r>
-            <a:endParaRPr lang="en-US" dirty="0"/>
-          </a:p>
-          <a:p>
-            <a:endParaRPr lang="en-US" dirty="0"/>
+              <a:t>Later rule wins if everything else is the same</a:t>
+            </a:r>
           </a:p>
         </p:txBody>
       </p:sp>
     </p:spTree>
     <p:extLst>
       <p:ext uri="{BB962C8B-B14F-4D97-AF65-F5344CB8AC3E}">
-        <p14:creationId xmlns:p14="http://schemas.microsoft.com/office/powerpoint/2010/main" val="3024625893"/>
+        <p14:creationId xmlns:p14="http://schemas.microsoft.com/office/powerpoint/2010/main" val="2125971102"/>
       </p:ext>
     </p:extLst>
   </p:cSld>
@@ -12607,10 +12527,9 @@
           <a:lstStyle/>
           <a:p>
             <a:r>
-              <a:rPr lang="en-US" dirty="0" smtClean="0"/>
-              <a:t>Responsive</a:t>
-            </a:r>
-            <a:endParaRPr lang="en-US" dirty="0"/>
+              <a:rPr lang="en-US" dirty="0"/>
+              <a:t>Page Layouts</a:t>
+            </a:r>
           </a:p>
         </p:txBody>
       </p:sp>
@@ -12621,7 +12540,7 @@
             <a:spLocks noGrp="1"/>
           </p:cNvSpPr>
           <p:nvPr>
-            <p:ph idx="1"/>
+            <p:ph sz="half" idx="1"/>
           </p:nvPr>
         </p:nvSpPr>
         <p:spPr/>
@@ -12632,46 +12551,111 @@
           <a:lstStyle/>
           <a:p>
             <a:r>
-              <a:rPr lang="en-US" sz="2800" dirty="0" smtClean="0"/>
-              <a:t>Designing to work on any monitor size or device</a:t>
-            </a:r>
-          </a:p>
-          <a:p>
-            <a:r>
-              <a:rPr lang="en-US" sz="2800" dirty="0" smtClean="0"/>
-              <a:t>Use a Grid System – </a:t>
-            </a:r>
-            <a:r>
-              <a:rPr lang="en-US" sz="2800" dirty="0" smtClean="0"/>
-              <a:t>Bootstrap</a:t>
-            </a:r>
-            <a:endParaRPr lang="en-US" sz="2800" dirty="0" smtClean="0"/>
-          </a:p>
-          <a:p>
-            <a:r>
-              <a:rPr lang="en-US" sz="2800" dirty="0" smtClean="0"/>
-              <a:t>Use Media Queries</a:t>
-            </a:r>
-          </a:p>
-          <a:p>
-            <a:r>
-              <a:rPr lang="en-US" sz="2800" dirty="0" smtClean="0"/>
-              <a:t>Use Vector Graphics or Alternate Images</a:t>
-            </a:r>
-          </a:p>
-          <a:p>
-            <a:r>
-              <a:rPr lang="en-US" sz="2800" dirty="0" smtClean="0"/>
-              <a:t>Use a Framework like Bootstrap</a:t>
-            </a:r>
-            <a:endParaRPr lang="en-US" sz="2800" dirty="0"/>
+              <a:rPr lang="en-US" sz="2800" dirty="0"/>
+              <a:t>Options:  </a:t>
+            </a:r>
+          </a:p>
+          <a:p>
+            <a:pPr lvl="1"/>
+            <a:r>
+              <a:rPr lang="en-US" sz="2800" dirty="0"/>
+              <a:t>Tables</a:t>
+            </a:r>
+          </a:p>
+          <a:p>
+            <a:pPr lvl="1"/>
+            <a:r>
+              <a:rPr lang="en-US" sz="2800" dirty="0"/>
+              <a:t>Float</a:t>
+            </a:r>
+          </a:p>
+          <a:p>
+            <a:pPr lvl="1"/>
+            <a:r>
+              <a:rPr lang="en-US" sz="2800" dirty="0"/>
+              <a:t>CSS Framework</a:t>
+            </a:r>
+          </a:p>
+          <a:p>
+            <a:pPr lvl="1"/>
+            <a:r>
+              <a:rPr lang="en-US" sz="2800" dirty="0"/>
+              <a:t>Flexbox</a:t>
+            </a:r>
+          </a:p>
+          <a:p>
+            <a:pPr lvl="1"/>
+            <a:r>
+              <a:rPr lang="en-US" sz="2800" dirty="0"/>
+              <a:t>CSS Grid</a:t>
+            </a:r>
+          </a:p>
+        </p:txBody>
+      </p:sp>
+      <p:sp>
+        <p:nvSpPr>
+          <p:cNvPr id="4" name="Content Placeholder 3"/>
+          <p:cNvSpPr>
+            <a:spLocks noGrp="1"/>
+          </p:cNvSpPr>
+          <p:nvPr>
+            <p:ph sz="half" idx="2"/>
+          </p:nvPr>
+        </p:nvSpPr>
+        <p:spPr/>
+        <p:txBody>
+          <a:bodyPr>
+            <a:normAutofit/>
+          </a:bodyPr>
+          <a:lstStyle/>
+          <a:p>
+            <a:r>
+              <a:rPr lang="en-US" dirty="0"/>
+              <a:t>Example:  </a:t>
+            </a:r>
+            <a:r>
+              <a:rPr lang="en-US" dirty="0">
+                <a:hlinkClick r:id="rId3"/>
+              </a:rPr>
+              <a:t>https://www.codementor.io/codementorteam/4-different-html-css-layout-techniques-to-create-a-site-85i9t1x34</a:t>
+            </a:r>
+            <a:endParaRPr lang="en-US" dirty="0"/>
+          </a:p>
+          <a:p>
+            <a:r>
+              <a:rPr lang="en-US" dirty="0"/>
+              <a:t>Bootstrap Templates:  </a:t>
+            </a:r>
+            <a:r>
+              <a:rPr lang="en-US" dirty="0">
+                <a:hlinkClick r:id="rId4"/>
+              </a:rPr>
+              <a:t>https://www.w3schools.com/bootstrap/bootstrap_templates.asp</a:t>
+            </a:r>
+            <a:endParaRPr lang="en-US" dirty="0"/>
+          </a:p>
+          <a:p>
+            <a:r>
+              <a:rPr lang="en-US" dirty="0"/>
+              <a:t>Scroll Template:  </a:t>
+            </a:r>
+            <a:r>
+              <a:rPr lang="en-US" dirty="0">
+                <a:hlinkClick r:id="rId5"/>
+              </a:rPr>
+              <a:t>https://www.w3schools.com/bootstrap/bootstrap_theme_company.asp</a:t>
+            </a:r>
+            <a:endParaRPr lang="en-US" dirty="0"/>
+          </a:p>
+          <a:p>
+            <a:endParaRPr lang="en-US" dirty="0"/>
           </a:p>
         </p:txBody>
       </p:sp>
     </p:spTree>
     <p:extLst>
       <p:ext uri="{BB962C8B-B14F-4D97-AF65-F5344CB8AC3E}">
-        <p14:creationId xmlns:p14="http://schemas.microsoft.com/office/powerpoint/2010/main" val="1862052600"/>
+        <p14:creationId xmlns:p14="http://schemas.microsoft.com/office/powerpoint/2010/main" val="3024625893"/>
       </p:ext>
     </p:extLst>
   </p:cSld>
@@ -12714,32 +12698,140 @@
           <a:lstStyle/>
           <a:p>
             <a:r>
-              <a:rPr lang="en-US" dirty="0" smtClean="0"/>
+              <a:rPr lang="en-US" dirty="0"/>
+              <a:t>Responsive</a:t>
+            </a:r>
+          </a:p>
+        </p:txBody>
+      </p:sp>
+      <p:sp>
+        <p:nvSpPr>
+          <p:cNvPr id="3" name="Content Placeholder 2"/>
+          <p:cNvSpPr>
+            <a:spLocks noGrp="1"/>
+          </p:cNvSpPr>
+          <p:nvPr>
+            <p:ph idx="1"/>
+          </p:nvPr>
+        </p:nvSpPr>
+        <p:spPr/>
+        <p:txBody>
+          <a:bodyPr>
+            <a:normAutofit/>
+          </a:bodyPr>
+          <a:lstStyle/>
+          <a:p>
+            <a:r>
+              <a:rPr lang="en-US" sz="2800" dirty="0"/>
+              <a:t>Designing to work on any monitor size or device</a:t>
+            </a:r>
+          </a:p>
+          <a:p>
+            <a:r>
+              <a:rPr lang="en-US" sz="2800" dirty="0"/>
+              <a:t>Use a Grid System – Bootstrap / CSS Grid</a:t>
+            </a:r>
+          </a:p>
+          <a:p>
+            <a:r>
+              <a:rPr lang="en-US" sz="2800" dirty="0"/>
+              <a:t>Use Media Queries</a:t>
+            </a:r>
+          </a:p>
+          <a:p>
+            <a:r>
+              <a:rPr lang="en-US" sz="2800" dirty="0"/>
+              <a:t>Use Vector Graphics or Alternate Images</a:t>
+            </a:r>
+          </a:p>
+          <a:p>
+            <a:r>
+              <a:rPr lang="en-US" sz="2800" dirty="0"/>
+              <a:t>Use a Framework like Bootstrap</a:t>
+            </a:r>
+          </a:p>
+        </p:txBody>
+      </p:sp>
+    </p:spTree>
+    <p:extLst>
+      <p:ext uri="{BB962C8B-B14F-4D97-AF65-F5344CB8AC3E}">
+        <p14:creationId xmlns:p14="http://schemas.microsoft.com/office/powerpoint/2010/main" val="1862052600"/>
+      </p:ext>
+    </p:extLst>
+  </p:cSld>
+  <p:clrMapOvr>
+    <a:masterClrMapping/>
+  </p:clrMapOvr>
+</p:sld>
+</file>
+
+<file path=ppt/slides/slide26.xml><?xml version="1.0" encoding="utf-8"?>
+<p:sld xmlns:a="http://schemas.openxmlformats.org/drawingml/2006/main" xmlns:r="http://schemas.openxmlformats.org/officeDocument/2006/relationships" xmlns:p="http://schemas.openxmlformats.org/presentationml/2006/main">
+  <p:cSld>
+    <p:spTree>
+      <p:nvGrpSpPr>
+        <p:cNvPr id="1" name=""/>
+        <p:cNvGrpSpPr/>
+        <p:nvPr/>
+      </p:nvGrpSpPr>
+      <p:grpSpPr>
+        <a:xfrm>
+          <a:off x="0" y="0"/>
+          <a:ext cx="0" cy="0"/>
+          <a:chOff x="0" y="0"/>
+          <a:chExt cx="0" cy="0"/>
+        </a:xfrm>
+      </p:grpSpPr>
+      <p:sp>
+        <p:nvSpPr>
+          <p:cNvPr id="2" name="Title 1"/>
+          <p:cNvSpPr>
+            <a:spLocks noGrp="1"/>
+          </p:cNvSpPr>
+          <p:nvPr>
+            <p:ph type="title"/>
+          </p:nvPr>
+        </p:nvSpPr>
+        <p:spPr/>
+        <p:txBody>
+          <a:bodyPr/>
+          <a:lstStyle/>
+          <a:p>
+            <a:r>
+              <a:rPr lang="en-US" dirty="0"/>
               <a:t>EXAMPLE</a:t>
             </a:r>
+          </a:p>
+        </p:txBody>
+      </p:sp>
+      <p:sp>
+        <p:nvSpPr>
+          <p:cNvPr id="3" name="Text Placeholder 2"/>
+          <p:cNvSpPr>
+            <a:spLocks noGrp="1"/>
+          </p:cNvSpPr>
+          <p:nvPr>
+            <p:ph type="body" idx="1"/>
+          </p:nvPr>
+        </p:nvSpPr>
+        <p:spPr/>
+        <p:txBody>
+          <a:bodyPr/>
+          <a:lstStyle/>
+          <a:p>
+            <a:r>
+              <a:rPr lang="en-US" dirty="0"/>
+              <a:t>CSS Grid - </a:t>
+            </a:r>
+            <a:r>
+              <a:rPr lang="en-US" dirty="0">
+                <a:hlinkClick r:id="rId3"/>
+              </a:rPr>
+              <a:t>https://cssgridgarden.com/</a:t>
+            </a:r>
             <a:endParaRPr lang="en-US" dirty="0"/>
           </a:p>
-        </p:txBody>
-      </p:sp>
-      <p:sp>
-        <p:nvSpPr>
-          <p:cNvPr id="3" name="Text Placeholder 2"/>
-          <p:cNvSpPr>
-            <a:spLocks noGrp="1"/>
-          </p:cNvSpPr>
-          <p:nvPr>
-            <p:ph type="body" idx="1"/>
-          </p:nvPr>
-        </p:nvSpPr>
-        <p:spPr/>
-        <p:txBody>
-          <a:bodyPr/>
-          <a:lstStyle/>
-          <a:p>
-            <a:r>
-              <a:rPr lang="en-US" dirty="0" smtClean="0"/>
-              <a:t>CSS Grid</a:t>
-            </a:r>
+          <a:p>
             <a:endParaRPr lang="en-US" dirty="0"/>
           </a:p>
         </p:txBody>
@@ -12753,7 +12845,7 @@
           <p:nvPr/>
         </p:nvPicPr>
         <p:blipFill>
-          <a:blip r:embed="rId3">
+          <a:blip r:embed="rId4">
             <a:extLst>
               <a:ext uri="{28A0092B-C50C-407E-A947-70E740481C1C}">
                 <a14:useLocalDpi xmlns:a14="http://schemas.microsoft.com/office/drawing/2010/main" val="0"/>
@@ -12784,17 +12876,10 @@
   <p:clrMapOvr>
     <a:masterClrMapping/>
   </p:clrMapOvr>
-  <p:timing>
-    <p:tnLst>
-      <p:par>
-        <p:cTn id="1" dur="indefinite" restart="never" nodeType="tmRoot"/>
-      </p:par>
-    </p:tnLst>
-  </p:timing>
 </p:sld>
 </file>
 
-<file path=ppt/slides/slide26.xml><?xml version="1.0" encoding="utf-8"?>
+<file path=ppt/slides/slide27.xml><?xml version="1.0" encoding="utf-8"?>
 <p:sld xmlns:a="http://schemas.openxmlformats.org/drawingml/2006/main" xmlns:r="http://schemas.openxmlformats.org/officeDocument/2006/relationships" xmlns:p="http://schemas.openxmlformats.org/presentationml/2006/main">
   <p:cSld>
     <p:spTree>
@@ -12827,10 +12912,9 @@
           <a:lstStyle/>
           <a:p>
             <a:r>
-              <a:rPr lang="en-US" dirty="0" smtClean="0"/>
+              <a:rPr lang="en-US" dirty="0"/>
               <a:t>ASSESSMENT</a:t>
             </a:r>
-            <a:endParaRPr lang="en-US" dirty="0"/>
           </a:p>
         </p:txBody>
       </p:sp>
@@ -12850,10 +12934,9 @@
           <a:lstStyle/>
           <a:p>
             <a:r>
-              <a:rPr lang="en-US" dirty="0" smtClean="0"/>
+              <a:rPr lang="en-US" dirty="0"/>
               <a:t>Box Model, Display, Position, Float, Responsive</a:t>
             </a:r>
-            <a:endParaRPr lang="en-US" dirty="0"/>
           </a:p>
         </p:txBody>
       </p:sp>
@@ -12897,17 +12980,10 @@
   <p:clrMapOvr>
     <a:masterClrMapping/>
   </p:clrMapOvr>
-  <p:timing>
-    <p:tnLst>
-      <p:par>
-        <p:cTn id="1" dur="indefinite" restart="never" nodeType="tmRoot"/>
-      </p:par>
-    </p:tnLst>
-  </p:timing>
 </p:sld>
 </file>
 
-<file path=ppt/slides/slide27.xml><?xml version="1.0" encoding="utf-8"?>
+<file path=ppt/slides/slide28.xml><?xml version="1.0" encoding="utf-8"?>
 <p:sld xmlns:a="http://schemas.openxmlformats.org/drawingml/2006/main" xmlns:r="http://schemas.openxmlformats.org/officeDocument/2006/relationships" xmlns:p="http://schemas.openxmlformats.org/presentationml/2006/main">
   <p:cSld>
     <p:spTree>
@@ -12940,10 +13016,9 @@
           <a:lstStyle/>
           <a:p>
             <a:r>
-              <a:rPr lang="en-US" dirty="0" smtClean="0"/>
+              <a:rPr lang="en-US" dirty="0"/>
               <a:t>Assignment</a:t>
             </a:r>
-            <a:endParaRPr lang="en-US" dirty="0"/>
           </a:p>
         </p:txBody>
       </p:sp>
@@ -12970,25 +13045,25 @@
           <a:lstStyle/>
           <a:p>
             <a:r>
-              <a:rPr lang="en-US" sz="4000" dirty="0" smtClean="0"/>
+              <a:rPr lang="en-US" sz="4000" dirty="0"/>
               <a:t>Add a div surrounding everything under the header.</a:t>
             </a:r>
           </a:p>
           <a:p>
             <a:r>
-              <a:rPr lang="en-US" sz="4000" dirty="0" smtClean="0"/>
+              <a:rPr lang="en-US" sz="4000" dirty="0"/>
               <a:t>Add a max width to the div.</a:t>
             </a:r>
           </a:p>
           <a:p>
             <a:r>
-              <a:rPr lang="en-US" sz="4000" dirty="0" smtClean="0"/>
+              <a:rPr lang="en-US" sz="4000" dirty="0"/>
               <a:t>Center the div using margin: 0 auto;</a:t>
             </a:r>
           </a:p>
           <a:p>
             <a:r>
-              <a:rPr lang="en-US" sz="4000" dirty="0" smtClean="0"/>
+              <a:rPr lang="en-US" sz="4000" dirty="0"/>
               <a:t>Play around with margins and padding to change the looks.</a:t>
             </a:r>
           </a:p>
@@ -13039,7 +13114,7 @@
 </p:sld>
 </file>
 
-<file path=ppt/slides/slide28.xml><?xml version="1.0" encoding="utf-8"?>
+<file path=ppt/slides/slide29.xml><?xml version="1.0" encoding="utf-8"?>
 <p:sld xmlns:a="http://schemas.openxmlformats.org/drawingml/2006/main" xmlns:r="http://schemas.openxmlformats.org/officeDocument/2006/relationships" xmlns:p="http://schemas.openxmlformats.org/presentationml/2006/main">
   <p:cSld>
     <p:spTree>
@@ -13072,10 +13147,9 @@
           <a:lstStyle/>
           <a:p>
             <a:r>
-              <a:rPr lang="en-US" dirty="0" smtClean="0"/>
+              <a:rPr lang="en-US" dirty="0"/>
               <a:t>QUICK REVIEW</a:t>
             </a:r>
-            <a:endParaRPr lang="en-US" dirty="0"/>
           </a:p>
         </p:txBody>
       </p:sp>
@@ -13095,10 +13169,9 @@
           <a:lstStyle/>
           <a:p>
             <a:r>
-              <a:rPr lang="en-US" dirty="0" smtClean="0"/>
+              <a:rPr lang="en-US" dirty="0"/>
               <a:t>CSS</a:t>
             </a:r>
-            <a:endParaRPr lang="en-US" dirty="0"/>
           </a:p>
         </p:txBody>
       </p:sp>
@@ -13142,157 +13215,6 @@
   <p:clrMapOvr>
     <a:masterClrMapping/>
   </p:clrMapOvr>
-  <p:timing>
-    <p:tnLst>
-      <p:par>
-        <p:cTn id="1" dur="indefinite" restart="never" nodeType="tmRoot"/>
-      </p:par>
-    </p:tnLst>
-  </p:timing>
-</p:sld>
-</file>
-
-<file path=ppt/slides/slide29.xml><?xml version="1.0" encoding="utf-8"?>
-<p:sld xmlns:a="http://schemas.openxmlformats.org/drawingml/2006/main" xmlns:r="http://schemas.openxmlformats.org/officeDocument/2006/relationships" xmlns:p="http://schemas.openxmlformats.org/presentationml/2006/main">
-  <p:cSld>
-    <p:spTree>
-      <p:nvGrpSpPr>
-        <p:cNvPr id="1" name=""/>
-        <p:cNvGrpSpPr/>
-        <p:nvPr/>
-      </p:nvGrpSpPr>
-      <p:grpSpPr>
-        <a:xfrm>
-          <a:off x="0" y="0"/>
-          <a:ext cx="0" cy="0"/>
-          <a:chOff x="0" y="0"/>
-          <a:chExt cx="0" cy="0"/>
-        </a:xfrm>
-      </p:grpSpPr>
-      <p:sp>
-        <p:nvSpPr>
-          <p:cNvPr id="2" name="Title 1"/>
-          <p:cNvSpPr>
-            <a:spLocks noGrp="1"/>
-          </p:cNvSpPr>
-          <p:nvPr>
-            <p:ph type="title"/>
-          </p:nvPr>
-        </p:nvSpPr>
-        <p:spPr/>
-        <p:txBody>
-          <a:bodyPr/>
-          <a:lstStyle/>
-          <a:p>
-            <a:r>
-              <a:rPr lang="en-US" dirty="0" smtClean="0"/>
-              <a:t>Additional Resources</a:t>
-            </a:r>
-            <a:endParaRPr lang="en-US" dirty="0"/>
-          </a:p>
-        </p:txBody>
-      </p:sp>
-      <p:sp>
-        <p:nvSpPr>
-          <p:cNvPr id="3" name="Content Placeholder 2"/>
-          <p:cNvSpPr>
-            <a:spLocks noGrp="1"/>
-          </p:cNvSpPr>
-          <p:nvPr>
-            <p:ph sz="half" idx="1"/>
-          </p:nvPr>
-        </p:nvSpPr>
-        <p:spPr>
-          <a:xfrm>
-            <a:off x="1103312" y="2060575"/>
-            <a:ext cx="10008033" cy="4195763"/>
-          </a:xfrm>
-        </p:spPr>
-        <p:txBody>
-          <a:bodyPr>
-            <a:normAutofit/>
-          </a:bodyPr>
-          <a:lstStyle/>
-          <a:p>
-            <a:pPr lvl="0"/>
-            <a:r>
-              <a:rPr lang="en-US" sz="2800" dirty="0" err="1" smtClean="0"/>
-              <a:t>JSFiddle</a:t>
-            </a:r>
-            <a:endParaRPr lang="en-US" sz="2800" dirty="0" smtClean="0"/>
-          </a:p>
-          <a:p>
-            <a:pPr lvl="1"/>
-            <a:r>
-              <a:rPr lang="en-US" sz="2600" dirty="0">
-                <a:hlinkClick r:id="rId3"/>
-              </a:rPr>
-              <a:t>https://jsfiddle.net</a:t>
-            </a:r>
-            <a:r>
-              <a:rPr lang="en-US" sz="2600" dirty="0" smtClean="0">
-                <a:hlinkClick r:id="rId3"/>
-              </a:rPr>
-              <a:t>/</a:t>
-            </a:r>
-            <a:endParaRPr lang="en-US" sz="2600" dirty="0" smtClean="0"/>
-          </a:p>
-          <a:p>
-            <a:r>
-              <a:rPr lang="en-US" sz="3000" dirty="0" smtClean="0"/>
-              <a:t>free Code Camp</a:t>
-            </a:r>
-          </a:p>
-          <a:p>
-            <a:pPr lvl="1"/>
-            <a:r>
-              <a:rPr lang="en-US" sz="2600" dirty="0">
-                <a:hlinkClick r:id="rId4"/>
-              </a:rPr>
-              <a:t>https://www.freecodecamp.org</a:t>
-            </a:r>
-            <a:r>
-              <a:rPr lang="en-US" sz="2600" dirty="0" smtClean="0">
-                <a:hlinkClick r:id="rId4"/>
-              </a:rPr>
-              <a:t>/</a:t>
-            </a:r>
-            <a:endParaRPr lang="en-US" sz="2600" dirty="0" smtClean="0"/>
-          </a:p>
-          <a:p>
-            <a:r>
-              <a:rPr lang="en-US" sz="2800" dirty="0" smtClean="0"/>
-              <a:t>Can I Use</a:t>
-            </a:r>
-          </a:p>
-          <a:p>
-            <a:pPr lvl="1"/>
-            <a:r>
-              <a:rPr lang="en-US" sz="2600" dirty="0">
-                <a:hlinkClick r:id="rId5"/>
-              </a:rPr>
-              <a:t>https://caniuse.com</a:t>
-            </a:r>
-            <a:r>
-              <a:rPr lang="en-US" sz="2600" dirty="0" smtClean="0">
-                <a:hlinkClick r:id="rId5"/>
-              </a:rPr>
-              <a:t>/</a:t>
-            </a:r>
-            <a:endParaRPr lang="en-US" sz="2600" dirty="0" smtClean="0"/>
-          </a:p>
-        </p:txBody>
-      </p:sp>
-    </p:spTree>
-    <p:extLst>
-      <p:ext uri="{BB962C8B-B14F-4D97-AF65-F5344CB8AC3E}">
-        <p14:creationId xmlns:p14="http://schemas.microsoft.com/office/powerpoint/2010/main" val="4293064987"/>
-      </p:ext>
-    </p:extLst>
-  </p:cSld>
-  <p:clrMapOvr>
-    <a:masterClrMapping/>
-  </p:clrMapOvr>
 </p:sld>
 </file>
 
@@ -13329,10 +13251,9 @@
           <a:lstStyle/>
           <a:p>
             <a:r>
-              <a:rPr lang="en-US" dirty="0" smtClean="0"/>
+              <a:rPr lang="en-US" dirty="0"/>
               <a:t>Inline Styling</a:t>
             </a:r>
-            <a:endParaRPr lang="en-US" dirty="0"/>
           </a:p>
         </p:txBody>
       </p:sp>
@@ -13360,53 +13281,33 @@
           </a:p>
           <a:p>
             <a:r>
-              <a:rPr lang="en-US" sz="2400" dirty="0" smtClean="0"/>
+              <a:rPr lang="en-US" sz="2400" dirty="0"/>
               <a:t>This overrides all other styling</a:t>
             </a:r>
           </a:p>
           <a:p>
             <a:r>
-              <a:rPr lang="en-US" sz="2400" dirty="0" smtClean="0"/>
+              <a:rPr lang="en-US" sz="2400" dirty="0"/>
               <a:t>Style Attribute is a global attribute</a:t>
             </a:r>
           </a:p>
           <a:p>
             <a:r>
-              <a:rPr lang="en-US" sz="2400" dirty="0" smtClean="0"/>
+              <a:rPr lang="en-US" sz="2400" dirty="0"/>
               <a:t>Can be used on any html element</a:t>
             </a:r>
           </a:p>
           <a:p>
             <a:r>
               <a:rPr lang="en-US" sz="2400" dirty="0"/>
-              <a:t>s</a:t>
-            </a:r>
-            <a:r>
-              <a:rPr lang="en-US" sz="2400" dirty="0" smtClean="0"/>
-              <a:t>tyle=“[Style Name1}: [</a:t>
-            </a:r>
-            <a:r>
-              <a:rPr lang="en-US" sz="2400" dirty="0"/>
-              <a:t>Value}; [Style </a:t>
-            </a:r>
-            <a:r>
-              <a:rPr lang="en-US" sz="2400" dirty="0" smtClean="0"/>
-              <a:t>Name2}: </a:t>
-            </a:r>
-            <a:r>
-              <a:rPr lang="en-US" sz="2400" dirty="0"/>
-              <a:t>[Value</a:t>
-            </a:r>
-            <a:r>
-              <a:rPr lang="en-US" sz="2400" dirty="0" smtClean="0"/>
-              <a:t>};”</a:t>
+              <a:t>style=“[Style Name1}: [Value}; [Style Name2}: [Value};”</a:t>
             </a:r>
           </a:p>
           <a:p>
             <a:pPr marL="45720" indent="0">
               <a:buNone/>
             </a:pPr>
-            <a:endParaRPr lang="en-US" sz="2400" dirty="0" smtClean="0"/>
+            <a:endParaRPr lang="en-US" sz="2400" dirty="0"/>
           </a:p>
           <a:p>
             <a:pPr marL="45720" indent="0">
@@ -13416,7 +13317,7 @@
               <a:buNone/>
             </a:pPr>
             <a:r>
-              <a:rPr lang="en-US" sz="2400" dirty="0" smtClean="0"/>
+              <a:rPr lang="en-US" sz="2400" dirty="0"/>
               <a:t>Example:</a:t>
             </a:r>
           </a:p>
@@ -13428,26 +13329,25 @@
               <a:buNone/>
             </a:pPr>
             <a:r>
-              <a:rPr lang="en-US" sz="2400" dirty="0" smtClean="0"/>
+              <a:rPr lang="en-US" sz="2400" dirty="0"/>
               <a:t>&lt;</a:t>
             </a:r>
             <a:r>
-              <a:rPr lang="en-US" sz="2400" dirty="0" err="1" smtClean="0"/>
+              <a:rPr lang="en-US" sz="2400" dirty="0" err="1"/>
               <a:t>img</a:t>
             </a:r>
             <a:r>
-              <a:rPr lang="en-US" sz="2400" dirty="0" smtClean="0"/>
+              <a:rPr lang="en-US" sz="2400" dirty="0"/>
               <a:t> </a:t>
             </a:r>
             <a:r>
-              <a:rPr lang="en-US" sz="2400" dirty="0" err="1" smtClean="0"/>
+              <a:rPr lang="en-US" sz="2400" dirty="0" err="1"/>
               <a:t>src</a:t>
             </a:r>
             <a:r>
-              <a:rPr lang="en-US" sz="2400" dirty="0" smtClean="0"/>
+              <a:rPr lang="en-US" sz="2400" dirty="0"/>
               <a:t>=“/images/logo.gif” style=“height:100px; width:100px;” alt=“logo” /&gt;</a:t>
             </a:r>
-            <a:endParaRPr lang="en-US" sz="2400" dirty="0"/>
           </a:p>
         </p:txBody>
       </p:sp>
@@ -13455,6 +13355,131 @@
     <p:extLst>
       <p:ext uri="{BB962C8B-B14F-4D97-AF65-F5344CB8AC3E}">
         <p14:creationId xmlns:p14="http://schemas.microsoft.com/office/powerpoint/2010/main" val="128125161"/>
+      </p:ext>
+    </p:extLst>
+  </p:cSld>
+  <p:clrMapOvr>
+    <a:masterClrMapping/>
+  </p:clrMapOvr>
+</p:sld>
+</file>
+
+<file path=ppt/slides/slide30.xml><?xml version="1.0" encoding="utf-8"?>
+<p:sld xmlns:a="http://schemas.openxmlformats.org/drawingml/2006/main" xmlns:r="http://schemas.openxmlformats.org/officeDocument/2006/relationships" xmlns:p="http://schemas.openxmlformats.org/presentationml/2006/main">
+  <p:cSld>
+    <p:spTree>
+      <p:nvGrpSpPr>
+        <p:cNvPr id="1" name=""/>
+        <p:cNvGrpSpPr/>
+        <p:nvPr/>
+      </p:nvGrpSpPr>
+      <p:grpSpPr>
+        <a:xfrm>
+          <a:off x="0" y="0"/>
+          <a:ext cx="0" cy="0"/>
+          <a:chOff x="0" y="0"/>
+          <a:chExt cx="0" cy="0"/>
+        </a:xfrm>
+      </p:grpSpPr>
+      <p:sp>
+        <p:nvSpPr>
+          <p:cNvPr id="2" name="Title 1"/>
+          <p:cNvSpPr>
+            <a:spLocks noGrp="1"/>
+          </p:cNvSpPr>
+          <p:nvPr>
+            <p:ph type="title"/>
+          </p:nvPr>
+        </p:nvSpPr>
+        <p:spPr/>
+        <p:txBody>
+          <a:bodyPr/>
+          <a:lstStyle/>
+          <a:p>
+            <a:r>
+              <a:rPr lang="en-US" dirty="0"/>
+              <a:t>Additional Resources</a:t>
+            </a:r>
+          </a:p>
+        </p:txBody>
+      </p:sp>
+      <p:sp>
+        <p:nvSpPr>
+          <p:cNvPr id="3" name="Content Placeholder 2"/>
+          <p:cNvSpPr>
+            <a:spLocks noGrp="1"/>
+          </p:cNvSpPr>
+          <p:nvPr>
+            <p:ph sz="half" idx="1"/>
+          </p:nvPr>
+        </p:nvSpPr>
+        <p:spPr>
+          <a:xfrm>
+            <a:off x="1103312" y="2060575"/>
+            <a:ext cx="10008033" cy="4195763"/>
+          </a:xfrm>
+        </p:spPr>
+        <p:txBody>
+          <a:bodyPr>
+            <a:normAutofit/>
+          </a:bodyPr>
+          <a:lstStyle/>
+          <a:p>
+            <a:pPr lvl="0"/>
+            <a:r>
+              <a:rPr lang="en-US" sz="2800" dirty="0" err="1"/>
+              <a:t>JSFiddle</a:t>
+            </a:r>
+            <a:endParaRPr lang="en-US" sz="2800" dirty="0"/>
+          </a:p>
+          <a:p>
+            <a:pPr lvl="1"/>
+            <a:r>
+              <a:rPr lang="en-US" sz="2600" dirty="0">
+                <a:hlinkClick r:id="rId3"/>
+              </a:rPr>
+              <a:t>https://jsfiddle.net/</a:t>
+            </a:r>
+            <a:endParaRPr lang="en-US" sz="2600" dirty="0"/>
+          </a:p>
+          <a:p>
+            <a:r>
+              <a:rPr lang="en-US" sz="3000" dirty="0"/>
+              <a:t>free Code Camp</a:t>
+            </a:r>
+          </a:p>
+          <a:p>
+            <a:pPr lvl="1"/>
+            <a:r>
+              <a:rPr lang="en-US" sz="2600" dirty="0">
+                <a:hlinkClick r:id="rId4"/>
+              </a:rPr>
+              <a:t>https://www.freecodecamp.org/</a:t>
+            </a:r>
+            <a:endParaRPr lang="en-US" sz="2600" dirty="0"/>
+          </a:p>
+          <a:p>
+            <a:r>
+              <a:rPr lang="en-US" sz="2800" dirty="0"/>
+              <a:t>Can I Use</a:t>
+            </a:r>
+          </a:p>
+          <a:p>
+            <a:pPr lvl="1"/>
+            <a:r>
+              <a:rPr lang="en-US" sz="2600" dirty="0">
+                <a:hlinkClick r:id="rId5"/>
+              </a:rPr>
+              <a:t>https://caniuse.com/</a:t>
+            </a:r>
+            <a:endParaRPr lang="en-US" sz="2600" dirty="0"/>
+          </a:p>
+        </p:txBody>
+      </p:sp>
+    </p:spTree>
+    <p:extLst>
+      <p:ext uri="{BB962C8B-B14F-4D97-AF65-F5344CB8AC3E}">
+        <p14:creationId xmlns:p14="http://schemas.microsoft.com/office/powerpoint/2010/main" val="4293064987"/>
       </p:ext>
     </p:extLst>
   </p:cSld>
@@ -13497,10 +13522,9 @@
           <a:lstStyle/>
           <a:p>
             <a:r>
-              <a:rPr lang="en-US" dirty="0" smtClean="0"/>
+              <a:rPr lang="en-US" dirty="0"/>
               <a:t>In Page Styling</a:t>
             </a:r>
-            <a:endParaRPr lang="en-US" dirty="0"/>
           </a:p>
         </p:txBody>
       </p:sp>
@@ -13522,25 +13546,25 @@
           <a:lstStyle/>
           <a:p>
             <a:r>
-              <a:rPr lang="en-US" sz="2800" dirty="0" smtClean="0"/>
+              <a:rPr lang="en-US" sz="2800" dirty="0"/>
               <a:t>It’s best to separate your elements from the style</a:t>
             </a:r>
           </a:p>
           <a:p>
             <a:r>
-              <a:rPr lang="en-US" sz="2800" dirty="0" smtClean="0"/>
+              <a:rPr lang="en-US" sz="2800" dirty="0"/>
               <a:t>You can also style in the page</a:t>
             </a:r>
           </a:p>
           <a:p>
             <a:r>
-              <a:rPr lang="en-US" sz="2800" dirty="0" smtClean="0"/>
+              <a:rPr lang="en-US" sz="2800" dirty="0"/>
               <a:t>Use style element within the head element</a:t>
             </a:r>
           </a:p>
           <a:p>
             <a:r>
-              <a:rPr lang="en-US" sz="2800" dirty="0" smtClean="0"/>
+              <a:rPr lang="en-US" sz="2800" dirty="0"/>
               <a:t>Surround styles in a comment</a:t>
             </a:r>
           </a:p>
@@ -13809,10 +13833,9 @@
           <a:lstStyle/>
           <a:p>
             <a:r>
-              <a:rPr lang="en-US" dirty="0" smtClean="0"/>
+              <a:rPr lang="en-US" dirty="0"/>
               <a:t>Linking a CSS File</a:t>
             </a:r>
-            <a:endParaRPr lang="en-US" dirty="0"/>
           </a:p>
         </p:txBody>
       </p:sp>
@@ -13834,39 +13857,39 @@
           <a:lstStyle/>
           <a:p>
             <a:r>
-              <a:rPr lang="en-US" dirty="0" smtClean="0"/>
+              <a:rPr lang="en-US" dirty="0"/>
               <a:t>It’s best to style outside of the html file altogether in a .</a:t>
             </a:r>
             <a:r>
-              <a:rPr lang="en-US" dirty="0" err="1" smtClean="0"/>
+              <a:rPr lang="en-US" dirty="0" err="1"/>
               <a:t>css</a:t>
             </a:r>
             <a:r>
-              <a:rPr lang="en-US" dirty="0" smtClean="0"/>
+              <a:rPr lang="en-US" dirty="0"/>
               <a:t> file</a:t>
             </a:r>
           </a:p>
           <a:p>
             <a:r>
-              <a:rPr lang="en-US" dirty="0" smtClean="0"/>
+              <a:rPr lang="en-US" dirty="0"/>
               <a:t>To link use the link element inside the head</a:t>
             </a:r>
           </a:p>
           <a:p>
             <a:pPr lvl="1"/>
             <a:r>
-              <a:rPr lang="en-US" sz="2000" dirty="0" smtClean="0"/>
+              <a:rPr lang="en-US" sz="2000" dirty="0"/>
               <a:t>Attributes:  </a:t>
             </a:r>
           </a:p>
           <a:p>
             <a:pPr lvl="2"/>
             <a:r>
-              <a:rPr lang="en-US" sz="2000" dirty="0" err="1" smtClean="0"/>
+              <a:rPr lang="en-US" sz="2000" dirty="0" err="1"/>
               <a:t>rel</a:t>
             </a:r>
             <a:r>
-              <a:rPr lang="en-US" sz="2000" dirty="0" smtClean="0"/>
+              <a:rPr lang="en-US" sz="2000" dirty="0"/>
               <a:t> - stylesheet</a:t>
             </a:r>
           </a:p>
@@ -13874,33 +13897,29 @@
             <a:pPr lvl="2"/>
             <a:r>
               <a:rPr lang="en-US" sz="2000" dirty="0" err="1"/>
-              <a:t>h</a:t>
-            </a:r>
-            <a:r>
-              <a:rPr lang="en-US" sz="2000" dirty="0" err="1" smtClean="0"/>
-              <a:t>ref</a:t>
-            </a:r>
-            <a:r>
-              <a:rPr lang="en-US" sz="2000" dirty="0" smtClean="0"/>
+              <a:t>href</a:t>
+            </a:r>
+            <a:r>
+              <a:rPr lang="en-US" sz="2000" dirty="0"/>
               <a:t> – location of </a:t>
             </a:r>
             <a:r>
-              <a:rPr lang="en-US" sz="2000" dirty="0" err="1" smtClean="0"/>
+              <a:rPr lang="en-US" sz="2000" dirty="0" err="1"/>
               <a:t>css</a:t>
             </a:r>
             <a:r>
-              <a:rPr lang="en-US" sz="2000" dirty="0" smtClean="0"/>
+              <a:rPr lang="en-US" sz="2000" dirty="0"/>
               <a:t> file</a:t>
             </a:r>
           </a:p>
           <a:p>
             <a:pPr lvl="2"/>
             <a:r>
-              <a:rPr lang="en-US" sz="2000" dirty="0" smtClean="0"/>
+              <a:rPr lang="en-US" sz="2000" dirty="0"/>
               <a:t>type – text/</a:t>
             </a:r>
             <a:r>
-              <a:rPr lang="en-US" sz="2000" dirty="0" err="1" smtClean="0"/>
+              <a:rPr lang="en-US" sz="2000" dirty="0" err="1"/>
               <a:t>css</a:t>
             </a:r>
             <a:endParaRPr lang="en-US" sz="2000" dirty="0"/>
@@ -13909,7 +13928,7 @@
             <a:pPr marL="45720" indent="0">
               <a:buNone/>
             </a:pPr>
-            <a:endParaRPr lang="en-US" dirty="0" smtClean="0"/>
+            <a:endParaRPr lang="en-US" dirty="0"/>
           </a:p>
           <a:p>
             <a:pPr marL="45720" indent="0">
@@ -13919,7 +13938,7 @@
               <a:buNone/>
             </a:pPr>
             <a:r>
-              <a:rPr lang="en-US" dirty="0" smtClean="0"/>
+              <a:rPr lang="en-US" dirty="0"/>
               <a:t>Example:</a:t>
             </a:r>
           </a:p>
@@ -13931,7 +13950,7 @@
               <a:buNone/>
             </a:pPr>
             <a:r>
-              <a:rPr lang="en-US" dirty="0" smtClean="0"/>
+              <a:rPr lang="en-US" dirty="0"/>
               <a:t>&lt;head&gt;</a:t>
             </a:r>
           </a:p>
@@ -13944,34 +13963,30 @@
             </a:pPr>
             <a:r>
               <a:rPr lang="en-US" dirty="0"/>
-              <a:t> </a:t>
-            </a:r>
-            <a:r>
-              <a:rPr lang="en-US" dirty="0" smtClean="0"/>
-              <a:t> &lt;link </a:t>
-            </a:r>
-            <a:r>
-              <a:rPr lang="en-US" dirty="0" err="1" smtClean="0"/>
+              <a:t>  &lt;link </a:t>
+            </a:r>
+            <a:r>
+              <a:rPr lang="en-US" dirty="0" err="1"/>
               <a:t>rel</a:t>
             </a:r>
             <a:r>
-              <a:rPr lang="en-US" dirty="0" smtClean="0"/>
+              <a:rPr lang="en-US" dirty="0"/>
               <a:t>=“stylesheet” </a:t>
             </a:r>
             <a:r>
-              <a:rPr lang="en-US" dirty="0" err="1" smtClean="0"/>
+              <a:rPr lang="en-US" dirty="0" err="1"/>
               <a:t>href</a:t>
             </a:r>
             <a:r>
-              <a:rPr lang="en-US" dirty="0" smtClean="0"/>
+              <a:rPr lang="en-US" dirty="0"/>
               <a:t>=“/styles/site.css” type=“text/</a:t>
             </a:r>
             <a:r>
-              <a:rPr lang="en-US" dirty="0" err="1" smtClean="0"/>
+              <a:rPr lang="en-US" dirty="0" err="1"/>
               <a:t>css</a:t>
             </a:r>
             <a:r>
-              <a:rPr lang="en-US" dirty="0" smtClean="0"/>
+              <a:rPr lang="en-US" dirty="0"/>
               <a:t>” /&gt;</a:t>
             </a:r>
           </a:p>
@@ -13983,10 +13998,9 @@
               <a:buNone/>
             </a:pPr>
             <a:r>
-              <a:rPr lang="en-US" dirty="0" smtClean="0"/>
+              <a:rPr lang="en-US" dirty="0"/>
               <a:t>&lt;/head&gt;</a:t>
             </a:r>
-            <a:endParaRPr lang="en-US" dirty="0"/>
           </a:p>
         </p:txBody>
       </p:sp>
@@ -14036,10 +14050,9 @@
           <a:lstStyle/>
           <a:p>
             <a:r>
-              <a:rPr lang="en-US" dirty="0" smtClean="0"/>
+              <a:rPr lang="en-US" dirty="0"/>
               <a:t>Selectors</a:t>
             </a:r>
-            <a:endParaRPr lang="en-US" dirty="0"/>
           </a:p>
         </p:txBody>
       </p:sp>
@@ -14061,13 +14074,13 @@
           <a:lstStyle/>
           <a:p>
             <a:r>
-              <a:rPr lang="en-US" sz="2400" dirty="0" smtClean="0"/>
+              <a:rPr lang="en-US" sz="2400" dirty="0"/>
               <a:t>Used to select elements for styling</a:t>
             </a:r>
           </a:p>
           <a:p>
             <a:r>
-              <a:rPr lang="en-US" sz="2400" dirty="0" smtClean="0"/>
+              <a:rPr lang="en-US" sz="2400" dirty="0"/>
               <a:t>Sample below</a:t>
             </a:r>
           </a:p>
@@ -14104,9 +14117,27 @@
                 <a:tableStyleId>{5C22544A-7EE6-4342-B048-85BDC9FD1C3A}</a:tableStyleId>
               </a:tblPr>
               <a:tblGrid>
-                <a:gridCol w="2709333"/>
-                <a:gridCol w="2709333"/>
-                <a:gridCol w="2709333"/>
+                <a:gridCol w="2709333">
+                  <a:extLst>
+                    <a:ext uri="{9D8B030D-6E8A-4147-A177-3AD203B41FA5}">
+                      <a16:colId xmlns:a16="http://schemas.microsoft.com/office/drawing/2014/main" val="20000"/>
+                    </a:ext>
+                  </a:extLst>
+                </a:gridCol>
+                <a:gridCol w="2709333">
+                  <a:extLst>
+                    <a:ext uri="{9D8B030D-6E8A-4147-A177-3AD203B41FA5}">
+                      <a16:colId xmlns:a16="http://schemas.microsoft.com/office/drawing/2014/main" val="20001"/>
+                    </a:ext>
+                  </a:extLst>
+                </a:gridCol>
+                <a:gridCol w="2709333">
+                  <a:extLst>
+                    <a:ext uri="{9D8B030D-6E8A-4147-A177-3AD203B41FA5}">
+                      <a16:colId xmlns:a16="http://schemas.microsoft.com/office/drawing/2014/main" val="20002"/>
+                    </a:ext>
+                  </a:extLst>
+                </a:gridCol>
               </a:tblGrid>
               <a:tr h="370840">
                 <a:tc>
@@ -14116,10 +14147,9 @@
                     <a:p>
                       <a:pPr algn="ctr"/>
                       <a:r>
-                        <a:rPr lang="en-US" dirty="0" smtClean="0"/>
+                        <a:rPr lang="en-US" dirty="0"/>
                         <a:t>Name</a:t>
                       </a:r>
-                      <a:endParaRPr lang="en-US" dirty="0"/>
                     </a:p>
                   </a:txBody>
                   <a:tcPr/>
@@ -14131,10 +14161,9 @@
                     <a:p>
                       <a:pPr algn="ctr"/>
                       <a:r>
-                        <a:rPr lang="en-US" dirty="0" smtClean="0"/>
+                        <a:rPr lang="en-US" dirty="0"/>
                         <a:t>Syntax</a:t>
                       </a:r>
-                      <a:endParaRPr lang="en-US" dirty="0"/>
                     </a:p>
                   </a:txBody>
                   <a:tcPr/>
@@ -14146,14 +14175,18 @@
                     <a:p>
                       <a:pPr algn="ctr"/>
                       <a:r>
-                        <a:rPr lang="en-US" dirty="0" smtClean="0"/>
+                        <a:rPr lang="en-US" dirty="0"/>
                         <a:t>Example</a:t>
                       </a:r>
-                      <a:endParaRPr lang="en-US" dirty="0"/>
                     </a:p>
                   </a:txBody>
                   <a:tcPr/>
                 </a:tc>
+                <a:extLst>
+                  <a:ext uri="{0D108BD9-81ED-4DB2-BD59-A6C34878D82A}">
+                    <a16:rowId xmlns:a16="http://schemas.microsoft.com/office/drawing/2014/main" val="10000"/>
+                  </a:ext>
+                </a:extLst>
               </a:tr>
               <a:tr h="370840">
                 <a:tc>
@@ -14163,10 +14196,9 @@
                     <a:p>
                       <a:pPr algn="ctr"/>
                       <a:r>
-                        <a:rPr lang="en-US" dirty="0" smtClean="0"/>
+                        <a:rPr lang="en-US" dirty="0"/>
                         <a:t>ID</a:t>
                       </a:r>
-                      <a:endParaRPr lang="en-US" dirty="0"/>
                     </a:p>
                   </a:txBody>
                   <a:tcPr/>
@@ -14178,10 +14210,9 @@
                     <a:p>
                       <a:pPr algn="ctr"/>
                       <a:r>
-                        <a:rPr lang="en-US" dirty="0" smtClean="0"/>
+                        <a:rPr lang="en-US" dirty="0"/>
                         <a:t>#[Element ID]</a:t>
                       </a:r>
-                      <a:endParaRPr lang="en-US" dirty="0"/>
                     </a:p>
                   </a:txBody>
                   <a:tcPr/>
@@ -14193,11 +14224,11 @@
                     <a:p>
                       <a:pPr algn="ctr"/>
                       <a:r>
-                        <a:rPr lang="en-US" dirty="0" smtClean="0"/>
+                        <a:rPr lang="en-US" dirty="0"/>
                         <a:t>#</a:t>
                       </a:r>
                       <a:r>
-                        <a:rPr lang="en-US" dirty="0" err="1" smtClean="0"/>
+                        <a:rPr lang="en-US" dirty="0" err="1"/>
                         <a:t>PersonTable</a:t>
                       </a:r>
                       <a:endParaRPr lang="en-US" dirty="0"/>
@@ -14205,6 +14236,11 @@
                   </a:txBody>
                   <a:tcPr/>
                 </a:tc>
+                <a:extLst>
+                  <a:ext uri="{0D108BD9-81ED-4DB2-BD59-A6C34878D82A}">
+                    <a16:rowId xmlns:a16="http://schemas.microsoft.com/office/drawing/2014/main" val="10001"/>
+                  </a:ext>
+                </a:extLst>
               </a:tr>
               <a:tr h="370840">
                 <a:tc>
@@ -14214,10 +14250,9 @@
                     <a:p>
                       <a:pPr algn="ctr"/>
                       <a:r>
-                        <a:rPr lang="en-US" dirty="0" smtClean="0"/>
+                        <a:rPr lang="en-US" dirty="0"/>
                         <a:t>Class</a:t>
                       </a:r>
-                      <a:endParaRPr lang="en-US" dirty="0"/>
                     </a:p>
                   </a:txBody>
                   <a:tcPr/>
@@ -14229,10 +14264,9 @@
                     <a:p>
                       <a:pPr algn="ctr"/>
                       <a:r>
-                        <a:rPr lang="en-US" dirty="0" smtClean="0"/>
+                        <a:rPr lang="en-US" dirty="0"/>
                         <a:t>.[Class Name]</a:t>
                       </a:r>
-                      <a:endParaRPr lang="en-US" dirty="0"/>
                     </a:p>
                   </a:txBody>
                   <a:tcPr/>
@@ -14244,11 +14278,11 @@
                     <a:p>
                       <a:pPr algn="ctr"/>
                       <a:r>
-                        <a:rPr lang="en-US" dirty="0" smtClean="0"/>
+                        <a:rPr lang="en-US" dirty="0"/>
                         <a:t>.</a:t>
                       </a:r>
                       <a:r>
-                        <a:rPr lang="en-US" dirty="0" err="1" smtClean="0"/>
+                        <a:rPr lang="en-US" dirty="0" err="1"/>
                         <a:t>highlightTable</a:t>
                       </a:r>
                       <a:endParaRPr lang="en-US" dirty="0"/>
@@ -14256,6 +14290,11 @@
                   </a:txBody>
                   <a:tcPr/>
                 </a:tc>
+                <a:extLst>
+                  <a:ext uri="{0D108BD9-81ED-4DB2-BD59-A6C34878D82A}">
+                    <a16:rowId xmlns:a16="http://schemas.microsoft.com/office/drawing/2014/main" val="10002"/>
+                  </a:ext>
+                </a:extLst>
               </a:tr>
               <a:tr h="370840">
                 <a:tc>
@@ -14265,10 +14304,9 @@
                     <a:p>
                       <a:pPr algn="ctr"/>
                       <a:r>
-                        <a:rPr lang="en-US" dirty="0" smtClean="0"/>
+                        <a:rPr lang="en-US" dirty="0"/>
                         <a:t>All Elements</a:t>
                       </a:r>
-                      <a:endParaRPr lang="en-US" dirty="0"/>
                     </a:p>
                   </a:txBody>
                   <a:tcPr/>
@@ -14280,10 +14318,9 @@
                     <a:p>
                       <a:pPr algn="ctr"/>
                       <a:r>
-                        <a:rPr lang="en-US" dirty="0" smtClean="0"/>
+                        <a:rPr lang="en-US" dirty="0"/>
                         <a:t>*</a:t>
                       </a:r>
-                      <a:endParaRPr lang="en-US" dirty="0"/>
                     </a:p>
                   </a:txBody>
                   <a:tcPr/>
@@ -14295,14 +14332,18 @@
                     <a:p>
                       <a:pPr algn="ctr"/>
                       <a:r>
-                        <a:rPr lang="en-US" dirty="0" smtClean="0"/>
+                        <a:rPr lang="en-US" dirty="0"/>
                         <a:t>*</a:t>
                       </a:r>
-                      <a:endParaRPr lang="en-US" dirty="0"/>
                     </a:p>
                   </a:txBody>
                   <a:tcPr/>
                 </a:tc>
+                <a:extLst>
+                  <a:ext uri="{0D108BD9-81ED-4DB2-BD59-A6C34878D82A}">
+                    <a16:rowId xmlns:a16="http://schemas.microsoft.com/office/drawing/2014/main" val="10003"/>
+                  </a:ext>
+                </a:extLst>
               </a:tr>
               <a:tr h="370840">
                 <a:tc>
@@ -14312,10 +14353,9 @@
                     <a:p>
                       <a:pPr algn="ctr"/>
                       <a:r>
-                        <a:rPr lang="en-US" dirty="0" smtClean="0"/>
+                        <a:rPr lang="en-US" dirty="0"/>
                         <a:t>Element</a:t>
                       </a:r>
-                      <a:endParaRPr lang="en-US" dirty="0"/>
                     </a:p>
                   </a:txBody>
                   <a:tcPr/>
@@ -14327,10 +14367,9 @@
                     <a:p>
                       <a:pPr algn="ctr"/>
                       <a:r>
-                        <a:rPr lang="en-US" dirty="0" smtClean="0"/>
+                        <a:rPr lang="en-US" dirty="0"/>
                         <a:t>[Element]</a:t>
                       </a:r>
-                      <a:endParaRPr lang="en-US" dirty="0"/>
                     </a:p>
                   </a:txBody>
                   <a:tcPr/>
@@ -14342,14 +14381,18 @@
                     <a:p>
                       <a:pPr algn="ctr"/>
                       <a:r>
-                        <a:rPr lang="en-US" dirty="0" smtClean="0"/>
+                        <a:rPr lang="en-US" dirty="0"/>
                         <a:t>p</a:t>
                       </a:r>
-                      <a:endParaRPr lang="en-US" dirty="0"/>
                     </a:p>
                   </a:txBody>
                   <a:tcPr/>
                 </a:tc>
+                <a:extLst>
+                  <a:ext uri="{0D108BD9-81ED-4DB2-BD59-A6C34878D82A}">
+                    <a16:rowId xmlns:a16="http://schemas.microsoft.com/office/drawing/2014/main" val="10004"/>
+                  </a:ext>
+                </a:extLst>
               </a:tr>
               <a:tr h="370840">
                 <a:tc>
@@ -14359,10 +14402,9 @@
                     <a:p>
                       <a:pPr algn="ctr"/>
                       <a:r>
-                        <a:rPr lang="en-US" dirty="0" smtClean="0"/>
+                        <a:rPr lang="en-US" dirty="0"/>
                         <a:t>Element in Element</a:t>
                       </a:r>
-                      <a:endParaRPr lang="en-US" dirty="0"/>
                     </a:p>
                   </a:txBody>
                   <a:tcPr/>
@@ -14374,10 +14416,9 @@
                     <a:p>
                       <a:pPr algn="ctr"/>
                       <a:r>
-                        <a:rPr lang="en-US" dirty="0" smtClean="0"/>
+                        <a:rPr lang="en-US" dirty="0"/>
                         <a:t>[Element] [Element]</a:t>
                       </a:r>
-                      <a:endParaRPr lang="en-US" dirty="0"/>
                     </a:p>
                   </a:txBody>
                   <a:tcPr/>
@@ -14389,14 +14430,18 @@
                     <a:p>
                       <a:pPr algn="ctr"/>
                       <a:r>
-                        <a:rPr lang="en-US" dirty="0" smtClean="0"/>
+                        <a:rPr lang="en-US" dirty="0"/>
                         <a:t>div p</a:t>
                       </a:r>
-                      <a:endParaRPr lang="en-US" dirty="0"/>
                     </a:p>
                   </a:txBody>
                   <a:tcPr/>
                 </a:tc>
+                <a:extLst>
+                  <a:ext uri="{0D108BD9-81ED-4DB2-BD59-A6C34878D82A}">
+                    <a16:rowId xmlns:a16="http://schemas.microsoft.com/office/drawing/2014/main" val="10005"/>
+                  </a:ext>
+                </a:extLst>
               </a:tr>
               <a:tr h="370840">
                 <a:tc>
@@ -14406,10 +14451,9 @@
                     <a:p>
                       <a:pPr algn="ctr"/>
                       <a:r>
-                        <a:rPr lang="en-US" dirty="0" smtClean="0"/>
+                        <a:rPr lang="en-US" dirty="0"/>
                         <a:t>Multiple Elements</a:t>
                       </a:r>
-                      <a:endParaRPr lang="en-US" dirty="0"/>
                     </a:p>
                   </a:txBody>
                   <a:tcPr/>
@@ -14421,10 +14465,9 @@
                     <a:p>
                       <a:pPr algn="ctr"/>
                       <a:r>
-                        <a:rPr lang="en-US" dirty="0" smtClean="0"/>
+                        <a:rPr lang="en-US" dirty="0"/>
                         <a:t>[Element], [Element]</a:t>
                       </a:r>
-                      <a:endParaRPr lang="en-US" dirty="0"/>
                     </a:p>
                   </a:txBody>
                   <a:tcPr/>
@@ -14436,14 +14479,18 @@
                     <a:p>
                       <a:pPr algn="ctr"/>
                       <a:r>
-                        <a:rPr lang="en-US" dirty="0" smtClean="0"/>
+                        <a:rPr lang="en-US" dirty="0"/>
                         <a:t>div, p</a:t>
                       </a:r>
-                      <a:endParaRPr lang="en-US" dirty="0"/>
                     </a:p>
                   </a:txBody>
                   <a:tcPr/>
                 </a:tc>
+                <a:extLst>
+                  <a:ext uri="{0D108BD9-81ED-4DB2-BD59-A6C34878D82A}">
+                    <a16:rowId xmlns:a16="http://schemas.microsoft.com/office/drawing/2014/main" val="10006"/>
+                  </a:ext>
+                </a:extLst>
               </a:tr>
               <a:tr h="370840">
                 <a:tc>
@@ -14453,14 +14500,9 @@
                     <a:p>
                       <a:pPr algn="ctr"/>
                       <a:r>
-                        <a:rPr lang="en-US" dirty="0" smtClean="0"/>
-                        <a:t>Element </a:t>
+                        <a:rPr lang="en-US" dirty="0"/>
+                        <a:t>Element direct child</a:t>
                       </a:r>
-                      <a:r>
-                        <a:rPr lang="en-US" dirty="0" smtClean="0"/>
-                        <a:t>direct child</a:t>
-                      </a:r>
-                      <a:endParaRPr lang="en-US" dirty="0"/>
                     </a:p>
                   </a:txBody>
                   <a:tcPr/>
@@ -14472,10 +14514,9 @@
                     <a:p>
                       <a:pPr algn="ctr"/>
                       <a:r>
-                        <a:rPr lang="en-US" dirty="0" smtClean="0"/>
+                        <a:rPr lang="en-US" dirty="0"/>
                         <a:t>[Element] &gt; [Element]</a:t>
                       </a:r>
-                      <a:endParaRPr lang="en-US" dirty="0"/>
                     </a:p>
                   </a:txBody>
                   <a:tcPr/>
@@ -14487,14 +14528,18 @@
                     <a:p>
                       <a:pPr algn="ctr"/>
                       <a:r>
-                        <a:rPr lang="en-US" dirty="0" smtClean="0"/>
+                        <a:rPr lang="en-US" dirty="0"/>
                         <a:t>div &gt; p</a:t>
                       </a:r>
-                      <a:endParaRPr lang="en-US" dirty="0"/>
                     </a:p>
                   </a:txBody>
                   <a:tcPr/>
                 </a:tc>
+                <a:extLst>
+                  <a:ext uri="{0D108BD9-81ED-4DB2-BD59-A6C34878D82A}">
+                    <a16:rowId xmlns:a16="http://schemas.microsoft.com/office/drawing/2014/main" val="10007"/>
+                  </a:ext>
+                </a:extLst>
               </a:tr>
             </a:tbl>
           </a:graphicData>
@@ -14546,10 +14591,9 @@
           <a:lstStyle/>
           <a:p>
             <a:r>
-              <a:rPr lang="en-US" dirty="0" smtClean="0"/>
+              <a:rPr lang="en-US" dirty="0"/>
               <a:t>Comments</a:t>
             </a:r>
-            <a:endParaRPr lang="en-US" dirty="0"/>
           </a:p>
         </p:txBody>
       </p:sp>
@@ -14571,7 +14615,7 @@
           <a:lstStyle/>
           <a:p>
             <a:r>
-              <a:rPr lang="en-US" dirty="0" smtClean="0"/>
+              <a:rPr lang="en-US" dirty="0"/>
               <a:t>Comments should be surrounded by /* */</a:t>
             </a:r>
           </a:p>
@@ -14579,14 +14623,14 @@
             <a:pPr marL="45720" indent="0">
               <a:buNone/>
             </a:pPr>
-            <a:endParaRPr lang="en-US" dirty="0" smtClean="0"/>
+            <a:endParaRPr lang="en-US" dirty="0"/>
           </a:p>
           <a:p>
             <a:pPr marL="45720" indent="0">
               <a:buNone/>
             </a:pPr>
             <a:r>
-              <a:rPr lang="en-US" dirty="0" smtClean="0"/>
+              <a:rPr lang="en-US" dirty="0"/>
               <a:t>Single line Example:</a:t>
             </a:r>
           </a:p>
@@ -14595,7 +14639,7 @@
               <a:buNone/>
             </a:pPr>
             <a:r>
-              <a:rPr lang="en-US" dirty="0" smtClean="0"/>
+              <a:rPr lang="en-US" dirty="0"/>
               <a:t>/* this is a comment*/</a:t>
             </a:r>
           </a:p>
@@ -14603,14 +14647,14 @@
             <a:pPr marL="45720" indent="0">
               <a:buNone/>
             </a:pPr>
-            <a:endParaRPr lang="en-US" dirty="0" smtClean="0"/>
+            <a:endParaRPr lang="en-US" dirty="0"/>
           </a:p>
           <a:p>
             <a:pPr marL="45720" indent="0">
               <a:buNone/>
             </a:pPr>
             <a:r>
-              <a:rPr lang="en-US" dirty="0" smtClean="0"/>
+              <a:rPr lang="en-US" dirty="0"/>
               <a:t>Multiple Line Example:</a:t>
             </a:r>
           </a:p>
@@ -14619,7 +14663,7 @@
               <a:buNone/>
             </a:pPr>
             <a:r>
-              <a:rPr lang="en-US" dirty="0" smtClean="0"/>
+              <a:rPr lang="en-US" dirty="0"/>
               <a:t>/*</a:t>
             </a:r>
           </a:p>
@@ -14628,7 +14672,7 @@
               <a:buNone/>
             </a:pPr>
             <a:r>
-              <a:rPr lang="en-US" dirty="0" smtClean="0"/>
+              <a:rPr lang="en-US" dirty="0"/>
               <a:t>This is also</a:t>
             </a:r>
           </a:p>
@@ -14638,11 +14682,7 @@
             </a:pPr>
             <a:r>
               <a:rPr lang="en-US" dirty="0"/>
-              <a:t>a</a:t>
-            </a:r>
-            <a:r>
-              <a:rPr lang="en-US" dirty="0" smtClean="0"/>
-              <a:t> comment</a:t>
+              <a:t>a comment</a:t>
             </a:r>
           </a:p>
           <a:p>
@@ -14650,10 +14690,9 @@
               <a:buNone/>
             </a:pPr>
             <a:r>
-              <a:rPr lang="en-US" dirty="0" smtClean="0"/>
+              <a:rPr lang="en-US" dirty="0"/>
               <a:t>*/</a:t>
             </a:r>
-            <a:endParaRPr lang="en-US" dirty="0"/>
           </a:p>
         </p:txBody>
       </p:sp>
@@ -14703,10 +14742,9 @@
           <a:lstStyle/>
           <a:p>
             <a:r>
-              <a:rPr lang="en-US" dirty="0" smtClean="0"/>
+              <a:rPr lang="en-US" dirty="0"/>
               <a:t>Colors</a:t>
             </a:r>
-            <a:endParaRPr lang="en-US" dirty="0"/>
           </a:p>
         </p:txBody>
       </p:sp>
@@ -14728,7 +14766,7 @@
           <a:lstStyle/>
           <a:p>
             <a:r>
-              <a:rPr lang="en-US" sz="2000" dirty="0" smtClean="0"/>
+              <a:rPr lang="en-US" sz="2000" dirty="0"/>
               <a:t>Uses: font, background, border</a:t>
             </a:r>
           </a:p>
@@ -14736,59 +14774,47 @@
             <a:pPr lvl="1"/>
             <a:r>
               <a:rPr lang="en-US" sz="2000" dirty="0"/>
-              <a:t>c</a:t>
-            </a:r>
-            <a:r>
-              <a:rPr lang="en-US" sz="2000" dirty="0" smtClean="0"/>
-              <a:t>olor: red;</a:t>
+              <a:t>color: red;</a:t>
             </a:r>
           </a:p>
           <a:p>
             <a:pPr lvl="1"/>
             <a:r>
               <a:rPr lang="en-US" sz="2000" dirty="0"/>
-              <a:t>b</a:t>
-            </a:r>
-            <a:r>
-              <a:rPr lang="en-US" sz="2000" dirty="0" smtClean="0"/>
-              <a:t>ackground-color: red;</a:t>
+              <a:t>background-color: red;</a:t>
             </a:r>
           </a:p>
           <a:p>
             <a:pPr lvl="1"/>
             <a:r>
               <a:rPr lang="en-US" sz="2000" dirty="0"/>
-              <a:t>b</a:t>
-            </a:r>
-            <a:r>
-              <a:rPr lang="en-US" sz="2000" dirty="0" smtClean="0"/>
-              <a:t>order-color: red;</a:t>
-            </a:r>
-          </a:p>
-          <a:p>
-            <a:r>
-              <a:rPr lang="en-US" sz="2000" dirty="0" smtClean="0"/>
+              <a:t>border-color: red;</a:t>
+            </a:r>
+          </a:p>
+          <a:p>
+            <a:r>
+              <a:rPr lang="en-US" sz="2000" dirty="0"/>
               <a:t>Multiple ways to specify colors:</a:t>
             </a:r>
           </a:p>
           <a:p>
             <a:pPr lvl="1"/>
             <a:r>
-              <a:rPr lang="en-US" sz="2000" dirty="0" smtClean="0"/>
+              <a:rPr lang="en-US" sz="2000" dirty="0"/>
               <a:t>Color Name</a:t>
             </a:r>
           </a:p>
           <a:p>
             <a:pPr lvl="1"/>
             <a:r>
-              <a:rPr lang="en-US" sz="2000" dirty="0" smtClean="0"/>
+              <a:rPr lang="en-US" sz="2000" dirty="0"/>
               <a:t>RGB</a:t>
             </a:r>
           </a:p>
           <a:p>
             <a:pPr lvl="1"/>
             <a:r>
-              <a:rPr lang="en-US" sz="2000" dirty="0" smtClean="0"/>
+              <a:rPr lang="en-US" sz="2000" dirty="0"/>
               <a:t>Hex</a:t>
             </a:r>
           </a:p>
@@ -14923,10 +14949,9 @@
           <a:lstStyle/>
           <a:p>
             <a:r>
-              <a:rPr lang="en-US" dirty="0" smtClean="0"/>
+              <a:rPr lang="en-US" dirty="0"/>
               <a:t>Text</a:t>
             </a:r>
-            <a:endParaRPr lang="en-US" dirty="0"/>
           </a:p>
         </p:txBody>
       </p:sp>
@@ -14948,80 +14973,79 @@
           <a:lstStyle/>
           <a:p>
             <a:r>
-              <a:rPr lang="en-US" sz="2200" dirty="0" smtClean="0"/>
+              <a:rPr lang="en-US" sz="2200" dirty="0"/>
               <a:t>color - Example:  color: red;</a:t>
             </a:r>
           </a:p>
           <a:p>
             <a:r>
-              <a:rPr lang="en-US" sz="2200" dirty="0" smtClean="0"/>
+              <a:rPr lang="en-US" sz="2200" dirty="0"/>
               <a:t>text-align – Example:  text-align: center;</a:t>
             </a:r>
           </a:p>
           <a:p>
             <a:r>
-              <a:rPr lang="en-US" sz="2200" dirty="0" smtClean="0"/>
+              <a:rPr lang="en-US" sz="2200" dirty="0"/>
               <a:t>text-decoration – Example:  text-decoration: underline;</a:t>
             </a:r>
           </a:p>
           <a:p>
             <a:r>
-              <a:rPr lang="en-US" sz="2200" dirty="0" smtClean="0"/>
+              <a:rPr lang="en-US" sz="2200" dirty="0"/>
               <a:t>text-transform – Example:  text-transform: lowercase;</a:t>
             </a:r>
           </a:p>
           <a:p>
             <a:r>
-              <a:rPr lang="en-US" sz="2200" dirty="0" smtClean="0"/>
+              <a:rPr lang="en-US" sz="2200" dirty="0"/>
               <a:t>letter-spacing – Example:  letter-spacing: 5px;</a:t>
             </a:r>
           </a:p>
           <a:p>
             <a:r>
-              <a:rPr lang="en-US" sz="2200" dirty="0" smtClean="0"/>
+              <a:rPr lang="en-US" sz="2200" dirty="0"/>
               <a:t>text-indentation – Example:  text-indent: 25px;</a:t>
             </a:r>
           </a:p>
           <a:p>
             <a:r>
-              <a:rPr lang="en-US" sz="2200" dirty="0" smtClean="0"/>
+              <a:rPr lang="en-US" sz="2200" dirty="0"/>
               <a:t>line-height – Example:  line-height: 1;</a:t>
             </a:r>
           </a:p>
           <a:p>
             <a:r>
-              <a:rPr lang="en-US" sz="2200" dirty="0" smtClean="0"/>
+              <a:rPr lang="en-US" sz="2200" dirty="0"/>
               <a:t>word-spacing – Example:  word-spacing: 10px;</a:t>
             </a:r>
           </a:p>
           <a:p>
             <a:r>
-              <a:rPr lang="en-US" sz="2200" dirty="0" smtClean="0"/>
+              <a:rPr lang="en-US" sz="2200" dirty="0"/>
               <a:t>text-shadow – Example: 5px </a:t>
             </a:r>
             <a:r>
-              <a:rPr lang="en-US" sz="2200" dirty="0" err="1" smtClean="0"/>
+              <a:rPr lang="en-US" sz="2200" dirty="0" err="1"/>
               <a:t>5px</a:t>
             </a:r>
             <a:r>
-              <a:rPr lang="en-US" sz="2200" dirty="0" smtClean="0"/>
+              <a:rPr lang="en-US" sz="2200" dirty="0"/>
               <a:t> red;</a:t>
             </a:r>
           </a:p>
           <a:p>
             <a:r>
-              <a:rPr lang="en-US" sz="2200" dirty="0" smtClean="0"/>
+              <a:rPr lang="en-US" sz="2200" dirty="0"/>
               <a:t>Direction – Example:  direction: </a:t>
             </a:r>
             <a:r>
-              <a:rPr lang="en-US" sz="2200" dirty="0" err="1" smtClean="0"/>
+              <a:rPr lang="en-US" sz="2200" dirty="0" err="1"/>
               <a:t>rtl</a:t>
             </a:r>
             <a:r>
-              <a:rPr lang="en-US" sz="2200" dirty="0" smtClean="0"/>
+              <a:rPr lang="en-US" sz="2200" dirty="0"/>
               <a:t>;</a:t>
             </a:r>
-            <a:endParaRPr lang="en-US" sz="2200" dirty="0"/>
           </a:p>
         </p:txBody>
       </p:sp>

--- a/Slides/09_CSS_TrainingPlan.pptx
+++ b/Slides/09_CSS_TrainingPlan.pptx
@@ -5,7 +5,7 @@
     <p:sldMasterId id="2147483672" r:id="rId1"/>
   </p:sldMasterIdLst>
   <p:notesMasterIdLst>
-    <p:notesMasterId r:id="rId32"/>
+    <p:notesMasterId r:id="rId31"/>
   </p:notesMasterIdLst>
   <p:sldIdLst>
     <p:sldId id="256" r:id="rId2"/>
@@ -21,23 +21,22 @@
     <p:sldId id="345" r:id="rId12"/>
     <p:sldId id="346" r:id="rId13"/>
     <p:sldId id="320" r:id="rId14"/>
-    <p:sldId id="347" r:id="rId15"/>
-    <p:sldId id="321" r:id="rId16"/>
-    <p:sldId id="322" r:id="rId17"/>
-    <p:sldId id="323" r:id="rId18"/>
-    <p:sldId id="348" r:id="rId19"/>
-    <p:sldId id="352" r:id="rId20"/>
-    <p:sldId id="349" r:id="rId21"/>
-    <p:sldId id="325" r:id="rId22"/>
+    <p:sldId id="353" r:id="rId15"/>
+    <p:sldId id="347" r:id="rId16"/>
+    <p:sldId id="321" r:id="rId17"/>
+    <p:sldId id="322" r:id="rId18"/>
+    <p:sldId id="323" r:id="rId19"/>
+    <p:sldId id="348" r:id="rId20"/>
+    <p:sldId id="352" r:id="rId21"/>
+    <p:sldId id="349" r:id="rId22"/>
     <p:sldId id="337" r:id="rId23"/>
     <p:sldId id="311" r:id="rId24"/>
     <p:sldId id="326" r:id="rId25"/>
     <p:sldId id="327" r:id="rId26"/>
-    <p:sldId id="350" r:id="rId27"/>
-    <p:sldId id="342" r:id="rId28"/>
-    <p:sldId id="351" r:id="rId29"/>
-    <p:sldId id="341" r:id="rId30"/>
-    <p:sldId id="343" r:id="rId31"/>
+    <p:sldId id="342" r:id="rId27"/>
+    <p:sldId id="351" r:id="rId28"/>
+    <p:sldId id="341" r:id="rId29"/>
+    <p:sldId id="343" r:id="rId30"/>
   </p:sldIdLst>
   <p:sldSz cx="12192000" cy="6858000"/>
   <p:notesSz cx="6858000" cy="9144000"/>
@@ -226,7 +225,7 @@
           <a:p>
             <a:fld id="{511FFA03-EA42-4D4B-BC08-EB70C6D8C289}" type="datetimeFigureOut">
               <a:rPr lang="en-US" smtClean="0"/>
-              <a:t>5/28/2018</a:t>
+              <a:t>6/13/2018</a:t>
             </a:fld>
             <a:endParaRPr lang="en-US"/>
           </a:p>
@@ -1021,11 +1020,164 @@
           <a:bodyPr/>
           <a:lstStyle/>
           <a:p>
-            <a:pPr marL="457200" lvl="1" indent="0">
+            <a:pPr marL="0" indent="0">
               <a:buFont typeface="Arial" panose="020B0604020202020204" pitchFamily="34" charset="0"/>
               <a:buNone/>
             </a:pPr>
-            <a:endParaRPr lang="en-US" dirty="0"/>
+            <a:r>
+              <a:rPr lang="en-US" baseline="0" dirty="0"/>
+              <a:t>Absolute Lengths</a:t>
+            </a:r>
+          </a:p>
+          <a:p>
+            <a:pPr marL="0" indent="0">
+              <a:buFont typeface="Arial" panose="020B0604020202020204" pitchFamily="34" charset="0"/>
+              <a:buNone/>
+            </a:pPr>
+            <a:r>
+              <a:rPr lang="en-US" sz="2400" b="1" dirty="0"/>
+              <a:t>px (pixels 1px = 1/96</a:t>
+            </a:r>
+            <a:r>
+              <a:rPr lang="en-US" sz="2400" b="1" baseline="30000" dirty="0"/>
+              <a:t>th</a:t>
+            </a:r>
+            <a:r>
+              <a:rPr lang="en-US" sz="2400" b="1" dirty="0"/>
+              <a:t> of 1in)</a:t>
+            </a:r>
+          </a:p>
+          <a:p>
+            <a:pPr marL="0" indent="0">
+              <a:buFont typeface="Arial" panose="020B0604020202020204" pitchFamily="34" charset="0"/>
+              <a:buNone/>
+            </a:pPr>
+            <a:r>
+              <a:rPr lang="en-US" sz="2400" dirty="0"/>
+              <a:t>cm (centimeters)</a:t>
+            </a:r>
+          </a:p>
+          <a:p>
+            <a:pPr marL="0" indent="0">
+              <a:buFont typeface="Arial" panose="020B0604020202020204" pitchFamily="34" charset="0"/>
+              <a:buNone/>
+            </a:pPr>
+            <a:r>
+              <a:rPr lang="en-US" sz="2400" dirty="0"/>
+              <a:t>mm (millimeters)</a:t>
+            </a:r>
+          </a:p>
+          <a:p>
+            <a:pPr marL="0" indent="0">
+              <a:buFont typeface="Arial" panose="020B0604020202020204" pitchFamily="34" charset="0"/>
+              <a:buNone/>
+            </a:pPr>
+            <a:r>
+              <a:rPr lang="en-US" sz="2400" dirty="0"/>
+              <a:t>in (inches 1in = 96px = 2.54cm)</a:t>
+            </a:r>
+          </a:p>
+          <a:p>
+            <a:pPr marL="0" indent="0">
+              <a:buFont typeface="Arial" panose="020B0604020202020204" pitchFamily="34" charset="0"/>
+              <a:buNone/>
+            </a:pPr>
+            <a:r>
+              <a:rPr lang="en-US" sz="2400" dirty="0" err="1"/>
+              <a:t>pt</a:t>
+            </a:r>
+            <a:r>
+              <a:rPr lang="en-US" sz="2400" dirty="0"/>
+              <a:t> ( points 1pt = 1/72 of 1 in)</a:t>
+            </a:r>
+          </a:p>
+          <a:p>
+            <a:pPr marL="0" indent="0">
+              <a:buFont typeface="Arial" panose="020B0604020202020204" pitchFamily="34" charset="0"/>
+              <a:buNone/>
+            </a:pPr>
+            <a:r>
+              <a:rPr lang="en-US" sz="2400" dirty="0"/>
+              <a:t>Pc (picas 1pc = 12pt)</a:t>
+            </a:r>
+          </a:p>
+          <a:p>
+            <a:pPr marL="628650" lvl="1" indent="-171450">
+              <a:buFont typeface="Arial" panose="020B0604020202020204" pitchFamily="34" charset="0"/>
+              <a:buChar char="•"/>
+            </a:pPr>
+            <a:endParaRPr lang="en-US" baseline="0" dirty="0"/>
+          </a:p>
+          <a:p>
+            <a:pPr marL="0" indent="0">
+              <a:buFont typeface="Arial" panose="020B0604020202020204" pitchFamily="34" charset="0"/>
+              <a:buNone/>
+            </a:pPr>
+            <a:r>
+              <a:rPr lang="en-US" baseline="0" dirty="0"/>
+              <a:t>Relative Lengths</a:t>
+            </a:r>
+          </a:p>
+          <a:p>
+            <a:r>
+              <a:rPr lang="en-US" sz="1200" b="1" dirty="0" err="1"/>
+              <a:t>em</a:t>
+            </a:r>
+            <a:r>
+              <a:rPr lang="en-US" sz="1200" b="1" dirty="0"/>
+              <a:t> (font-size of element)</a:t>
+            </a:r>
+          </a:p>
+          <a:p>
+            <a:r>
+              <a:rPr lang="en-US" sz="1200" b="1" dirty="0"/>
+              <a:t>rem (font-size of root)</a:t>
+            </a:r>
+          </a:p>
+          <a:p>
+            <a:r>
+              <a:rPr lang="en-US" sz="1200" b="1" dirty="0"/>
+              <a:t>% (parent element)</a:t>
+            </a:r>
+          </a:p>
+          <a:p>
+            <a:r>
+              <a:rPr lang="en-US" sz="1200" dirty="0" err="1"/>
+              <a:t>vw</a:t>
+            </a:r>
+            <a:r>
+              <a:rPr lang="en-US" sz="1200" dirty="0"/>
+              <a:t> (1% width of viewport)</a:t>
+            </a:r>
+          </a:p>
+          <a:p>
+            <a:r>
+              <a:rPr lang="en-US" sz="1200" dirty="0" err="1"/>
+              <a:t>vh</a:t>
+            </a:r>
+            <a:r>
+              <a:rPr lang="en-US" sz="1200" dirty="0"/>
+              <a:t> (1% height of viewport)</a:t>
+            </a:r>
+          </a:p>
+          <a:p>
+            <a:pPr marL="0" indent="0">
+              <a:buNone/>
+            </a:pPr>
+            <a:br>
+              <a:rPr lang="en-US" sz="1200" dirty="0"/>
+            </a:br>
+            <a:r>
+              <a:rPr lang="en-US" sz="1200" dirty="0"/>
+              <a:t>*viewport – visible area of a web page</a:t>
+            </a:r>
+          </a:p>
+          <a:p>
+            <a:pPr marL="0" indent="0">
+              <a:buFont typeface="Arial" panose="020B0604020202020204" pitchFamily="34" charset="0"/>
+              <a:buNone/>
+            </a:pPr>
+            <a:endParaRPr lang="en-US" baseline="0" dirty="0"/>
           </a:p>
         </p:txBody>
       </p:sp>
@@ -1044,7 +1196,7 @@
           <a:bodyPr/>
           <a:lstStyle/>
           <a:p>
-            <a:fld id="{CB14DD28-1949-4B74-B4FA-306122DED2C3}" type="slidenum">
+            <a:fld id="{90562276-63C7-43F9-8E9E-CFA137F6F839}" type="slidenum">
               <a:rPr lang="en-US" smtClean="0"/>
               <a:t>14</a:t>
             </a:fld>
@@ -1055,7 +1207,7 @@
     </p:spTree>
     <p:extLst>
       <p:ext uri="{BB962C8B-B14F-4D97-AF65-F5344CB8AC3E}">
-        <p14:creationId xmlns:p14="http://schemas.microsoft.com/office/powerpoint/2010/main" val="4082267790"/>
+        <p14:creationId xmlns:p14="http://schemas.microsoft.com/office/powerpoint/2010/main" val="1475470524"/>
       </p:ext>
     </p:extLst>
   </p:cSld>
@@ -1109,54 +1261,11 @@
           <a:bodyPr/>
           <a:lstStyle/>
           <a:p>
-            <a:pPr marL="171450" indent="-171450">
+            <a:pPr marL="457200" lvl="1" indent="0">
               <a:buFont typeface="Arial" panose="020B0604020202020204" pitchFamily="34" charset="0"/>
-              <a:buChar char="•"/>
+              <a:buNone/>
             </a:pPr>
-            <a:r>
-              <a:rPr lang="en-US" baseline="0" dirty="0"/>
-              <a:t>Display has a number of options.</a:t>
-            </a:r>
-          </a:p>
-          <a:p>
-            <a:pPr marL="171450" indent="-171450">
-              <a:buFont typeface="Arial" panose="020B0604020202020204" pitchFamily="34" charset="0"/>
-              <a:buChar char="•"/>
-            </a:pPr>
-            <a:r>
-              <a:rPr lang="en-US" baseline="0" dirty="0"/>
-              <a:t>One of those is display none.  </a:t>
-            </a:r>
-          </a:p>
-          <a:p>
-            <a:pPr marL="171450" indent="-171450">
-              <a:buFont typeface="Arial" panose="020B0604020202020204" pitchFamily="34" charset="0"/>
-              <a:buChar char="•"/>
-            </a:pPr>
-            <a:r>
-              <a:rPr lang="en-US" baseline="0" dirty="0"/>
-              <a:t>Display none means the element will not appear on the page</a:t>
-            </a:r>
-          </a:p>
-          <a:p>
-            <a:pPr marL="171450" indent="-171450">
-              <a:buFont typeface="Arial" panose="020B0604020202020204" pitchFamily="34" charset="0"/>
-              <a:buChar char="•"/>
-            </a:pPr>
-            <a:r>
-              <a:rPr lang="en-US" baseline="0" dirty="0"/>
-              <a:t>This is different than visibility which will make it not show on the page, but still show in the DOM.</a:t>
-            </a:r>
-          </a:p>
-          <a:p>
-            <a:pPr marL="171450" indent="-171450">
-              <a:buFont typeface="Arial" panose="020B0604020202020204" pitchFamily="34" charset="0"/>
-              <a:buChar char="•"/>
-            </a:pPr>
-            <a:r>
-              <a:rPr lang="en-US" baseline="0" dirty="0"/>
-              <a:t>Let’s review examples of display and flexbox.</a:t>
-            </a:r>
+            <a:endParaRPr lang="en-US" dirty="0"/>
           </a:p>
         </p:txBody>
       </p:sp>
@@ -1175,7 +1284,7 @@
           <a:bodyPr/>
           <a:lstStyle/>
           <a:p>
-            <a:fld id="{90562276-63C7-43F9-8E9E-CFA137F6F839}" type="slidenum">
+            <a:fld id="{CB14DD28-1949-4B74-B4FA-306122DED2C3}" type="slidenum">
               <a:rPr lang="en-US" smtClean="0"/>
               <a:t>15</a:t>
             </a:fld>
@@ -1186,7 +1295,7 @@
     </p:spTree>
     <p:extLst>
       <p:ext uri="{BB962C8B-B14F-4D97-AF65-F5344CB8AC3E}">
-        <p14:creationId xmlns:p14="http://schemas.microsoft.com/office/powerpoint/2010/main" val="1112198863"/>
+        <p14:creationId xmlns:p14="http://schemas.microsoft.com/office/powerpoint/2010/main" val="4082267790"/>
       </p:ext>
     </p:extLst>
   </p:cSld>
@@ -1246,7 +1355,7 @@
             </a:pPr>
             <a:r>
               <a:rPr lang="en-US" baseline="0" dirty="0"/>
-              <a:t>Position is another style to change how an element is positioned on a page.</a:t>
+              <a:t>Display has a number of options.</a:t>
             </a:r>
           </a:p>
           <a:p>
@@ -1256,7 +1365,37 @@
             </a:pPr>
             <a:r>
               <a:rPr lang="en-US" baseline="0" dirty="0"/>
-              <a:t>Let’s review some examples.</a:t>
+              <a:t>One of those is display none.  </a:t>
+            </a:r>
+          </a:p>
+          <a:p>
+            <a:pPr marL="171450" indent="-171450">
+              <a:buFont typeface="Arial" panose="020B0604020202020204" pitchFamily="34" charset="0"/>
+              <a:buChar char="•"/>
+            </a:pPr>
+            <a:r>
+              <a:rPr lang="en-US" baseline="0" dirty="0"/>
+              <a:t>Display none means the element will not appear on the page</a:t>
+            </a:r>
+          </a:p>
+          <a:p>
+            <a:pPr marL="171450" indent="-171450">
+              <a:buFont typeface="Arial" panose="020B0604020202020204" pitchFamily="34" charset="0"/>
+              <a:buChar char="•"/>
+            </a:pPr>
+            <a:r>
+              <a:rPr lang="en-US" baseline="0" dirty="0"/>
+              <a:t>This is different than visibility which will make it not show on the page, but still show in the DOM.</a:t>
+            </a:r>
+          </a:p>
+          <a:p>
+            <a:pPr marL="171450" indent="-171450">
+              <a:buFont typeface="Arial" panose="020B0604020202020204" pitchFamily="34" charset="0"/>
+              <a:buChar char="•"/>
+            </a:pPr>
+            <a:r>
+              <a:rPr lang="en-US" baseline="0" dirty="0"/>
+              <a:t>Let’s review examples of display and flexbox.</a:t>
             </a:r>
           </a:p>
         </p:txBody>
@@ -1287,7 +1426,7 @@
     </p:spTree>
     <p:extLst>
       <p:ext uri="{BB962C8B-B14F-4D97-AF65-F5344CB8AC3E}">
-        <p14:creationId xmlns:p14="http://schemas.microsoft.com/office/powerpoint/2010/main" val="3949147222"/>
+        <p14:creationId xmlns:p14="http://schemas.microsoft.com/office/powerpoint/2010/main" val="1112198863"/>
       </p:ext>
     </p:extLst>
   </p:cSld>
@@ -1347,7 +1486,7 @@
             </a:pPr>
             <a:r>
               <a:rPr lang="en-US" baseline="0" dirty="0"/>
-              <a:t>Here are some other styles that effect the position of elements.</a:t>
+              <a:t>Position is another style to change how an element is positioned on a page.</a:t>
             </a:r>
           </a:p>
           <a:p>
@@ -1357,7 +1496,7 @@
             </a:pPr>
             <a:r>
               <a:rPr lang="en-US" baseline="0" dirty="0"/>
-              <a:t>It’s easier to see these in action again, so let’s look through the examples.</a:t>
+              <a:t>Let’s review some examples.</a:t>
             </a:r>
           </a:p>
         </p:txBody>
@@ -1388,7 +1527,7 @@
     </p:spTree>
     <p:extLst>
       <p:ext uri="{BB962C8B-B14F-4D97-AF65-F5344CB8AC3E}">
-        <p14:creationId xmlns:p14="http://schemas.microsoft.com/office/powerpoint/2010/main" val="2878422664"/>
+        <p14:creationId xmlns:p14="http://schemas.microsoft.com/office/powerpoint/2010/main" val="3949147222"/>
       </p:ext>
     </p:extLst>
   </p:cSld>
@@ -1442,11 +1581,24 @@
           <a:bodyPr/>
           <a:lstStyle/>
           <a:p>
-            <a:pPr marL="457200" lvl="1" indent="0">
+            <a:pPr marL="171450" indent="-171450">
               <a:buFont typeface="Arial" panose="020B0604020202020204" pitchFamily="34" charset="0"/>
-              <a:buNone/>
+              <a:buChar char="•"/>
             </a:pPr>
-            <a:endParaRPr lang="en-US" dirty="0"/>
+            <a:r>
+              <a:rPr lang="en-US" baseline="0" dirty="0"/>
+              <a:t>Here are some other styles that effect the position of elements.</a:t>
+            </a:r>
+          </a:p>
+          <a:p>
+            <a:pPr marL="171450" indent="-171450">
+              <a:buFont typeface="Arial" panose="020B0604020202020204" pitchFamily="34" charset="0"/>
+              <a:buChar char="•"/>
+            </a:pPr>
+            <a:r>
+              <a:rPr lang="en-US" baseline="0" dirty="0"/>
+              <a:t>It’s easier to see these in action again, so let’s look through the examples.</a:t>
+            </a:r>
           </a:p>
         </p:txBody>
       </p:sp>
@@ -1465,7 +1617,7 @@
           <a:bodyPr/>
           <a:lstStyle/>
           <a:p>
-            <a:fld id="{CB14DD28-1949-4B74-B4FA-306122DED2C3}" type="slidenum">
+            <a:fld id="{90562276-63C7-43F9-8E9E-CFA137F6F839}" type="slidenum">
               <a:rPr lang="en-US" smtClean="0"/>
               <a:t>18</a:t>
             </a:fld>
@@ -1476,7 +1628,7 @@
     </p:spTree>
     <p:extLst>
       <p:ext uri="{BB962C8B-B14F-4D97-AF65-F5344CB8AC3E}">
-        <p14:creationId xmlns:p14="http://schemas.microsoft.com/office/powerpoint/2010/main" val="3779208404"/>
+        <p14:creationId xmlns:p14="http://schemas.microsoft.com/office/powerpoint/2010/main" val="2878422664"/>
       </p:ext>
     </p:extLst>
   </p:cSld>
@@ -1564,7 +1716,7 @@
     </p:spTree>
     <p:extLst>
       <p:ext uri="{BB962C8B-B14F-4D97-AF65-F5344CB8AC3E}">
-        <p14:creationId xmlns:p14="http://schemas.microsoft.com/office/powerpoint/2010/main" val="4214561818"/>
+        <p14:creationId xmlns:p14="http://schemas.microsoft.com/office/powerpoint/2010/main" val="3779208404"/>
       </p:ext>
     </p:extLst>
   </p:cSld>
@@ -1618,9 +1770,9 @@
           <a:bodyPr/>
           <a:lstStyle/>
           <a:p>
-            <a:pPr marL="171450" indent="-171450">
+            <a:pPr marL="457200" lvl="1" indent="0">
               <a:buFont typeface="Arial" panose="020B0604020202020204" pitchFamily="34" charset="0"/>
-              <a:buChar char="•"/>
+              <a:buNone/>
             </a:pPr>
             <a:endParaRPr lang="en-US" dirty="0"/>
           </a:p>
@@ -1641,7 +1793,7 @@
           <a:bodyPr/>
           <a:lstStyle/>
           <a:p>
-            <a:fld id="{226FA58D-4B12-4E7B-A2FA-693CE3EACDFD}" type="slidenum">
+            <a:fld id="{CB14DD28-1949-4B74-B4FA-306122DED2C3}" type="slidenum">
               <a:rPr lang="en-US" smtClean="0"/>
               <a:t>20</a:t>
             </a:fld>
@@ -1652,7 +1804,7 @@
     </p:spTree>
     <p:extLst>
       <p:ext uri="{BB962C8B-B14F-4D97-AF65-F5344CB8AC3E}">
-        <p14:creationId xmlns:p14="http://schemas.microsoft.com/office/powerpoint/2010/main" val="1043788511"/>
+        <p14:creationId xmlns:p14="http://schemas.microsoft.com/office/powerpoint/2010/main" val="4214561818"/>
       </p:ext>
     </p:extLst>
   </p:cSld>
@@ -1831,20 +1983,7 @@
               <a:buFont typeface="Arial" panose="020B0604020202020204" pitchFamily="34" charset="0"/>
               <a:buChar char="•"/>
             </a:pPr>
-            <a:r>
-              <a:rPr lang="en-US" baseline="0" dirty="0"/>
-              <a:t>Here are some different ways to align elements.</a:t>
-            </a:r>
-          </a:p>
-          <a:p>
-            <a:pPr marL="171450" indent="-171450">
-              <a:buFont typeface="Arial" panose="020B0604020202020204" pitchFamily="34" charset="0"/>
-              <a:buChar char="•"/>
-            </a:pPr>
-            <a:r>
-              <a:rPr lang="en-US" baseline="0" dirty="0"/>
-              <a:t>Let’s again go through some examples.</a:t>
-            </a:r>
+            <a:endParaRPr lang="en-US" dirty="0"/>
           </a:p>
         </p:txBody>
       </p:sp>
@@ -1863,7 +2002,7 @@
           <a:bodyPr/>
           <a:lstStyle/>
           <a:p>
-            <a:fld id="{90562276-63C7-43F9-8E9E-CFA137F6F839}" type="slidenum">
+            <a:fld id="{226FA58D-4B12-4E7B-A2FA-693CE3EACDFD}" type="slidenum">
               <a:rPr lang="en-US" smtClean="0"/>
               <a:t>21</a:t>
             </a:fld>
@@ -1874,7 +2013,7 @@
     </p:spTree>
     <p:extLst>
       <p:ext uri="{BB962C8B-B14F-4D97-AF65-F5344CB8AC3E}">
-        <p14:creationId xmlns:p14="http://schemas.microsoft.com/office/powerpoint/2010/main" val="1961600589"/>
+        <p14:creationId xmlns:p14="http://schemas.microsoft.com/office/powerpoint/2010/main" val="1043788511"/>
       </p:ext>
     </p:extLst>
   </p:cSld>
@@ -2532,6 +2671,168 @@
           <a:bodyPr/>
           <a:lstStyle/>
           <a:p>
+            <a:pPr marL="171450" lvl="0" indent="-171450">
+              <a:buFont typeface="Arial" panose="020B0604020202020204" pitchFamily="34" charset="0"/>
+              <a:buChar char="•"/>
+            </a:pPr>
+            <a:r>
+              <a:rPr lang="en-US" sz="1200" kern="1200" dirty="0">
+                <a:solidFill>
+                  <a:schemeClr val="tx1"/>
+                </a:solidFill>
+                <a:effectLst/>
+                <a:latin typeface="+mn-lt"/>
+                <a:ea typeface="+mn-ea"/>
+                <a:cs typeface="+mn-cs"/>
+              </a:rPr>
+              <a:t>What makes up the box model?</a:t>
+            </a:r>
+          </a:p>
+          <a:p>
+            <a:pPr marL="171450" lvl="0" indent="-171450">
+              <a:buFont typeface="Arial" panose="020B0604020202020204" pitchFamily="34" charset="0"/>
+              <a:buChar char="•"/>
+            </a:pPr>
+            <a:r>
+              <a:rPr lang="en-US" sz="1200" kern="1200" dirty="0">
+                <a:solidFill>
+                  <a:schemeClr val="tx1"/>
+                </a:solidFill>
+                <a:effectLst/>
+                <a:latin typeface="+mn-lt"/>
+                <a:ea typeface="+mn-ea"/>
+                <a:cs typeface="+mn-cs"/>
+              </a:rPr>
+              <a:t>Write on the board the </a:t>
+            </a:r>
+            <a:r>
+              <a:rPr lang="en-US" sz="1200" kern="1200" dirty="0" err="1">
+                <a:solidFill>
+                  <a:schemeClr val="tx1"/>
+                </a:solidFill>
+                <a:effectLst/>
+                <a:latin typeface="+mn-lt"/>
+                <a:ea typeface="+mn-ea"/>
+                <a:cs typeface="+mn-cs"/>
+              </a:rPr>
+              <a:t>css</a:t>
+            </a:r>
+            <a:r>
+              <a:rPr lang="en-US" sz="1200" kern="1200" dirty="0">
+                <a:solidFill>
+                  <a:schemeClr val="tx1"/>
+                </a:solidFill>
+                <a:effectLst/>
+                <a:latin typeface="+mn-lt"/>
+                <a:ea typeface="+mn-ea"/>
+                <a:cs typeface="+mn-cs"/>
+              </a:rPr>
+              <a:t> to set the display to inline for a class named </a:t>
+            </a:r>
+            <a:r>
+              <a:rPr lang="en-US" sz="1200" kern="1200" dirty="0" err="1">
+                <a:solidFill>
+                  <a:schemeClr val="tx1"/>
+                </a:solidFill>
+                <a:effectLst/>
+                <a:latin typeface="+mn-lt"/>
+                <a:ea typeface="+mn-ea"/>
+                <a:cs typeface="+mn-cs"/>
+              </a:rPr>
+              <a:t>inlineText</a:t>
+            </a:r>
+            <a:r>
+              <a:rPr lang="en-US" sz="1200" kern="1200" dirty="0">
+                <a:solidFill>
+                  <a:schemeClr val="tx1"/>
+                </a:solidFill>
+                <a:effectLst/>
+                <a:latin typeface="+mn-lt"/>
+                <a:ea typeface="+mn-ea"/>
+                <a:cs typeface="+mn-cs"/>
+              </a:rPr>
+              <a:t>.</a:t>
+            </a:r>
+          </a:p>
+          <a:p>
+            <a:pPr marL="171450" lvl="0" indent="-171450">
+              <a:buFont typeface="Arial" panose="020B0604020202020204" pitchFamily="34" charset="0"/>
+              <a:buChar char="•"/>
+            </a:pPr>
+            <a:r>
+              <a:rPr lang="en-US" sz="1200" kern="1200" dirty="0">
+                <a:solidFill>
+                  <a:schemeClr val="tx1"/>
+                </a:solidFill>
+                <a:effectLst/>
+                <a:latin typeface="+mn-lt"/>
+                <a:ea typeface="+mn-ea"/>
+                <a:cs typeface="+mn-cs"/>
+              </a:rPr>
+              <a:t>Write on the board the </a:t>
+            </a:r>
+            <a:r>
+              <a:rPr lang="en-US" sz="1200" kern="1200" dirty="0" err="1">
+                <a:solidFill>
+                  <a:schemeClr val="tx1"/>
+                </a:solidFill>
+                <a:effectLst/>
+                <a:latin typeface="+mn-lt"/>
+                <a:ea typeface="+mn-ea"/>
+                <a:cs typeface="+mn-cs"/>
+              </a:rPr>
+              <a:t>css</a:t>
+            </a:r>
+            <a:r>
+              <a:rPr lang="en-US" sz="1200" kern="1200" dirty="0">
+                <a:solidFill>
+                  <a:schemeClr val="tx1"/>
+                </a:solidFill>
+                <a:effectLst/>
+                <a:latin typeface="+mn-lt"/>
+                <a:ea typeface="+mn-ea"/>
+                <a:cs typeface="+mn-cs"/>
+              </a:rPr>
+              <a:t> to fix the footer element to the bottom of the page.</a:t>
+            </a:r>
+          </a:p>
+          <a:p>
+            <a:pPr marL="171450" lvl="0" indent="-171450">
+              <a:buFont typeface="Arial" panose="020B0604020202020204" pitchFamily="34" charset="0"/>
+              <a:buChar char="•"/>
+            </a:pPr>
+            <a:r>
+              <a:rPr lang="en-US" sz="1200" kern="1200" dirty="0">
+                <a:solidFill>
+                  <a:schemeClr val="tx1"/>
+                </a:solidFill>
+                <a:effectLst/>
+                <a:latin typeface="+mn-lt"/>
+                <a:ea typeface="+mn-ea"/>
+                <a:cs typeface="+mn-cs"/>
+              </a:rPr>
+              <a:t>What are some options for page layout?</a:t>
+            </a:r>
+          </a:p>
+          <a:p>
+            <a:pPr marL="171450" lvl="0" indent="-171450">
+              <a:buFont typeface="Arial" panose="020B0604020202020204" pitchFamily="34" charset="0"/>
+              <a:buChar char="•"/>
+            </a:pPr>
+            <a:r>
+              <a:rPr lang="en-US" sz="1200" kern="1200" dirty="0">
+                <a:solidFill>
+                  <a:schemeClr val="tx1"/>
+                </a:solidFill>
+                <a:effectLst/>
+                <a:latin typeface="+mn-lt"/>
+                <a:ea typeface="+mn-ea"/>
+                <a:cs typeface="+mn-cs"/>
+              </a:rPr>
+              <a:t>What can be done to make a page responsive?</a:t>
+            </a:r>
+          </a:p>
+          <a:p>
             <a:pPr marL="457200" lvl="1" indent="0">
               <a:buFont typeface="Arial" panose="020B0604020202020204" pitchFamily="34" charset="0"/>
               <a:buNone/>
@@ -2555,7 +2856,7 @@
           <a:bodyPr/>
           <a:lstStyle/>
           <a:p>
-            <a:fld id="{CB14DD28-1949-4B74-B4FA-306122DED2C3}" type="slidenum">
+            <a:fld id="{226FA58D-4B12-4E7B-A2FA-693CE3EACDFD}" type="slidenum">
               <a:rPr lang="en-US" smtClean="0"/>
               <a:t>26</a:t>
             </a:fld>
@@ -2566,7 +2867,7 @@
     </p:spTree>
     <p:extLst>
       <p:ext uri="{BB962C8B-B14F-4D97-AF65-F5344CB8AC3E}">
-        <p14:creationId xmlns:p14="http://schemas.microsoft.com/office/powerpoint/2010/main" val="2723941180"/>
+        <p14:creationId xmlns:p14="http://schemas.microsoft.com/office/powerpoint/2010/main" val="1375049745"/>
       </p:ext>
     </p:extLst>
   </p:cSld>
@@ -2620,171 +2921,9 @@
           <a:bodyPr/>
           <a:lstStyle/>
           <a:p>
-            <a:pPr marL="171450" lvl="0" indent="-171450">
+            <a:pPr marL="171450" indent="-171450">
               <a:buFont typeface="Arial" panose="020B0604020202020204" pitchFamily="34" charset="0"/>
               <a:buChar char="•"/>
-            </a:pPr>
-            <a:r>
-              <a:rPr lang="en-US" sz="1200" kern="1200" dirty="0">
-                <a:solidFill>
-                  <a:schemeClr val="tx1"/>
-                </a:solidFill>
-                <a:effectLst/>
-                <a:latin typeface="+mn-lt"/>
-                <a:ea typeface="+mn-ea"/>
-                <a:cs typeface="+mn-cs"/>
-              </a:rPr>
-              <a:t>What makes up the box model?</a:t>
-            </a:r>
-          </a:p>
-          <a:p>
-            <a:pPr marL="171450" lvl="0" indent="-171450">
-              <a:buFont typeface="Arial" panose="020B0604020202020204" pitchFamily="34" charset="0"/>
-              <a:buChar char="•"/>
-            </a:pPr>
-            <a:r>
-              <a:rPr lang="en-US" sz="1200" kern="1200" dirty="0">
-                <a:solidFill>
-                  <a:schemeClr val="tx1"/>
-                </a:solidFill>
-                <a:effectLst/>
-                <a:latin typeface="+mn-lt"/>
-                <a:ea typeface="+mn-ea"/>
-                <a:cs typeface="+mn-cs"/>
-              </a:rPr>
-              <a:t>Write on the board the </a:t>
-            </a:r>
-            <a:r>
-              <a:rPr lang="en-US" sz="1200" kern="1200" dirty="0" err="1">
-                <a:solidFill>
-                  <a:schemeClr val="tx1"/>
-                </a:solidFill>
-                <a:effectLst/>
-                <a:latin typeface="+mn-lt"/>
-                <a:ea typeface="+mn-ea"/>
-                <a:cs typeface="+mn-cs"/>
-              </a:rPr>
-              <a:t>css</a:t>
-            </a:r>
-            <a:r>
-              <a:rPr lang="en-US" sz="1200" kern="1200" dirty="0">
-                <a:solidFill>
-                  <a:schemeClr val="tx1"/>
-                </a:solidFill>
-                <a:effectLst/>
-                <a:latin typeface="+mn-lt"/>
-                <a:ea typeface="+mn-ea"/>
-                <a:cs typeface="+mn-cs"/>
-              </a:rPr>
-              <a:t> to set the display to inline for a class named </a:t>
-            </a:r>
-            <a:r>
-              <a:rPr lang="en-US" sz="1200" kern="1200" dirty="0" err="1">
-                <a:solidFill>
-                  <a:schemeClr val="tx1"/>
-                </a:solidFill>
-                <a:effectLst/>
-                <a:latin typeface="+mn-lt"/>
-                <a:ea typeface="+mn-ea"/>
-                <a:cs typeface="+mn-cs"/>
-              </a:rPr>
-              <a:t>inlineText</a:t>
-            </a:r>
-            <a:r>
-              <a:rPr lang="en-US" sz="1200" kern="1200" dirty="0">
-                <a:solidFill>
-                  <a:schemeClr val="tx1"/>
-                </a:solidFill>
-                <a:effectLst/>
-                <a:latin typeface="+mn-lt"/>
-                <a:ea typeface="+mn-ea"/>
-                <a:cs typeface="+mn-cs"/>
-              </a:rPr>
-              <a:t>.</a:t>
-            </a:r>
-          </a:p>
-          <a:p>
-            <a:pPr marL="171450" lvl="0" indent="-171450">
-              <a:buFont typeface="Arial" panose="020B0604020202020204" pitchFamily="34" charset="0"/>
-              <a:buChar char="•"/>
-            </a:pPr>
-            <a:r>
-              <a:rPr lang="en-US" sz="1200" kern="1200" dirty="0">
-                <a:solidFill>
-                  <a:schemeClr val="tx1"/>
-                </a:solidFill>
-                <a:effectLst/>
-                <a:latin typeface="+mn-lt"/>
-                <a:ea typeface="+mn-ea"/>
-                <a:cs typeface="+mn-cs"/>
-              </a:rPr>
-              <a:t>Write on the board the </a:t>
-            </a:r>
-            <a:r>
-              <a:rPr lang="en-US" sz="1200" kern="1200" dirty="0" err="1">
-                <a:solidFill>
-                  <a:schemeClr val="tx1"/>
-                </a:solidFill>
-                <a:effectLst/>
-                <a:latin typeface="+mn-lt"/>
-                <a:ea typeface="+mn-ea"/>
-                <a:cs typeface="+mn-cs"/>
-              </a:rPr>
-              <a:t>css</a:t>
-            </a:r>
-            <a:r>
-              <a:rPr lang="en-US" sz="1200" kern="1200" dirty="0">
-                <a:solidFill>
-                  <a:schemeClr val="tx1"/>
-                </a:solidFill>
-                <a:effectLst/>
-                <a:latin typeface="+mn-lt"/>
-                <a:ea typeface="+mn-ea"/>
-                <a:cs typeface="+mn-cs"/>
-              </a:rPr>
-              <a:t> to fix the footer element to the bottom of the page.</a:t>
-            </a:r>
-          </a:p>
-          <a:p>
-            <a:pPr marL="171450" lvl="0" indent="-171450">
-              <a:buFont typeface="Arial" panose="020B0604020202020204" pitchFamily="34" charset="0"/>
-              <a:buChar char="•"/>
-            </a:pPr>
-            <a:r>
-              <a:rPr lang="en-US" sz="1200" kern="1200" dirty="0">
-                <a:solidFill>
-                  <a:schemeClr val="tx1"/>
-                </a:solidFill>
-                <a:effectLst/>
-                <a:latin typeface="+mn-lt"/>
-                <a:ea typeface="+mn-ea"/>
-                <a:cs typeface="+mn-cs"/>
-              </a:rPr>
-              <a:t>What are some options for page layout?</a:t>
-            </a:r>
-          </a:p>
-          <a:p>
-            <a:pPr marL="171450" lvl="0" indent="-171450">
-              <a:buFont typeface="Arial" panose="020B0604020202020204" pitchFamily="34" charset="0"/>
-              <a:buChar char="•"/>
-            </a:pPr>
-            <a:r>
-              <a:rPr lang="en-US" sz="1200" kern="1200" dirty="0">
-                <a:solidFill>
-                  <a:schemeClr val="tx1"/>
-                </a:solidFill>
-                <a:effectLst/>
-                <a:latin typeface="+mn-lt"/>
-                <a:ea typeface="+mn-ea"/>
-                <a:cs typeface="+mn-cs"/>
-              </a:rPr>
-              <a:t>What can be done to make a page responsive?</a:t>
-            </a:r>
-          </a:p>
-          <a:p>
-            <a:pPr marL="457200" lvl="1" indent="0">
-              <a:buFont typeface="Arial" panose="020B0604020202020204" pitchFamily="34" charset="0"/>
-              <a:buNone/>
             </a:pPr>
             <a:endParaRPr lang="en-US" dirty="0"/>
           </a:p>
@@ -2816,7 +2955,7 @@
     </p:spTree>
     <p:extLst>
       <p:ext uri="{BB962C8B-B14F-4D97-AF65-F5344CB8AC3E}">
-        <p14:creationId xmlns:p14="http://schemas.microsoft.com/office/powerpoint/2010/main" val="1375049745"/>
+        <p14:creationId xmlns:p14="http://schemas.microsoft.com/office/powerpoint/2010/main" val="4054273796"/>
       </p:ext>
     </p:extLst>
   </p:cSld>
@@ -2870,9 +3009,195 @@
           <a:bodyPr/>
           <a:lstStyle/>
           <a:p>
-            <a:pPr marL="171450" indent="-171450">
+            <a:pPr marL="171450" lvl="0" indent="-171450">
               <a:buFont typeface="Arial" panose="020B0604020202020204" pitchFamily="34" charset="0"/>
               <a:buChar char="•"/>
+            </a:pPr>
+            <a:r>
+              <a:rPr lang="en-US" sz="1200" kern="1200" dirty="0">
+                <a:solidFill>
+                  <a:schemeClr val="tx1"/>
+                </a:solidFill>
+                <a:effectLst/>
+                <a:latin typeface="+mn-lt"/>
+                <a:ea typeface="+mn-ea"/>
+                <a:cs typeface="+mn-cs"/>
+              </a:rPr>
+              <a:t>What tag is used to reference a separate CSS file?</a:t>
+            </a:r>
+          </a:p>
+          <a:p>
+            <a:pPr marL="171450" lvl="0" indent="-171450">
+              <a:buFont typeface="Arial" panose="020B0604020202020204" pitchFamily="34" charset="0"/>
+              <a:buChar char="•"/>
+            </a:pPr>
+            <a:r>
+              <a:rPr lang="en-US" sz="1200" kern="1200" dirty="0">
+                <a:solidFill>
+                  <a:schemeClr val="tx1"/>
+                </a:solidFill>
+                <a:effectLst/>
+                <a:latin typeface="+mn-lt"/>
+                <a:ea typeface="+mn-ea"/>
+                <a:cs typeface="+mn-cs"/>
+              </a:rPr>
+              <a:t>Write on the board the </a:t>
+            </a:r>
+            <a:r>
+              <a:rPr lang="en-US" sz="1200" kern="1200" dirty="0" err="1">
+                <a:solidFill>
+                  <a:schemeClr val="tx1"/>
+                </a:solidFill>
+                <a:effectLst/>
+                <a:latin typeface="+mn-lt"/>
+                <a:ea typeface="+mn-ea"/>
+                <a:cs typeface="+mn-cs"/>
+              </a:rPr>
+              <a:t>css</a:t>
+            </a:r>
+            <a:r>
+              <a:rPr lang="en-US" sz="1200" kern="1200" dirty="0">
+                <a:solidFill>
+                  <a:schemeClr val="tx1"/>
+                </a:solidFill>
+                <a:effectLst/>
+                <a:latin typeface="+mn-lt"/>
+                <a:ea typeface="+mn-ea"/>
+                <a:cs typeface="+mn-cs"/>
+              </a:rPr>
+              <a:t> to make the font color red for an element with an id of header.</a:t>
+            </a:r>
+          </a:p>
+          <a:p>
+            <a:pPr marL="171450" lvl="0" indent="-171450">
+              <a:buFont typeface="Arial" panose="020B0604020202020204" pitchFamily="34" charset="0"/>
+              <a:buChar char="•"/>
+            </a:pPr>
+            <a:r>
+              <a:rPr lang="en-US" sz="1200" kern="1200" dirty="0">
+                <a:solidFill>
+                  <a:schemeClr val="tx1"/>
+                </a:solidFill>
+                <a:effectLst/>
+                <a:latin typeface="+mn-lt"/>
+                <a:ea typeface="+mn-ea"/>
+                <a:cs typeface="+mn-cs"/>
+              </a:rPr>
+              <a:t>What makes up the box model?</a:t>
+            </a:r>
+          </a:p>
+          <a:p>
+            <a:pPr marL="171450" lvl="0" indent="-171450">
+              <a:buFont typeface="Arial" panose="020B0604020202020204" pitchFamily="34" charset="0"/>
+              <a:buChar char="•"/>
+            </a:pPr>
+            <a:r>
+              <a:rPr lang="en-US" sz="1200" kern="1200" dirty="0">
+                <a:solidFill>
+                  <a:schemeClr val="tx1"/>
+                </a:solidFill>
+                <a:effectLst/>
+                <a:latin typeface="+mn-lt"/>
+                <a:ea typeface="+mn-ea"/>
+                <a:cs typeface="+mn-cs"/>
+              </a:rPr>
+              <a:t>Write on the board the </a:t>
+            </a:r>
+            <a:r>
+              <a:rPr lang="en-US" sz="1200" kern="1200" dirty="0" err="1">
+                <a:solidFill>
+                  <a:schemeClr val="tx1"/>
+                </a:solidFill>
+                <a:effectLst/>
+                <a:latin typeface="+mn-lt"/>
+                <a:ea typeface="+mn-ea"/>
+                <a:cs typeface="+mn-cs"/>
+              </a:rPr>
+              <a:t>css</a:t>
+            </a:r>
+            <a:r>
+              <a:rPr lang="en-US" sz="1200" kern="1200" dirty="0">
+                <a:solidFill>
+                  <a:schemeClr val="tx1"/>
+                </a:solidFill>
+                <a:effectLst/>
+                <a:latin typeface="+mn-lt"/>
+                <a:ea typeface="+mn-ea"/>
+                <a:cs typeface="+mn-cs"/>
+              </a:rPr>
+              <a:t> to set the display to inline for a class named </a:t>
+            </a:r>
+            <a:r>
+              <a:rPr lang="en-US" sz="1200" kern="1200" dirty="0" err="1">
+                <a:solidFill>
+                  <a:schemeClr val="tx1"/>
+                </a:solidFill>
+                <a:effectLst/>
+                <a:latin typeface="+mn-lt"/>
+                <a:ea typeface="+mn-ea"/>
+                <a:cs typeface="+mn-cs"/>
+              </a:rPr>
+              <a:t>inlineText</a:t>
+            </a:r>
+            <a:r>
+              <a:rPr lang="en-US" sz="1200" kern="1200" dirty="0">
+                <a:solidFill>
+                  <a:schemeClr val="tx1"/>
+                </a:solidFill>
+                <a:effectLst/>
+                <a:latin typeface="+mn-lt"/>
+                <a:ea typeface="+mn-ea"/>
+                <a:cs typeface="+mn-cs"/>
+              </a:rPr>
+              <a:t>.</a:t>
+            </a:r>
+          </a:p>
+          <a:p>
+            <a:pPr marL="171450" lvl="0" indent="-171450">
+              <a:buFont typeface="Arial" panose="020B0604020202020204" pitchFamily="34" charset="0"/>
+              <a:buChar char="•"/>
+            </a:pPr>
+            <a:r>
+              <a:rPr lang="en-US" sz="1200" kern="1200" dirty="0">
+                <a:solidFill>
+                  <a:schemeClr val="tx1"/>
+                </a:solidFill>
+                <a:effectLst/>
+                <a:latin typeface="+mn-lt"/>
+                <a:ea typeface="+mn-ea"/>
+                <a:cs typeface="+mn-cs"/>
+              </a:rPr>
+              <a:t>Write on the board the </a:t>
+            </a:r>
+            <a:r>
+              <a:rPr lang="en-US" sz="1200" kern="1200" dirty="0" err="1">
+                <a:solidFill>
+                  <a:schemeClr val="tx1"/>
+                </a:solidFill>
+                <a:effectLst/>
+                <a:latin typeface="+mn-lt"/>
+                <a:ea typeface="+mn-ea"/>
+                <a:cs typeface="+mn-cs"/>
+              </a:rPr>
+              <a:t>css</a:t>
+            </a:r>
+            <a:r>
+              <a:rPr lang="en-US" sz="1200" kern="1200" dirty="0">
+                <a:solidFill>
+                  <a:schemeClr val="tx1"/>
+                </a:solidFill>
+                <a:effectLst/>
+                <a:latin typeface="+mn-lt"/>
+                <a:ea typeface="+mn-ea"/>
+                <a:cs typeface="+mn-cs"/>
+              </a:rPr>
+              <a:t> to fix the footer element to the bottom of the page.</a:t>
+            </a:r>
+          </a:p>
+          <a:p>
+            <a:pPr marL="457200" lvl="1" indent="0">
+              <a:buFont typeface="Arial" panose="020B0604020202020204" pitchFamily="34" charset="0"/>
+              <a:buNone/>
             </a:pPr>
             <a:endParaRPr lang="en-US" dirty="0"/>
           </a:p>
@@ -2904,7 +3229,7 @@
     </p:spTree>
     <p:extLst>
       <p:ext uri="{BB962C8B-B14F-4D97-AF65-F5344CB8AC3E}">
-        <p14:creationId xmlns:p14="http://schemas.microsoft.com/office/powerpoint/2010/main" val="4054273796"/>
+        <p14:creationId xmlns:p14="http://schemas.microsoft.com/office/powerpoint/2010/main" val="1836442978"/>
       </p:ext>
     </p:extLst>
   </p:cSld>
@@ -2958,280 +3283,6 @@
           <a:bodyPr/>
           <a:lstStyle/>
           <a:p>
-            <a:pPr marL="171450" lvl="0" indent="-171450">
-              <a:buFont typeface="Arial" panose="020B0604020202020204" pitchFamily="34" charset="0"/>
-              <a:buChar char="•"/>
-            </a:pPr>
-            <a:r>
-              <a:rPr lang="en-US" sz="1200" kern="1200" dirty="0">
-                <a:solidFill>
-                  <a:schemeClr val="tx1"/>
-                </a:solidFill>
-                <a:effectLst/>
-                <a:latin typeface="+mn-lt"/>
-                <a:ea typeface="+mn-ea"/>
-                <a:cs typeface="+mn-cs"/>
-              </a:rPr>
-              <a:t>What tag is used to reference a separate CSS file?</a:t>
-            </a:r>
-          </a:p>
-          <a:p>
-            <a:pPr marL="171450" lvl="0" indent="-171450">
-              <a:buFont typeface="Arial" panose="020B0604020202020204" pitchFamily="34" charset="0"/>
-              <a:buChar char="•"/>
-            </a:pPr>
-            <a:r>
-              <a:rPr lang="en-US" sz="1200" kern="1200" dirty="0">
-                <a:solidFill>
-                  <a:schemeClr val="tx1"/>
-                </a:solidFill>
-                <a:effectLst/>
-                <a:latin typeface="+mn-lt"/>
-                <a:ea typeface="+mn-ea"/>
-                <a:cs typeface="+mn-cs"/>
-              </a:rPr>
-              <a:t>Write on the board the </a:t>
-            </a:r>
-            <a:r>
-              <a:rPr lang="en-US" sz="1200" kern="1200" dirty="0" err="1">
-                <a:solidFill>
-                  <a:schemeClr val="tx1"/>
-                </a:solidFill>
-                <a:effectLst/>
-                <a:latin typeface="+mn-lt"/>
-                <a:ea typeface="+mn-ea"/>
-                <a:cs typeface="+mn-cs"/>
-              </a:rPr>
-              <a:t>css</a:t>
-            </a:r>
-            <a:r>
-              <a:rPr lang="en-US" sz="1200" kern="1200" dirty="0">
-                <a:solidFill>
-                  <a:schemeClr val="tx1"/>
-                </a:solidFill>
-                <a:effectLst/>
-                <a:latin typeface="+mn-lt"/>
-                <a:ea typeface="+mn-ea"/>
-                <a:cs typeface="+mn-cs"/>
-              </a:rPr>
-              <a:t> to make the font color red for an element with an id of header.</a:t>
-            </a:r>
-          </a:p>
-          <a:p>
-            <a:pPr marL="171450" lvl="0" indent="-171450">
-              <a:buFont typeface="Arial" panose="020B0604020202020204" pitchFamily="34" charset="0"/>
-              <a:buChar char="•"/>
-            </a:pPr>
-            <a:r>
-              <a:rPr lang="en-US" sz="1200" kern="1200" dirty="0">
-                <a:solidFill>
-                  <a:schemeClr val="tx1"/>
-                </a:solidFill>
-                <a:effectLst/>
-                <a:latin typeface="+mn-lt"/>
-                <a:ea typeface="+mn-ea"/>
-                <a:cs typeface="+mn-cs"/>
-              </a:rPr>
-              <a:t>What makes up the box model?</a:t>
-            </a:r>
-          </a:p>
-          <a:p>
-            <a:pPr marL="171450" lvl="0" indent="-171450">
-              <a:buFont typeface="Arial" panose="020B0604020202020204" pitchFamily="34" charset="0"/>
-              <a:buChar char="•"/>
-            </a:pPr>
-            <a:r>
-              <a:rPr lang="en-US" sz="1200" kern="1200" dirty="0">
-                <a:solidFill>
-                  <a:schemeClr val="tx1"/>
-                </a:solidFill>
-                <a:effectLst/>
-                <a:latin typeface="+mn-lt"/>
-                <a:ea typeface="+mn-ea"/>
-                <a:cs typeface="+mn-cs"/>
-              </a:rPr>
-              <a:t>Write on the board the </a:t>
-            </a:r>
-            <a:r>
-              <a:rPr lang="en-US" sz="1200" kern="1200" dirty="0" err="1">
-                <a:solidFill>
-                  <a:schemeClr val="tx1"/>
-                </a:solidFill>
-                <a:effectLst/>
-                <a:latin typeface="+mn-lt"/>
-                <a:ea typeface="+mn-ea"/>
-                <a:cs typeface="+mn-cs"/>
-              </a:rPr>
-              <a:t>css</a:t>
-            </a:r>
-            <a:r>
-              <a:rPr lang="en-US" sz="1200" kern="1200" dirty="0">
-                <a:solidFill>
-                  <a:schemeClr val="tx1"/>
-                </a:solidFill>
-                <a:effectLst/>
-                <a:latin typeface="+mn-lt"/>
-                <a:ea typeface="+mn-ea"/>
-                <a:cs typeface="+mn-cs"/>
-              </a:rPr>
-              <a:t> to set the display to inline for a class named </a:t>
-            </a:r>
-            <a:r>
-              <a:rPr lang="en-US" sz="1200" kern="1200" dirty="0" err="1">
-                <a:solidFill>
-                  <a:schemeClr val="tx1"/>
-                </a:solidFill>
-                <a:effectLst/>
-                <a:latin typeface="+mn-lt"/>
-                <a:ea typeface="+mn-ea"/>
-                <a:cs typeface="+mn-cs"/>
-              </a:rPr>
-              <a:t>inlineText</a:t>
-            </a:r>
-            <a:r>
-              <a:rPr lang="en-US" sz="1200" kern="1200" dirty="0">
-                <a:solidFill>
-                  <a:schemeClr val="tx1"/>
-                </a:solidFill>
-                <a:effectLst/>
-                <a:latin typeface="+mn-lt"/>
-                <a:ea typeface="+mn-ea"/>
-                <a:cs typeface="+mn-cs"/>
-              </a:rPr>
-              <a:t>.</a:t>
-            </a:r>
-          </a:p>
-          <a:p>
-            <a:pPr marL="171450" lvl="0" indent="-171450">
-              <a:buFont typeface="Arial" panose="020B0604020202020204" pitchFamily="34" charset="0"/>
-              <a:buChar char="•"/>
-            </a:pPr>
-            <a:r>
-              <a:rPr lang="en-US" sz="1200" kern="1200" dirty="0">
-                <a:solidFill>
-                  <a:schemeClr val="tx1"/>
-                </a:solidFill>
-                <a:effectLst/>
-                <a:latin typeface="+mn-lt"/>
-                <a:ea typeface="+mn-ea"/>
-                <a:cs typeface="+mn-cs"/>
-              </a:rPr>
-              <a:t>Write on the board the </a:t>
-            </a:r>
-            <a:r>
-              <a:rPr lang="en-US" sz="1200" kern="1200" dirty="0" err="1">
-                <a:solidFill>
-                  <a:schemeClr val="tx1"/>
-                </a:solidFill>
-                <a:effectLst/>
-                <a:latin typeface="+mn-lt"/>
-                <a:ea typeface="+mn-ea"/>
-                <a:cs typeface="+mn-cs"/>
-              </a:rPr>
-              <a:t>css</a:t>
-            </a:r>
-            <a:r>
-              <a:rPr lang="en-US" sz="1200" kern="1200" dirty="0">
-                <a:solidFill>
-                  <a:schemeClr val="tx1"/>
-                </a:solidFill>
-                <a:effectLst/>
-                <a:latin typeface="+mn-lt"/>
-                <a:ea typeface="+mn-ea"/>
-                <a:cs typeface="+mn-cs"/>
-              </a:rPr>
-              <a:t> to fix the footer element to the bottom of the page.</a:t>
-            </a:r>
-          </a:p>
-          <a:p>
-            <a:pPr marL="457200" lvl="1" indent="0">
-              <a:buFont typeface="Arial" panose="020B0604020202020204" pitchFamily="34" charset="0"/>
-              <a:buNone/>
-            </a:pPr>
-            <a:endParaRPr lang="en-US" dirty="0"/>
-          </a:p>
-        </p:txBody>
-      </p:sp>
-      <p:sp>
-        <p:nvSpPr>
-          <p:cNvPr id="4" name="Slide Number Placeholder 3"/>
-          <p:cNvSpPr>
-            <a:spLocks noGrp="1"/>
-          </p:cNvSpPr>
-          <p:nvPr>
-            <p:ph type="sldNum" sz="quarter" idx="10"/>
-          </p:nvPr>
-        </p:nvSpPr>
-        <p:spPr/>
-        <p:txBody>
-          <a:bodyPr/>
-          <a:lstStyle/>
-          <a:p>
-            <a:fld id="{226FA58D-4B12-4E7B-A2FA-693CE3EACDFD}" type="slidenum">
-              <a:rPr lang="en-US" smtClean="0"/>
-              <a:t>29</a:t>
-            </a:fld>
-            <a:endParaRPr lang="en-US"/>
-          </a:p>
-        </p:txBody>
-      </p:sp>
-    </p:spTree>
-    <p:extLst>
-      <p:ext uri="{BB962C8B-B14F-4D97-AF65-F5344CB8AC3E}">
-        <p14:creationId xmlns:p14="http://schemas.microsoft.com/office/powerpoint/2010/main" val="1836442978"/>
-      </p:ext>
-    </p:extLst>
-  </p:cSld>
-  <p:clrMapOvr>
-    <a:masterClrMapping/>
-  </p:clrMapOvr>
-</p:notes>
-</file>
-
-<file path=ppt/notesSlides/notesSlide29.xml><?xml version="1.0" encoding="utf-8"?>
-<p:notes xmlns:a="http://schemas.openxmlformats.org/drawingml/2006/main" xmlns:r="http://schemas.openxmlformats.org/officeDocument/2006/relationships" xmlns:p="http://schemas.openxmlformats.org/presentationml/2006/main">
-  <p:cSld>
-    <p:spTree>
-      <p:nvGrpSpPr>
-        <p:cNvPr id="1" name=""/>
-        <p:cNvGrpSpPr/>
-        <p:nvPr/>
-      </p:nvGrpSpPr>
-      <p:grpSpPr>
-        <a:xfrm>
-          <a:off x="0" y="0"/>
-          <a:ext cx="0" cy="0"/>
-          <a:chOff x="0" y="0"/>
-          <a:chExt cx="0" cy="0"/>
-        </a:xfrm>
-      </p:grpSpPr>
-      <p:sp>
-        <p:nvSpPr>
-          <p:cNvPr id="2" name="Slide Image Placeholder 1"/>
-          <p:cNvSpPr>
-            <a:spLocks noGrp="1" noRot="1" noChangeAspect="1"/>
-          </p:cNvSpPr>
-          <p:nvPr>
-            <p:ph type="sldImg"/>
-          </p:nvPr>
-        </p:nvSpPr>
-        <p:spPr/>
-      </p:sp>
-      <p:sp>
-        <p:nvSpPr>
-          <p:cNvPr id="3" name="Notes Placeholder 2"/>
-          <p:cNvSpPr>
-            <a:spLocks noGrp="1"/>
-          </p:cNvSpPr>
-          <p:nvPr>
-            <p:ph type="body" idx="1"/>
-          </p:nvPr>
-        </p:nvSpPr>
-        <p:spPr/>
-        <p:txBody>
-          <a:bodyPr/>
-          <a:lstStyle/>
-          <a:p>
             <a:pPr marL="171450" indent="-171450">
               <a:buFont typeface="Arial" panose="020B0604020202020204" pitchFamily="34" charset="0"/>
               <a:buChar char="•"/>
@@ -3257,7 +3308,7 @@
           <a:p>
             <a:fld id="{226FA58D-4B12-4E7B-A2FA-693CE3EACDFD}" type="slidenum">
               <a:rPr lang="en-US" smtClean="0"/>
-              <a:t>30</a:t>
+              <a:t>29</a:t>
             </a:fld>
             <a:endParaRPr lang="en-US"/>
           </a:p>
@@ -4383,7 +4434,7 @@
           <a:p>
             <a:fld id="{96FB5D56-0812-4ED5-8B52-3D0DCBF578CB}" type="datetimeFigureOut">
               <a:rPr lang="en-US" smtClean="0"/>
-              <a:t>5/28/2018</a:t>
+              <a:t>6/13/2018</a:t>
             </a:fld>
             <a:endParaRPr lang="en-US"/>
           </a:p>
@@ -4658,7 +4709,7 @@
           <a:p>
             <a:fld id="{96FB5D56-0812-4ED5-8B52-3D0DCBF578CB}" type="datetimeFigureOut">
               <a:rPr lang="en-US" smtClean="0"/>
-              <a:t>5/28/2018</a:t>
+              <a:t>6/13/2018</a:t>
             </a:fld>
             <a:endParaRPr lang="en-US"/>
           </a:p>
@@ -4852,7 +4903,7 @@
           <a:p>
             <a:fld id="{96FB5D56-0812-4ED5-8B52-3D0DCBF578CB}" type="datetimeFigureOut">
               <a:rPr lang="en-US" smtClean="0"/>
-              <a:t>5/28/2018</a:t>
+              <a:t>6/13/2018</a:t>
             </a:fld>
             <a:endParaRPr lang="en-US"/>
           </a:p>
@@ -5125,7 +5176,7 @@
           <a:p>
             <a:fld id="{96FB5D56-0812-4ED5-8B52-3D0DCBF578CB}" type="datetimeFigureOut">
               <a:rPr lang="en-US" smtClean="0"/>
-              <a:t>5/28/2018</a:t>
+              <a:t>6/13/2018</a:t>
             </a:fld>
             <a:endParaRPr lang="en-US"/>
           </a:p>
@@ -5466,7 +5517,7 @@
           <a:p>
             <a:fld id="{96FB5D56-0812-4ED5-8B52-3D0DCBF578CB}" type="datetimeFigureOut">
               <a:rPr lang="en-US" smtClean="0"/>
-              <a:t>5/28/2018</a:t>
+              <a:t>6/13/2018</a:t>
             </a:fld>
             <a:endParaRPr lang="en-US"/>
           </a:p>
@@ -6089,7 +6140,7 @@
           <a:p>
             <a:fld id="{96FB5D56-0812-4ED5-8B52-3D0DCBF578CB}" type="datetimeFigureOut">
               <a:rPr lang="en-US" smtClean="0"/>
-              <a:t>5/28/2018</a:t>
+              <a:t>6/13/2018</a:t>
             </a:fld>
             <a:endParaRPr lang="en-US"/>
           </a:p>
@@ -6949,7 +7000,7 @@
           <a:p>
             <a:fld id="{96FB5D56-0812-4ED5-8B52-3D0DCBF578CB}" type="datetimeFigureOut">
               <a:rPr lang="en-US" smtClean="0"/>
-              <a:t>5/28/2018</a:t>
+              <a:t>6/13/2018</a:t>
             </a:fld>
             <a:endParaRPr lang="en-US"/>
           </a:p>
@@ -7119,7 +7170,7 @@
           <a:p>
             <a:fld id="{96FB5D56-0812-4ED5-8B52-3D0DCBF578CB}" type="datetimeFigureOut">
               <a:rPr lang="en-US" smtClean="0"/>
-              <a:t>5/28/2018</a:t>
+              <a:t>6/13/2018</a:t>
             </a:fld>
             <a:endParaRPr lang="en-US"/>
           </a:p>
@@ -7299,7 +7350,7 @@
           <a:p>
             <a:fld id="{96FB5D56-0812-4ED5-8B52-3D0DCBF578CB}" type="datetimeFigureOut">
               <a:rPr lang="en-US" smtClean="0"/>
-              <a:t>5/28/2018</a:t>
+              <a:t>6/13/2018</a:t>
             </a:fld>
             <a:endParaRPr lang="en-US"/>
           </a:p>
@@ -7469,7 +7520,7 @@
           <a:p>
             <a:fld id="{96FB5D56-0812-4ED5-8B52-3D0DCBF578CB}" type="datetimeFigureOut">
               <a:rPr lang="en-US" smtClean="0"/>
-              <a:t>5/28/2018</a:t>
+              <a:t>6/13/2018</a:t>
             </a:fld>
             <a:endParaRPr lang="en-US"/>
           </a:p>
@@ -7716,7 +7767,7 @@
           <a:p>
             <a:fld id="{96FB5D56-0812-4ED5-8B52-3D0DCBF578CB}" type="datetimeFigureOut">
               <a:rPr lang="en-US" smtClean="0"/>
-              <a:t>5/28/2018</a:t>
+              <a:t>6/13/2018</a:t>
             </a:fld>
             <a:endParaRPr lang="en-US"/>
           </a:p>
@@ -8008,7 +8059,7 @@
           <a:p>
             <a:fld id="{96FB5D56-0812-4ED5-8B52-3D0DCBF578CB}" type="datetimeFigureOut">
               <a:rPr lang="en-US" smtClean="0"/>
-              <a:t>5/28/2018</a:t>
+              <a:t>6/13/2018</a:t>
             </a:fld>
             <a:endParaRPr lang="en-US"/>
           </a:p>
@@ -8452,7 +8503,7 @@
           <a:p>
             <a:fld id="{96FB5D56-0812-4ED5-8B52-3D0DCBF578CB}" type="datetimeFigureOut">
               <a:rPr lang="en-US" smtClean="0"/>
-              <a:t>5/28/2018</a:t>
+              <a:t>6/13/2018</a:t>
             </a:fld>
             <a:endParaRPr lang="en-US"/>
           </a:p>
@@ -8570,7 +8621,7 @@
           <a:p>
             <a:fld id="{96FB5D56-0812-4ED5-8B52-3D0DCBF578CB}" type="datetimeFigureOut">
               <a:rPr lang="en-US" smtClean="0"/>
-              <a:t>5/28/2018</a:t>
+              <a:t>6/13/2018</a:t>
             </a:fld>
             <a:endParaRPr lang="en-US"/>
           </a:p>
@@ -8665,7 +8716,7 @@
           <a:p>
             <a:fld id="{96FB5D56-0812-4ED5-8B52-3D0DCBF578CB}" type="datetimeFigureOut">
               <a:rPr lang="en-US" smtClean="0"/>
-              <a:t>5/28/2018</a:t>
+              <a:t>6/13/2018</a:t>
             </a:fld>
             <a:endParaRPr lang="en-US"/>
           </a:p>
@@ -8944,7 +8995,7 @@
           <a:p>
             <a:fld id="{96FB5D56-0812-4ED5-8B52-3D0DCBF578CB}" type="datetimeFigureOut">
               <a:rPr lang="en-US" smtClean="0"/>
-              <a:t>5/28/2018</a:t>
+              <a:t>6/13/2018</a:t>
             </a:fld>
             <a:endParaRPr lang="en-US"/>
           </a:p>
@@ -9219,7 +9270,7 @@
           <a:p>
             <a:fld id="{96FB5D56-0812-4ED5-8B52-3D0DCBF578CB}" type="datetimeFigureOut">
               <a:rPr lang="en-US" smtClean="0"/>
-              <a:t>5/28/2018</a:t>
+              <a:t>6/13/2018</a:t>
             </a:fld>
             <a:endParaRPr lang="en-US"/>
           </a:p>
@@ -9648,7 +9699,7 @@
           <a:p>
             <a:fld id="{96FB5D56-0812-4ED5-8B52-3D0DCBF578CB}" type="datetimeFigureOut">
               <a:rPr lang="en-US" smtClean="0"/>
-              <a:t>5/28/2018</a:t>
+              <a:t>6/13/2018</a:t>
             </a:fld>
             <a:endParaRPr lang="en-US"/>
           </a:p>
@@ -10951,6 +11002,283 @@
           <a:p>
             <a:r>
               <a:rPr lang="en-US" dirty="0"/>
+              <a:t>CSS Length Unit of Measures</a:t>
+            </a:r>
+          </a:p>
+        </p:txBody>
+      </p:sp>
+      <p:sp>
+        <p:nvSpPr>
+          <p:cNvPr id="8" name="Text Placeholder 7">
+            <a:extLst>
+              <a:ext uri="{FF2B5EF4-FFF2-40B4-BE49-F238E27FC236}">
+                <a16:creationId xmlns:a16="http://schemas.microsoft.com/office/drawing/2014/main" id="{07E9DEF0-3B67-4AE8-991A-D4ECEF471C19}"/>
+              </a:ext>
+            </a:extLst>
+          </p:cNvPr>
+          <p:cNvSpPr>
+            <a:spLocks noGrp="1"/>
+          </p:cNvSpPr>
+          <p:nvPr>
+            <p:ph type="body" idx="1"/>
+          </p:nvPr>
+        </p:nvSpPr>
+        <p:spPr/>
+        <p:txBody>
+          <a:bodyPr/>
+          <a:lstStyle/>
+          <a:p>
+            <a:r>
+              <a:rPr lang="en-US" dirty="0"/>
+              <a:t>Absolute Lengths</a:t>
+            </a:r>
+          </a:p>
+        </p:txBody>
+      </p:sp>
+      <p:sp>
+        <p:nvSpPr>
+          <p:cNvPr id="3" name="Content Placeholder 2">
+            <a:extLst>
+              <a:ext uri="{FF2B5EF4-FFF2-40B4-BE49-F238E27FC236}">
+                <a16:creationId xmlns:a16="http://schemas.microsoft.com/office/drawing/2014/main" id="{78363346-BF30-4E7A-BF5F-71506072ABE5}"/>
+              </a:ext>
+            </a:extLst>
+          </p:cNvPr>
+          <p:cNvSpPr>
+            <a:spLocks noGrp="1"/>
+          </p:cNvSpPr>
+          <p:nvPr>
+            <p:ph sz="half" idx="2"/>
+          </p:nvPr>
+        </p:nvSpPr>
+        <p:spPr>
+          <a:xfrm>
+            <a:off x="461627" y="2541420"/>
+            <a:ext cx="5192868" cy="3741738"/>
+          </a:xfrm>
+        </p:spPr>
+        <p:txBody>
+          <a:bodyPr>
+            <a:normAutofit/>
+          </a:bodyPr>
+          <a:lstStyle/>
+          <a:p>
+            <a:r>
+              <a:rPr lang="en-US" sz="2400" b="1" dirty="0"/>
+              <a:t>px (pixels 1px = 1/96</a:t>
+            </a:r>
+            <a:r>
+              <a:rPr lang="en-US" sz="2400" b="1" baseline="30000" dirty="0"/>
+              <a:t>th</a:t>
+            </a:r>
+            <a:r>
+              <a:rPr lang="en-US" sz="2400" b="1" dirty="0"/>
+              <a:t> of 1in)</a:t>
+            </a:r>
+          </a:p>
+          <a:p>
+            <a:r>
+              <a:rPr lang="en-US" sz="2400" dirty="0"/>
+              <a:t>cm (centimeters 1cm = 37.8px)</a:t>
+            </a:r>
+          </a:p>
+          <a:p>
+            <a:r>
+              <a:rPr lang="en-US" sz="2400" dirty="0"/>
+              <a:t>mm (millimeters 1mm = 3.78px)</a:t>
+            </a:r>
+          </a:p>
+          <a:p>
+            <a:r>
+              <a:rPr lang="en-US" sz="2400" dirty="0"/>
+              <a:t>in (inches 1in = 96px = 2.54cm)</a:t>
+            </a:r>
+          </a:p>
+          <a:p>
+            <a:r>
+              <a:rPr lang="en-US" sz="2400" dirty="0" err="1"/>
+              <a:t>pt</a:t>
+            </a:r>
+            <a:r>
+              <a:rPr lang="en-US" sz="2400" dirty="0"/>
+              <a:t> ( points 1pt = 1/72 of 1 in)</a:t>
+            </a:r>
+          </a:p>
+          <a:p>
+            <a:r>
+              <a:rPr lang="en-US" sz="2400" dirty="0"/>
+              <a:t>pc (picas 1pc = 12pt)</a:t>
+            </a:r>
+          </a:p>
+          <a:p>
+            <a:pPr lvl="1"/>
+            <a:endParaRPr lang="en-US" dirty="0"/>
+          </a:p>
+        </p:txBody>
+      </p:sp>
+      <p:sp>
+        <p:nvSpPr>
+          <p:cNvPr id="12" name="Text Placeholder 11">
+            <a:extLst>
+              <a:ext uri="{FF2B5EF4-FFF2-40B4-BE49-F238E27FC236}">
+                <a16:creationId xmlns:a16="http://schemas.microsoft.com/office/drawing/2014/main" id="{C3F609E7-01F4-4820-97EE-D93EA15BC025}"/>
+              </a:ext>
+            </a:extLst>
+          </p:cNvPr>
+          <p:cNvSpPr>
+            <a:spLocks noGrp="1"/>
+          </p:cNvSpPr>
+          <p:nvPr>
+            <p:ph type="body" sz="quarter" idx="3"/>
+          </p:nvPr>
+        </p:nvSpPr>
+        <p:spPr>
+          <a:xfrm>
+            <a:off x="6692348" y="1905000"/>
+            <a:ext cx="4396339" cy="576262"/>
+          </a:xfrm>
+        </p:spPr>
+        <p:txBody>
+          <a:bodyPr/>
+          <a:lstStyle/>
+          <a:p>
+            <a:r>
+              <a:rPr lang="en-US" dirty="0"/>
+              <a:t>Relative Lengths</a:t>
+            </a:r>
+          </a:p>
+        </p:txBody>
+      </p:sp>
+      <p:sp>
+        <p:nvSpPr>
+          <p:cNvPr id="13" name="Content Placeholder 12">
+            <a:extLst>
+              <a:ext uri="{FF2B5EF4-FFF2-40B4-BE49-F238E27FC236}">
+                <a16:creationId xmlns:a16="http://schemas.microsoft.com/office/drawing/2014/main" id="{2F71EC5B-1F3D-4AD4-8804-E93BBD215084}"/>
+              </a:ext>
+            </a:extLst>
+          </p:cNvPr>
+          <p:cNvSpPr>
+            <a:spLocks noGrp="1"/>
+          </p:cNvSpPr>
+          <p:nvPr>
+            <p:ph sz="quarter" idx="4"/>
+          </p:nvPr>
+        </p:nvSpPr>
+        <p:spPr>
+          <a:xfrm>
+            <a:off x="5863042" y="2529003"/>
+            <a:ext cx="4396339" cy="3741738"/>
+          </a:xfrm>
+        </p:spPr>
+        <p:txBody>
+          <a:bodyPr>
+            <a:normAutofit/>
+          </a:bodyPr>
+          <a:lstStyle/>
+          <a:p>
+            <a:r>
+              <a:rPr lang="en-US" sz="2400" b="1" dirty="0" err="1"/>
+              <a:t>em</a:t>
+            </a:r>
+            <a:r>
+              <a:rPr lang="en-US" sz="2400" b="1" dirty="0"/>
+              <a:t> (font-size of element)</a:t>
+            </a:r>
+          </a:p>
+          <a:p>
+            <a:r>
+              <a:rPr lang="en-US" sz="2400" b="1" dirty="0"/>
+              <a:t>rem (font-size of root)</a:t>
+            </a:r>
+          </a:p>
+          <a:p>
+            <a:r>
+              <a:rPr lang="en-US" sz="2400" b="1" dirty="0"/>
+              <a:t>% (parent element)</a:t>
+            </a:r>
+          </a:p>
+          <a:p>
+            <a:r>
+              <a:rPr lang="en-US" sz="2400" dirty="0" err="1"/>
+              <a:t>vw</a:t>
+            </a:r>
+            <a:r>
+              <a:rPr lang="en-US" sz="2400" dirty="0"/>
+              <a:t> (1% width of viewport)</a:t>
+            </a:r>
+          </a:p>
+          <a:p>
+            <a:r>
+              <a:rPr lang="en-US" sz="2400" dirty="0" err="1"/>
+              <a:t>vh</a:t>
+            </a:r>
+            <a:r>
+              <a:rPr lang="en-US" sz="2400" dirty="0"/>
+              <a:t> (1% height of viewport)</a:t>
+            </a:r>
+          </a:p>
+          <a:p>
+            <a:pPr marL="0" indent="0">
+              <a:buNone/>
+            </a:pPr>
+            <a:br>
+              <a:rPr lang="en-US" sz="2400" dirty="0"/>
+            </a:br>
+            <a:r>
+              <a:rPr lang="en-US" sz="2400" dirty="0"/>
+              <a:t>*viewport – visible area of a web page</a:t>
+            </a:r>
+          </a:p>
+        </p:txBody>
+      </p:sp>
+    </p:spTree>
+    <p:extLst>
+      <p:ext uri="{BB962C8B-B14F-4D97-AF65-F5344CB8AC3E}">
+        <p14:creationId xmlns:p14="http://schemas.microsoft.com/office/powerpoint/2010/main" val="2343024286"/>
+      </p:ext>
+    </p:extLst>
+  </p:cSld>
+  <p:clrMapOvr>
+    <a:masterClrMapping/>
+  </p:clrMapOvr>
+</p:sld>
+</file>
+
+<file path=ppt/slides/slide15.xml><?xml version="1.0" encoding="utf-8"?>
+<p:sld xmlns:a="http://schemas.openxmlformats.org/drawingml/2006/main" xmlns:r="http://schemas.openxmlformats.org/officeDocument/2006/relationships" xmlns:p="http://schemas.openxmlformats.org/presentationml/2006/main">
+  <p:cSld>
+    <p:spTree>
+      <p:nvGrpSpPr>
+        <p:cNvPr id="1" name=""/>
+        <p:cNvGrpSpPr/>
+        <p:nvPr/>
+      </p:nvGrpSpPr>
+      <p:grpSpPr>
+        <a:xfrm>
+          <a:off x="0" y="0"/>
+          <a:ext cx="0" cy="0"/>
+          <a:chOff x="0" y="0"/>
+          <a:chExt cx="0" cy="0"/>
+        </a:xfrm>
+      </p:grpSpPr>
+      <p:sp>
+        <p:nvSpPr>
+          <p:cNvPr id="2" name="Title 1"/>
+          <p:cNvSpPr>
+            <a:spLocks noGrp="1"/>
+          </p:cNvSpPr>
+          <p:nvPr>
+            <p:ph type="title"/>
+          </p:nvPr>
+        </p:nvSpPr>
+        <p:spPr/>
+        <p:txBody>
+          <a:bodyPr/>
+          <a:lstStyle/>
+          <a:p>
+            <a:r>
+              <a:rPr lang="en-US" dirty="0"/>
               <a:t>EXAMPLE</a:t>
             </a:r>
           </a:p>
@@ -11021,199 +11349,6 @@
 </p:sld>
 </file>
 
-<file path=ppt/slides/slide15.xml><?xml version="1.0" encoding="utf-8"?>
-<p:sld xmlns:a="http://schemas.openxmlformats.org/drawingml/2006/main" xmlns:r="http://schemas.openxmlformats.org/officeDocument/2006/relationships" xmlns:p="http://schemas.openxmlformats.org/presentationml/2006/main">
-  <p:cSld>
-    <p:spTree>
-      <p:nvGrpSpPr>
-        <p:cNvPr id="1" name=""/>
-        <p:cNvGrpSpPr/>
-        <p:nvPr/>
-      </p:nvGrpSpPr>
-      <p:grpSpPr>
-        <a:xfrm>
-          <a:off x="0" y="0"/>
-          <a:ext cx="0" cy="0"/>
-          <a:chOff x="0" y="0"/>
-          <a:chExt cx="0" cy="0"/>
-        </a:xfrm>
-      </p:grpSpPr>
-      <p:sp>
-        <p:nvSpPr>
-          <p:cNvPr id="2" name="Title 1"/>
-          <p:cNvSpPr>
-            <a:spLocks noGrp="1"/>
-          </p:cNvSpPr>
-          <p:nvPr>
-            <p:ph type="title"/>
-          </p:nvPr>
-        </p:nvSpPr>
-        <p:spPr/>
-        <p:txBody>
-          <a:bodyPr/>
-          <a:lstStyle/>
-          <a:p>
-            <a:r>
-              <a:rPr lang="en-US" dirty="0"/>
-              <a:t>Display</a:t>
-            </a:r>
-          </a:p>
-        </p:txBody>
-      </p:sp>
-      <p:sp>
-        <p:nvSpPr>
-          <p:cNvPr id="3" name="Content Placeholder 2"/>
-          <p:cNvSpPr>
-            <a:spLocks noGrp="1"/>
-          </p:cNvSpPr>
-          <p:nvPr>
-            <p:ph sz="half" idx="1"/>
-          </p:nvPr>
-        </p:nvSpPr>
-        <p:spPr/>
-        <p:txBody>
-          <a:bodyPr>
-            <a:normAutofit/>
-          </a:bodyPr>
-          <a:lstStyle/>
-          <a:p>
-            <a:r>
-              <a:rPr lang="en-US" sz="2000" dirty="0"/>
-              <a:t>Options:</a:t>
-            </a:r>
-          </a:p>
-          <a:p>
-            <a:pPr lvl="1"/>
-            <a:r>
-              <a:rPr lang="en-US" sz="2000" dirty="0"/>
-              <a:t>inline</a:t>
-            </a:r>
-          </a:p>
-          <a:p>
-            <a:pPr lvl="1"/>
-            <a:r>
-              <a:rPr lang="en-US" sz="2000" dirty="0"/>
-              <a:t>block</a:t>
-            </a:r>
-          </a:p>
-          <a:p>
-            <a:pPr lvl="1"/>
-            <a:r>
-              <a:rPr lang="en-US" sz="2000" dirty="0"/>
-              <a:t>flex</a:t>
-            </a:r>
-          </a:p>
-          <a:p>
-            <a:pPr lvl="1"/>
-            <a:r>
-              <a:rPr lang="en-US" sz="2000" dirty="0"/>
-              <a:t>inline-block</a:t>
-            </a:r>
-          </a:p>
-          <a:p>
-            <a:pPr lvl="1"/>
-            <a:r>
-              <a:rPr lang="en-US" sz="2000" dirty="0" err="1"/>
-              <a:t>infline</a:t>
-            </a:r>
-            <a:r>
-              <a:rPr lang="en-US" sz="2000" dirty="0"/>
-              <a:t>-flex</a:t>
-            </a:r>
-          </a:p>
-          <a:p>
-            <a:pPr lvl="1"/>
-            <a:r>
-              <a:rPr lang="en-US" sz="2000" dirty="0"/>
-              <a:t>table</a:t>
-            </a:r>
-          </a:p>
-          <a:p>
-            <a:pPr lvl="1"/>
-            <a:r>
-              <a:rPr lang="en-US" sz="2000" dirty="0"/>
-              <a:t>none</a:t>
-            </a:r>
-          </a:p>
-          <a:p>
-            <a:pPr lvl="1"/>
-            <a:r>
-              <a:rPr lang="en-US" sz="2000" dirty="0"/>
-              <a:t>etc...</a:t>
-            </a:r>
-          </a:p>
-        </p:txBody>
-      </p:sp>
-      <p:sp>
-        <p:nvSpPr>
-          <p:cNvPr id="4" name="Content Placeholder 3"/>
-          <p:cNvSpPr>
-            <a:spLocks noGrp="1"/>
-          </p:cNvSpPr>
-          <p:nvPr>
-            <p:ph sz="half" idx="2"/>
-          </p:nvPr>
-        </p:nvSpPr>
-        <p:spPr/>
-        <p:txBody>
-          <a:bodyPr>
-            <a:normAutofit/>
-          </a:bodyPr>
-          <a:lstStyle/>
-          <a:p>
-            <a:r>
-              <a:rPr lang="en-US" sz="2400" dirty="0" err="1"/>
-              <a:t>Display:none</a:t>
-            </a:r>
-            <a:r>
-              <a:rPr lang="en-US" sz="2400" dirty="0"/>
-              <a:t> vs. Visibility</a:t>
-            </a:r>
-          </a:p>
-          <a:p>
-            <a:r>
-              <a:rPr lang="en-US" sz="2400" dirty="0"/>
-              <a:t>Display Examples:  </a:t>
-            </a:r>
-            <a:r>
-              <a:rPr lang="en-US" sz="2400" dirty="0">
-                <a:hlinkClick r:id="rId3"/>
-              </a:rPr>
-              <a:t>https://css-tricks.com/almanac/properties/d/display/</a:t>
-            </a:r>
-            <a:endParaRPr lang="en-US" sz="2400" dirty="0"/>
-          </a:p>
-          <a:p>
-            <a:r>
-              <a:rPr lang="en-US" sz="2400" dirty="0"/>
-              <a:t>Flexbox Examples:  </a:t>
-            </a:r>
-            <a:r>
-              <a:rPr lang="en-US" sz="2400" dirty="0">
-                <a:hlinkClick r:id="rId4"/>
-              </a:rPr>
-              <a:t>https://css-tricks.com/snippets/css/a-guide-to-flexbox/</a:t>
-            </a:r>
-            <a:endParaRPr lang="en-US" sz="2400" dirty="0"/>
-          </a:p>
-          <a:p>
-            <a:endParaRPr lang="en-US" dirty="0"/>
-          </a:p>
-        </p:txBody>
-      </p:sp>
-    </p:spTree>
-    <p:extLst>
-      <p:ext uri="{BB962C8B-B14F-4D97-AF65-F5344CB8AC3E}">
-        <p14:creationId xmlns:p14="http://schemas.microsoft.com/office/powerpoint/2010/main" val="2833195419"/>
-      </p:ext>
-    </p:extLst>
-  </p:cSld>
-  <p:clrMapOvr>
-    <a:masterClrMapping/>
-  </p:clrMapOvr>
-</p:sld>
-</file>
-
 <file path=ppt/slides/slide16.xml><?xml version="1.0" encoding="utf-8"?>
 <p:sld xmlns:a="http://schemas.openxmlformats.org/drawingml/2006/main" xmlns:r="http://schemas.openxmlformats.org/officeDocument/2006/relationships" xmlns:p="http://schemas.openxmlformats.org/presentationml/2006/main">
   <p:cSld>
@@ -11248,7 +11383,7 @@
           <a:p>
             <a:r>
               <a:rPr lang="en-US" dirty="0"/>
-              <a:t>Position</a:t>
+              <a:t>Display</a:t>
             </a:r>
           </a:p>
         </p:txBody>
@@ -11260,7 +11395,7 @@
             <a:spLocks noGrp="1"/>
           </p:cNvSpPr>
           <p:nvPr>
-            <p:ph idx="1"/>
+            <p:ph sz="half" idx="1"/>
           </p:nvPr>
         </p:nvSpPr>
         <p:spPr/>
@@ -11271,55 +11406,125 @@
           <a:lstStyle/>
           <a:p>
             <a:r>
-              <a:rPr lang="en-US" sz="2800" dirty="0"/>
+              <a:rPr lang="en-US" sz="2000" dirty="0"/>
               <a:t>Options:</a:t>
             </a:r>
           </a:p>
           <a:p>
             <a:pPr lvl="1"/>
             <a:r>
-              <a:rPr lang="en-US" sz="2800" dirty="0"/>
-              <a:t>static</a:t>
+              <a:rPr lang="en-US" sz="2000" dirty="0"/>
+              <a:t>inline</a:t>
             </a:r>
           </a:p>
           <a:p>
             <a:pPr lvl="1"/>
             <a:r>
-              <a:rPr lang="en-US" sz="2800" dirty="0"/>
-              <a:t>relative</a:t>
+              <a:rPr lang="en-US" sz="2000" dirty="0"/>
+              <a:t>block</a:t>
             </a:r>
           </a:p>
           <a:p>
             <a:pPr lvl="1"/>
             <a:r>
-              <a:rPr lang="en-US" sz="2800" dirty="0"/>
-              <a:t>fixed</a:t>
+              <a:rPr lang="en-US" sz="2000" dirty="0"/>
+              <a:t>flex</a:t>
             </a:r>
           </a:p>
           <a:p>
             <a:pPr lvl="1"/>
             <a:r>
-              <a:rPr lang="en-US" sz="2800" dirty="0"/>
-              <a:t>absolute</a:t>
-            </a:r>
-          </a:p>
-          <a:p>
-            <a:r>
-              <a:rPr lang="en-US" sz="2800" dirty="0"/>
-              <a:t>Examples:  </a:t>
-            </a:r>
-            <a:r>
-              <a:rPr lang="en-US" sz="2800" dirty="0">
+              <a:rPr lang="en-US" sz="2000" dirty="0"/>
+              <a:t>inline-block</a:t>
+            </a:r>
+          </a:p>
+          <a:p>
+            <a:pPr lvl="1"/>
+            <a:r>
+              <a:rPr lang="en-US" sz="2000" dirty="0" err="1"/>
+              <a:t>infline</a:t>
+            </a:r>
+            <a:r>
+              <a:rPr lang="en-US" sz="2000" dirty="0"/>
+              <a:t>-flex</a:t>
+            </a:r>
+          </a:p>
+          <a:p>
+            <a:pPr lvl="1"/>
+            <a:r>
+              <a:rPr lang="en-US" sz="2000" dirty="0"/>
+              <a:t>table</a:t>
+            </a:r>
+          </a:p>
+          <a:p>
+            <a:pPr lvl="1"/>
+            <a:r>
+              <a:rPr lang="en-US" sz="2000" dirty="0"/>
+              <a:t>none</a:t>
+            </a:r>
+          </a:p>
+          <a:p>
+            <a:pPr lvl="1"/>
+            <a:r>
+              <a:rPr lang="en-US" sz="2000" dirty="0"/>
+              <a:t>etc...</a:t>
+            </a:r>
+          </a:p>
+        </p:txBody>
+      </p:sp>
+      <p:sp>
+        <p:nvSpPr>
+          <p:cNvPr id="4" name="Content Placeholder 3"/>
+          <p:cNvSpPr>
+            <a:spLocks noGrp="1"/>
+          </p:cNvSpPr>
+          <p:nvPr>
+            <p:ph sz="half" idx="2"/>
+          </p:nvPr>
+        </p:nvSpPr>
+        <p:spPr/>
+        <p:txBody>
+          <a:bodyPr>
+            <a:normAutofit/>
+          </a:bodyPr>
+          <a:lstStyle/>
+          <a:p>
+            <a:r>
+              <a:rPr lang="en-US" sz="2400" dirty="0" err="1"/>
+              <a:t>Display:none</a:t>
+            </a:r>
+            <a:r>
+              <a:rPr lang="en-US" sz="2400" dirty="0"/>
+              <a:t> vs. Visibility</a:t>
+            </a:r>
+          </a:p>
+          <a:p>
+            <a:r>
+              <a:rPr lang="en-US" sz="2400" dirty="0"/>
+              <a:t>Display Examples:  </a:t>
+            </a:r>
+            <a:r>
+              <a:rPr lang="en-US" sz="2400" dirty="0">
                 <a:hlinkClick r:id="rId3"/>
               </a:rPr>
-              <a:t>http://learnlayout.com/position.html</a:t>
-            </a:r>
-            <a:endParaRPr lang="en-US" sz="2800" dirty="0"/>
-          </a:p>
-          <a:p>
-            <a:pPr marL="45720" indent="0">
-              <a:buNone/>
-            </a:pPr>
+              <a:t>https://css-tricks.com/almanac/properties/d/display/</a:t>
+            </a:r>
+            <a:endParaRPr lang="en-US" sz="2400" dirty="0"/>
+          </a:p>
+          <a:p>
+            <a:r>
+              <a:rPr lang="en-US" sz="2400" dirty="0"/>
+              <a:t>Flexbox Examples:  </a:t>
+            </a:r>
+            <a:r>
+              <a:rPr lang="en-US" sz="2400" dirty="0">
+                <a:hlinkClick r:id="rId4"/>
+              </a:rPr>
+              <a:t>https://css-tricks.com/snippets/css/a-guide-to-flexbox/</a:t>
+            </a:r>
+            <a:endParaRPr lang="en-US" sz="2400" dirty="0"/>
+          </a:p>
+          <a:p>
             <a:endParaRPr lang="en-US" dirty="0"/>
           </a:p>
         </p:txBody>
@@ -11327,7 +11532,7 @@
     </p:spTree>
     <p:extLst>
       <p:ext uri="{BB962C8B-B14F-4D97-AF65-F5344CB8AC3E}">
-        <p14:creationId xmlns:p14="http://schemas.microsoft.com/office/powerpoint/2010/main" val="577320681"/>
+        <p14:creationId xmlns:p14="http://schemas.microsoft.com/office/powerpoint/2010/main" val="2833195419"/>
       </p:ext>
     </p:extLst>
   </p:cSld>
@@ -11371,6 +11576,129 @@
           <a:p>
             <a:r>
               <a:rPr lang="en-US" dirty="0"/>
+              <a:t>Position</a:t>
+            </a:r>
+          </a:p>
+        </p:txBody>
+      </p:sp>
+      <p:sp>
+        <p:nvSpPr>
+          <p:cNvPr id="3" name="Content Placeholder 2"/>
+          <p:cNvSpPr>
+            <a:spLocks noGrp="1"/>
+          </p:cNvSpPr>
+          <p:nvPr>
+            <p:ph idx="1"/>
+          </p:nvPr>
+        </p:nvSpPr>
+        <p:spPr/>
+        <p:txBody>
+          <a:bodyPr>
+            <a:normAutofit/>
+          </a:bodyPr>
+          <a:lstStyle/>
+          <a:p>
+            <a:r>
+              <a:rPr lang="en-US" sz="2800" dirty="0"/>
+              <a:t>Options:</a:t>
+            </a:r>
+          </a:p>
+          <a:p>
+            <a:pPr lvl="1"/>
+            <a:r>
+              <a:rPr lang="en-US" sz="2800" dirty="0"/>
+              <a:t>static</a:t>
+            </a:r>
+          </a:p>
+          <a:p>
+            <a:pPr lvl="1"/>
+            <a:r>
+              <a:rPr lang="en-US" sz="2800" dirty="0"/>
+              <a:t>relative</a:t>
+            </a:r>
+          </a:p>
+          <a:p>
+            <a:pPr lvl="1"/>
+            <a:r>
+              <a:rPr lang="en-US" sz="2800" dirty="0"/>
+              <a:t>fixed</a:t>
+            </a:r>
+          </a:p>
+          <a:p>
+            <a:pPr lvl="1"/>
+            <a:r>
+              <a:rPr lang="en-US" sz="2800" dirty="0"/>
+              <a:t>absolute</a:t>
+            </a:r>
+          </a:p>
+          <a:p>
+            <a:r>
+              <a:rPr lang="en-US" sz="2800" dirty="0"/>
+              <a:t>Examples:  </a:t>
+            </a:r>
+            <a:r>
+              <a:rPr lang="en-US" sz="2800" dirty="0">
+                <a:hlinkClick r:id="rId3"/>
+              </a:rPr>
+              <a:t>http://learnlayout.com/position.html</a:t>
+            </a:r>
+            <a:endParaRPr lang="en-US" sz="2800" dirty="0"/>
+          </a:p>
+          <a:p>
+            <a:pPr marL="45720" indent="0">
+              <a:buNone/>
+            </a:pPr>
+            <a:endParaRPr lang="en-US" dirty="0"/>
+          </a:p>
+        </p:txBody>
+      </p:sp>
+    </p:spTree>
+    <p:extLst>
+      <p:ext uri="{BB962C8B-B14F-4D97-AF65-F5344CB8AC3E}">
+        <p14:creationId xmlns:p14="http://schemas.microsoft.com/office/powerpoint/2010/main" val="577320681"/>
+      </p:ext>
+    </p:extLst>
+  </p:cSld>
+  <p:clrMapOvr>
+    <a:masterClrMapping/>
+  </p:clrMapOvr>
+</p:sld>
+</file>
+
+<file path=ppt/slides/slide18.xml><?xml version="1.0" encoding="utf-8"?>
+<p:sld xmlns:a="http://schemas.openxmlformats.org/drawingml/2006/main" xmlns:r="http://schemas.openxmlformats.org/officeDocument/2006/relationships" xmlns:p="http://schemas.openxmlformats.org/presentationml/2006/main">
+  <p:cSld>
+    <p:spTree>
+      <p:nvGrpSpPr>
+        <p:cNvPr id="1" name=""/>
+        <p:cNvGrpSpPr/>
+        <p:nvPr/>
+      </p:nvGrpSpPr>
+      <p:grpSpPr>
+        <a:xfrm>
+          <a:off x="0" y="0"/>
+          <a:ext cx="0" cy="0"/>
+          <a:chOff x="0" y="0"/>
+          <a:chExt cx="0" cy="0"/>
+        </a:xfrm>
+      </p:grpSpPr>
+      <p:sp>
+        <p:nvSpPr>
+          <p:cNvPr id="2" name="Title 1"/>
+          <p:cNvSpPr>
+            <a:spLocks noGrp="1"/>
+          </p:cNvSpPr>
+          <p:nvPr>
+            <p:ph type="title"/>
+          </p:nvPr>
+        </p:nvSpPr>
+        <p:spPr/>
+        <p:txBody>
+          <a:bodyPr/>
+          <a:lstStyle/>
+          <a:p>
+            <a:r>
+              <a:rPr lang="en-US" dirty="0"/>
               <a:t>Float</a:t>
             </a:r>
           </a:p>
@@ -11559,7 +11887,7 @@
 </p:sld>
 </file>
 
-<file path=ppt/slides/slide18.xml><?xml version="1.0" encoding="utf-8"?>
+<file path=ppt/slides/slide19.xml><?xml version="1.0" encoding="utf-8"?>
 <p:sld xmlns:a="http://schemas.openxmlformats.org/drawingml/2006/main" xmlns:r="http://schemas.openxmlformats.org/officeDocument/2006/relationships" xmlns:p="http://schemas.openxmlformats.org/presentationml/2006/main">
   <p:cSld>
     <p:spTree>
@@ -11663,7 +11991,107 @@
 </p:sld>
 </file>
 
-<file path=ppt/slides/slide19.xml><?xml version="1.0" encoding="utf-8"?>
+<file path=ppt/slides/slide2.xml><?xml version="1.0" encoding="utf-8"?>
+<p:sld xmlns:a="http://schemas.openxmlformats.org/drawingml/2006/main" xmlns:r="http://schemas.openxmlformats.org/officeDocument/2006/relationships" xmlns:p="http://schemas.openxmlformats.org/presentationml/2006/main">
+  <p:cSld>
+    <p:spTree>
+      <p:nvGrpSpPr>
+        <p:cNvPr id="1" name=""/>
+        <p:cNvGrpSpPr/>
+        <p:nvPr/>
+      </p:nvGrpSpPr>
+      <p:grpSpPr>
+        <a:xfrm>
+          <a:off x="0" y="0"/>
+          <a:ext cx="0" cy="0"/>
+          <a:chOff x="0" y="0"/>
+          <a:chExt cx="0" cy="0"/>
+        </a:xfrm>
+      </p:grpSpPr>
+      <p:sp>
+        <p:nvSpPr>
+          <p:cNvPr id="2" name="Title 1"/>
+          <p:cNvSpPr>
+            <a:spLocks noGrp="1"/>
+          </p:cNvSpPr>
+          <p:nvPr>
+            <p:ph type="title"/>
+          </p:nvPr>
+        </p:nvSpPr>
+        <p:spPr/>
+        <p:txBody>
+          <a:bodyPr/>
+          <a:lstStyle/>
+          <a:p>
+            <a:r>
+              <a:rPr lang="en-US" dirty="0"/>
+              <a:t>What is CSS?</a:t>
+            </a:r>
+          </a:p>
+        </p:txBody>
+      </p:sp>
+      <p:sp>
+        <p:nvSpPr>
+          <p:cNvPr id="3" name="Content Placeholder 2"/>
+          <p:cNvSpPr>
+            <a:spLocks noGrp="1"/>
+          </p:cNvSpPr>
+          <p:nvPr>
+            <p:ph idx="1"/>
+          </p:nvPr>
+        </p:nvSpPr>
+        <p:spPr/>
+        <p:txBody>
+          <a:bodyPr>
+            <a:normAutofit/>
+          </a:bodyPr>
+          <a:lstStyle/>
+          <a:p>
+            <a:r>
+              <a:rPr lang="en-US" sz="2800" dirty="0"/>
+              <a:t>HTML provides the definition of the page</a:t>
+            </a:r>
+          </a:p>
+          <a:p>
+            <a:r>
+              <a:rPr lang="en-US" sz="2800" dirty="0"/>
+              <a:t>CSS provides the styling for the page</a:t>
+            </a:r>
+          </a:p>
+          <a:p>
+            <a:r>
+              <a:rPr lang="en-US" sz="2800" dirty="0"/>
+              <a:t>It’s best to keep these separate</a:t>
+            </a:r>
+          </a:p>
+          <a:p>
+            <a:r>
+              <a:rPr lang="en-US" sz="2800" dirty="0"/>
+              <a:t>Cascading Style Sheets</a:t>
+            </a:r>
+          </a:p>
+          <a:p>
+            <a:r>
+              <a:rPr lang="en-US" sz="2800" dirty="0"/>
+              <a:t>If multiple styles applied, styles will override based on the hierarchy</a:t>
+            </a:r>
+          </a:p>
+        </p:txBody>
+      </p:sp>
+    </p:spTree>
+    <p:extLst>
+      <p:ext uri="{BB962C8B-B14F-4D97-AF65-F5344CB8AC3E}">
+        <p14:creationId xmlns:p14="http://schemas.microsoft.com/office/powerpoint/2010/main" val="98690558"/>
+      </p:ext>
+    </p:extLst>
+  </p:cSld>
+  <p:clrMapOvr>
+    <a:masterClrMapping/>
+  </p:clrMapOvr>
+</p:sld>
+</file>
+
+<file path=ppt/slides/slide20.xml><?xml version="1.0" encoding="utf-8"?>
 <p:sld xmlns:a="http://schemas.openxmlformats.org/drawingml/2006/main" xmlns:r="http://schemas.openxmlformats.org/officeDocument/2006/relationships" xmlns:p="http://schemas.openxmlformats.org/presentationml/2006/main">
   <p:cSld>
     <p:spTree>
@@ -11777,7 +12205,7 @@
 </p:sld>
 </file>
 
-<file path=ppt/slides/slide2.xml><?xml version="1.0" encoding="utf-8"?>
+<file path=ppt/slides/slide21.xml><?xml version="1.0" encoding="utf-8"?>
 <p:sld xmlns:a="http://schemas.openxmlformats.org/drawingml/2006/main" xmlns:r="http://schemas.openxmlformats.org/officeDocument/2006/relationships" xmlns:p="http://schemas.openxmlformats.org/presentationml/2006/main">
   <p:cSld>
     <p:spTree>
@@ -11811,106 +12239,6 @@
           <a:p>
             <a:r>
               <a:rPr lang="en-US" dirty="0"/>
-              <a:t>What is CSS?</a:t>
-            </a:r>
-          </a:p>
-        </p:txBody>
-      </p:sp>
-      <p:sp>
-        <p:nvSpPr>
-          <p:cNvPr id="3" name="Content Placeholder 2"/>
-          <p:cNvSpPr>
-            <a:spLocks noGrp="1"/>
-          </p:cNvSpPr>
-          <p:nvPr>
-            <p:ph idx="1"/>
-          </p:nvPr>
-        </p:nvSpPr>
-        <p:spPr/>
-        <p:txBody>
-          <a:bodyPr>
-            <a:normAutofit/>
-          </a:bodyPr>
-          <a:lstStyle/>
-          <a:p>
-            <a:r>
-              <a:rPr lang="en-US" sz="2800" dirty="0"/>
-              <a:t>HTML provides the definition of the page</a:t>
-            </a:r>
-          </a:p>
-          <a:p>
-            <a:r>
-              <a:rPr lang="en-US" sz="2800" dirty="0"/>
-              <a:t>CSS provides the styling for the page</a:t>
-            </a:r>
-          </a:p>
-          <a:p>
-            <a:r>
-              <a:rPr lang="en-US" sz="2800" dirty="0"/>
-              <a:t>It’s best to keep these separate</a:t>
-            </a:r>
-          </a:p>
-          <a:p>
-            <a:r>
-              <a:rPr lang="en-US" sz="2800" dirty="0"/>
-              <a:t>Cascading Style Sheets</a:t>
-            </a:r>
-          </a:p>
-          <a:p>
-            <a:r>
-              <a:rPr lang="en-US" sz="2800" dirty="0"/>
-              <a:t>If multiple styles applied, styles will override based on the hierarchy</a:t>
-            </a:r>
-          </a:p>
-        </p:txBody>
-      </p:sp>
-    </p:spTree>
-    <p:extLst>
-      <p:ext uri="{BB962C8B-B14F-4D97-AF65-F5344CB8AC3E}">
-        <p14:creationId xmlns:p14="http://schemas.microsoft.com/office/powerpoint/2010/main" val="98690558"/>
-      </p:ext>
-    </p:extLst>
-  </p:cSld>
-  <p:clrMapOvr>
-    <a:masterClrMapping/>
-  </p:clrMapOvr>
-</p:sld>
-</file>
-
-<file path=ppt/slides/slide20.xml><?xml version="1.0" encoding="utf-8"?>
-<p:sld xmlns:a="http://schemas.openxmlformats.org/drawingml/2006/main" xmlns:r="http://schemas.openxmlformats.org/officeDocument/2006/relationships" xmlns:p="http://schemas.openxmlformats.org/presentationml/2006/main">
-  <p:cSld>
-    <p:spTree>
-      <p:nvGrpSpPr>
-        <p:cNvPr id="1" name=""/>
-        <p:cNvGrpSpPr/>
-        <p:nvPr/>
-      </p:nvGrpSpPr>
-      <p:grpSpPr>
-        <a:xfrm>
-          <a:off x="0" y="0"/>
-          <a:ext cx="0" cy="0"/>
-          <a:chOff x="0" y="0"/>
-          <a:chExt cx="0" cy="0"/>
-        </a:xfrm>
-      </p:grpSpPr>
-      <p:sp>
-        <p:nvSpPr>
-          <p:cNvPr id="2" name="Title 1"/>
-          <p:cNvSpPr>
-            <a:spLocks noGrp="1"/>
-          </p:cNvSpPr>
-          <p:nvPr>
-            <p:ph type="title"/>
-          </p:nvPr>
-        </p:nvSpPr>
-        <p:spPr/>
-        <p:txBody>
-          <a:bodyPr/>
-          <a:lstStyle/>
-          <a:p>
-            <a:r>
-              <a:rPr lang="en-US" dirty="0"/>
               <a:t>Assignment</a:t>
             </a:r>
           </a:p>
@@ -11942,9 +12270,16 @@
               <a:rPr lang="en-US" sz="4000" dirty="0"/>
               <a:t>Style the report so the image is to the right of the data table using floats.</a:t>
             </a:r>
-          </a:p>
-          <a:p>
             <a:endParaRPr lang="en-US" sz="2800" dirty="0"/>
+          </a:p>
+          <a:p>
+            <a:r>
+              <a:rPr lang="en-US" sz="4000" dirty="0"/>
+              <a:t>Then do it using flexbox</a:t>
+            </a:r>
+          </a:p>
+          <a:p>
+            <a:endParaRPr lang="en-US" sz="4000" dirty="0"/>
           </a:p>
         </p:txBody>
       </p:sp>
@@ -11990,182 +12325,6 @@
 </p:sld>
 </file>
 
-<file path=ppt/slides/slide21.xml><?xml version="1.0" encoding="utf-8"?>
-<p:sld xmlns:a="http://schemas.openxmlformats.org/drawingml/2006/main" xmlns:r="http://schemas.openxmlformats.org/officeDocument/2006/relationships" xmlns:p="http://schemas.openxmlformats.org/presentationml/2006/main">
-  <p:cSld>
-    <p:spTree>
-      <p:nvGrpSpPr>
-        <p:cNvPr id="1" name=""/>
-        <p:cNvGrpSpPr/>
-        <p:nvPr/>
-      </p:nvGrpSpPr>
-      <p:grpSpPr>
-        <a:xfrm>
-          <a:off x="0" y="0"/>
-          <a:ext cx="0" cy="0"/>
-          <a:chOff x="0" y="0"/>
-          <a:chExt cx="0" cy="0"/>
-        </a:xfrm>
-      </p:grpSpPr>
-      <p:sp>
-        <p:nvSpPr>
-          <p:cNvPr id="2" name="Title 1"/>
-          <p:cNvSpPr>
-            <a:spLocks noGrp="1"/>
-          </p:cNvSpPr>
-          <p:nvPr>
-            <p:ph type="title"/>
-          </p:nvPr>
-        </p:nvSpPr>
-        <p:spPr/>
-        <p:txBody>
-          <a:bodyPr/>
-          <a:lstStyle/>
-          <a:p>
-            <a:r>
-              <a:rPr lang="en-US" dirty="0"/>
-              <a:t>Alignment</a:t>
-            </a:r>
-          </a:p>
-        </p:txBody>
-      </p:sp>
-      <p:sp>
-        <p:nvSpPr>
-          <p:cNvPr id="3" name="Content Placeholder 2"/>
-          <p:cNvSpPr>
-            <a:spLocks noGrp="1"/>
-          </p:cNvSpPr>
-          <p:nvPr>
-            <p:ph sz="half" idx="1"/>
-          </p:nvPr>
-        </p:nvSpPr>
-        <p:spPr/>
-        <p:txBody>
-          <a:bodyPr>
-            <a:normAutofit/>
-          </a:bodyPr>
-          <a:lstStyle/>
-          <a:p>
-            <a:r>
-              <a:rPr lang="en-US" sz="2400" dirty="0"/>
-              <a:t>Center Align Block Element or image</a:t>
-            </a:r>
-          </a:p>
-          <a:p>
-            <a:pPr lvl="1"/>
-            <a:r>
-              <a:rPr lang="en-US" sz="2400" dirty="0"/>
-              <a:t>margin: auto;</a:t>
-            </a:r>
-          </a:p>
-          <a:p>
-            <a:r>
-              <a:rPr lang="en-US" sz="2400" dirty="0"/>
-              <a:t>Center Align Text</a:t>
-            </a:r>
-          </a:p>
-          <a:p>
-            <a:pPr lvl="1"/>
-            <a:r>
-              <a:rPr lang="en-US" sz="2400" dirty="0"/>
-              <a:t>text-align: center;</a:t>
-            </a:r>
-          </a:p>
-          <a:p>
-            <a:r>
-              <a:rPr lang="en-US" sz="2400" dirty="0"/>
-              <a:t>Absolute Position Alignment</a:t>
-            </a:r>
-          </a:p>
-          <a:p>
-            <a:pPr lvl="1"/>
-            <a:r>
-              <a:rPr lang="en-US" sz="2400" dirty="0"/>
-              <a:t>position: absolute</a:t>
-            </a:r>
-          </a:p>
-          <a:p>
-            <a:pPr lvl="1"/>
-            <a:r>
-              <a:rPr lang="en-US" sz="2400" dirty="0"/>
-              <a:t>right: 0px; or left: 0px;</a:t>
-            </a:r>
-          </a:p>
-        </p:txBody>
-      </p:sp>
-      <p:sp>
-        <p:nvSpPr>
-          <p:cNvPr id="4" name="Content Placeholder 3"/>
-          <p:cNvSpPr>
-            <a:spLocks noGrp="1"/>
-          </p:cNvSpPr>
-          <p:nvPr>
-            <p:ph sz="half" idx="2"/>
-          </p:nvPr>
-        </p:nvSpPr>
-        <p:spPr/>
-        <p:txBody>
-          <a:bodyPr>
-            <a:normAutofit/>
-          </a:bodyPr>
-          <a:lstStyle/>
-          <a:p>
-            <a:r>
-              <a:rPr lang="en-US" sz="2400" dirty="0"/>
-              <a:t>Float Alignment</a:t>
-            </a:r>
-          </a:p>
-          <a:p>
-            <a:pPr lvl="1"/>
-            <a:r>
-              <a:rPr lang="en-US" sz="2400" dirty="0"/>
-              <a:t>float: right; or float: left;</a:t>
-            </a:r>
-          </a:p>
-          <a:p>
-            <a:r>
-              <a:rPr lang="en-US" sz="2400" dirty="0"/>
-              <a:t>Center Vertically with Padding</a:t>
-            </a:r>
-          </a:p>
-          <a:p>
-            <a:pPr lvl="1"/>
-            <a:r>
-              <a:rPr lang="en-US" sz="2400" dirty="0"/>
-              <a:t>padding: 70px 0;</a:t>
-            </a:r>
-          </a:p>
-          <a:p>
-            <a:r>
-              <a:rPr lang="en-US" sz="2400" dirty="0"/>
-              <a:t>Example:  </a:t>
-            </a:r>
-            <a:r>
-              <a:rPr lang="en-US" sz="2400" dirty="0">
-                <a:hlinkClick r:id="rId3"/>
-              </a:rPr>
-              <a:t>https://www.w3schools.com/css/css_align.asp</a:t>
-            </a:r>
-            <a:endParaRPr lang="en-US" sz="2400" dirty="0"/>
-          </a:p>
-          <a:p>
-            <a:endParaRPr lang="en-US" dirty="0"/>
-          </a:p>
-        </p:txBody>
-      </p:sp>
-    </p:spTree>
-    <p:extLst>
-      <p:ext uri="{BB962C8B-B14F-4D97-AF65-F5344CB8AC3E}">
-        <p14:creationId xmlns:p14="http://schemas.microsoft.com/office/powerpoint/2010/main" val="824902312"/>
-      </p:ext>
-    </p:extLst>
-  </p:cSld>
-  <p:clrMapOvr>
-    <a:masterClrMapping/>
-  </p:clrMapOvr>
-</p:sld>
-</file>
-
 <file path=ppt/slides/slide22.xml><?xml version="1.0" encoding="utf-8"?>
 <p:sld xmlns:a="http://schemas.openxmlformats.org/drawingml/2006/main" xmlns:r="http://schemas.openxmlformats.org/officeDocument/2006/relationships" xmlns:p="http://schemas.openxmlformats.org/presentationml/2006/main">
   <p:cSld>
@@ -12766,120 +12925,6 @@
 </file>
 
 <file path=ppt/slides/slide26.xml><?xml version="1.0" encoding="utf-8"?>
-<p:sld xmlns:a="http://schemas.openxmlformats.org/drawingml/2006/main" xmlns:r="http://schemas.openxmlformats.org/officeDocument/2006/relationships" xmlns:p="http://schemas.openxmlformats.org/presentationml/2006/main">
-  <p:cSld>
-    <p:spTree>
-      <p:nvGrpSpPr>
-        <p:cNvPr id="1" name=""/>
-        <p:cNvGrpSpPr/>
-        <p:nvPr/>
-      </p:nvGrpSpPr>
-      <p:grpSpPr>
-        <a:xfrm>
-          <a:off x="0" y="0"/>
-          <a:ext cx="0" cy="0"/>
-          <a:chOff x="0" y="0"/>
-          <a:chExt cx="0" cy="0"/>
-        </a:xfrm>
-      </p:grpSpPr>
-      <p:sp>
-        <p:nvSpPr>
-          <p:cNvPr id="2" name="Title 1"/>
-          <p:cNvSpPr>
-            <a:spLocks noGrp="1"/>
-          </p:cNvSpPr>
-          <p:nvPr>
-            <p:ph type="title"/>
-          </p:nvPr>
-        </p:nvSpPr>
-        <p:spPr/>
-        <p:txBody>
-          <a:bodyPr/>
-          <a:lstStyle/>
-          <a:p>
-            <a:r>
-              <a:rPr lang="en-US" dirty="0"/>
-              <a:t>EXAMPLE</a:t>
-            </a:r>
-          </a:p>
-        </p:txBody>
-      </p:sp>
-      <p:sp>
-        <p:nvSpPr>
-          <p:cNvPr id="3" name="Text Placeholder 2"/>
-          <p:cNvSpPr>
-            <a:spLocks noGrp="1"/>
-          </p:cNvSpPr>
-          <p:nvPr>
-            <p:ph type="body" idx="1"/>
-          </p:nvPr>
-        </p:nvSpPr>
-        <p:spPr/>
-        <p:txBody>
-          <a:bodyPr/>
-          <a:lstStyle/>
-          <a:p>
-            <a:r>
-              <a:rPr lang="en-US" dirty="0"/>
-              <a:t>CSS Grid - </a:t>
-            </a:r>
-            <a:r>
-              <a:rPr lang="en-US" dirty="0">
-                <a:hlinkClick r:id="rId3"/>
-              </a:rPr>
-              <a:t>https://cssgridgarden.com/</a:t>
-            </a:r>
-            <a:endParaRPr lang="en-US" dirty="0"/>
-          </a:p>
-          <a:p>
-            <a:endParaRPr lang="en-US" dirty="0"/>
-          </a:p>
-        </p:txBody>
-      </p:sp>
-      <p:pic>
-        <p:nvPicPr>
-          <p:cNvPr id="4" name="Content Placeholder 4"/>
-          <p:cNvPicPr>
-            <a:picLocks noChangeAspect="1"/>
-          </p:cNvPicPr>
-          <p:nvPr/>
-        </p:nvPicPr>
-        <p:blipFill>
-          <a:blip r:embed="rId4">
-            <a:extLst>
-              <a:ext uri="{28A0092B-C50C-407E-A947-70E740481C1C}">
-                <a14:useLocalDpi xmlns:a14="http://schemas.microsoft.com/office/drawing/2010/main" val="0"/>
-              </a:ext>
-            </a:extLst>
-          </a:blip>
-          <a:stretch>
-            <a:fillRect/>
-          </a:stretch>
-        </p:blipFill>
-        <p:spPr>
-          <a:xfrm>
-            <a:off x="1154955" y="563880"/>
-            <a:ext cx="3819192" cy="3055354"/>
-          </a:xfrm>
-          <a:prstGeom prst="rect">
-            <a:avLst/>
-          </a:prstGeom>
-        </p:spPr>
-      </p:pic>
-    </p:spTree>
-    <p:extLst>
-      <p:ext uri="{BB962C8B-B14F-4D97-AF65-F5344CB8AC3E}">
-        <p14:creationId xmlns:p14="http://schemas.microsoft.com/office/powerpoint/2010/main" val="4127276555"/>
-      </p:ext>
-    </p:extLst>
-  </p:cSld>
-  <p:clrMapOvr>
-    <a:masterClrMapping/>
-  </p:clrMapOvr>
-</p:sld>
-</file>
-
-<file path=ppt/slides/slide27.xml><?xml version="1.0" encoding="utf-8"?>
 <p:sld xmlns:a="http://schemas.openxmlformats.org/drawingml/2006/main" xmlns:r="http://schemas.openxmlformats.org/officeDocument/2006/relationships" xmlns:p="http://schemas.openxmlformats.org/presentationml/2006/main">
   <p:cSld>
     <p:spTree>
@@ -12983,7 +13028,7 @@
 </p:sld>
 </file>
 
-<file path=ppt/slides/slide28.xml><?xml version="1.0" encoding="utf-8"?>
+<file path=ppt/slides/slide27.xml><?xml version="1.0" encoding="utf-8"?>
 <p:sld xmlns:a="http://schemas.openxmlformats.org/drawingml/2006/main" xmlns:r="http://schemas.openxmlformats.org/officeDocument/2006/relationships" xmlns:p="http://schemas.openxmlformats.org/presentationml/2006/main">
   <p:cSld>
     <p:spTree>
@@ -13040,31 +13085,19 @@
         </p:spPr>
         <p:txBody>
           <a:bodyPr>
-            <a:normAutofit lnSpcReduction="10000"/>
+            <a:normAutofit/>
           </a:bodyPr>
           <a:lstStyle/>
           <a:p>
             <a:r>
               <a:rPr lang="en-US" sz="4000" dirty="0"/>
-              <a:t>Add a div surrounding everything under the header.</a:t>
+              <a:t>Center everything under the header using flexbox;</a:t>
             </a:r>
           </a:p>
           <a:p>
             <a:r>
               <a:rPr lang="en-US" sz="4000" dirty="0"/>
-              <a:t>Add a max width to the div.</a:t>
-            </a:r>
-          </a:p>
-          <a:p>
-            <a:r>
-              <a:rPr lang="en-US" sz="4000" dirty="0"/>
-              <a:t>Center the div using margin: 0 auto;</a:t>
-            </a:r>
-          </a:p>
-          <a:p>
-            <a:r>
-              <a:rPr lang="en-US" sz="4000" dirty="0"/>
-              <a:t>Play around with margins and padding to change the looks.</a:t>
+              <a:t>Play around with width, margins, and padding to change the looks.</a:t>
             </a:r>
           </a:p>
           <a:p>
@@ -13114,7 +13147,7 @@
 </p:sld>
 </file>
 
-<file path=ppt/slides/slide29.xml><?xml version="1.0" encoding="utf-8"?>
+<file path=ppt/slides/slide28.xml><?xml version="1.0" encoding="utf-8"?>
 <p:sld xmlns:a="http://schemas.openxmlformats.org/drawingml/2006/main" xmlns:r="http://schemas.openxmlformats.org/officeDocument/2006/relationships" xmlns:p="http://schemas.openxmlformats.org/presentationml/2006/main">
   <p:cSld>
     <p:spTree>
@@ -13218,6 +13251,131 @@
 </p:sld>
 </file>
 
+<file path=ppt/slides/slide29.xml><?xml version="1.0" encoding="utf-8"?>
+<p:sld xmlns:a="http://schemas.openxmlformats.org/drawingml/2006/main" xmlns:r="http://schemas.openxmlformats.org/officeDocument/2006/relationships" xmlns:p="http://schemas.openxmlformats.org/presentationml/2006/main">
+  <p:cSld>
+    <p:spTree>
+      <p:nvGrpSpPr>
+        <p:cNvPr id="1" name=""/>
+        <p:cNvGrpSpPr/>
+        <p:nvPr/>
+      </p:nvGrpSpPr>
+      <p:grpSpPr>
+        <a:xfrm>
+          <a:off x="0" y="0"/>
+          <a:ext cx="0" cy="0"/>
+          <a:chOff x="0" y="0"/>
+          <a:chExt cx="0" cy="0"/>
+        </a:xfrm>
+      </p:grpSpPr>
+      <p:sp>
+        <p:nvSpPr>
+          <p:cNvPr id="2" name="Title 1"/>
+          <p:cNvSpPr>
+            <a:spLocks noGrp="1"/>
+          </p:cNvSpPr>
+          <p:nvPr>
+            <p:ph type="title"/>
+          </p:nvPr>
+        </p:nvSpPr>
+        <p:spPr/>
+        <p:txBody>
+          <a:bodyPr/>
+          <a:lstStyle/>
+          <a:p>
+            <a:r>
+              <a:rPr lang="en-US" dirty="0"/>
+              <a:t>Additional Resources</a:t>
+            </a:r>
+          </a:p>
+        </p:txBody>
+      </p:sp>
+      <p:sp>
+        <p:nvSpPr>
+          <p:cNvPr id="3" name="Content Placeholder 2"/>
+          <p:cNvSpPr>
+            <a:spLocks noGrp="1"/>
+          </p:cNvSpPr>
+          <p:nvPr>
+            <p:ph sz="half" idx="1"/>
+          </p:nvPr>
+        </p:nvSpPr>
+        <p:spPr>
+          <a:xfrm>
+            <a:off x="1103312" y="2060575"/>
+            <a:ext cx="10008033" cy="4195763"/>
+          </a:xfrm>
+        </p:spPr>
+        <p:txBody>
+          <a:bodyPr>
+            <a:normAutofit/>
+          </a:bodyPr>
+          <a:lstStyle/>
+          <a:p>
+            <a:pPr lvl="0"/>
+            <a:r>
+              <a:rPr lang="en-US" sz="2800" dirty="0" err="1"/>
+              <a:t>JSFiddle</a:t>
+            </a:r>
+            <a:endParaRPr lang="en-US" sz="2800" dirty="0"/>
+          </a:p>
+          <a:p>
+            <a:pPr lvl="1"/>
+            <a:r>
+              <a:rPr lang="en-US" sz="2600" dirty="0">
+                <a:hlinkClick r:id="rId3"/>
+              </a:rPr>
+              <a:t>https://jsfiddle.net/</a:t>
+            </a:r>
+            <a:endParaRPr lang="en-US" sz="2600" dirty="0"/>
+          </a:p>
+          <a:p>
+            <a:r>
+              <a:rPr lang="en-US" sz="3000" dirty="0"/>
+              <a:t>free Code Camp</a:t>
+            </a:r>
+          </a:p>
+          <a:p>
+            <a:pPr lvl="1"/>
+            <a:r>
+              <a:rPr lang="en-US" sz="2600" dirty="0">
+                <a:hlinkClick r:id="rId4"/>
+              </a:rPr>
+              <a:t>https://www.freecodecamp.org/</a:t>
+            </a:r>
+            <a:endParaRPr lang="en-US" sz="2600" dirty="0"/>
+          </a:p>
+          <a:p>
+            <a:r>
+              <a:rPr lang="en-US" sz="2800" dirty="0"/>
+              <a:t>Can I Use</a:t>
+            </a:r>
+          </a:p>
+          <a:p>
+            <a:pPr lvl="1"/>
+            <a:r>
+              <a:rPr lang="en-US" sz="2600" dirty="0">
+                <a:hlinkClick r:id="rId5"/>
+              </a:rPr>
+              <a:t>https://caniuse.com/</a:t>
+            </a:r>
+            <a:endParaRPr lang="en-US" sz="2600" dirty="0"/>
+          </a:p>
+        </p:txBody>
+      </p:sp>
+    </p:spTree>
+    <p:extLst>
+      <p:ext uri="{BB962C8B-B14F-4D97-AF65-F5344CB8AC3E}">
+        <p14:creationId xmlns:p14="http://schemas.microsoft.com/office/powerpoint/2010/main" val="4293064987"/>
+      </p:ext>
+    </p:extLst>
+  </p:cSld>
+  <p:clrMapOvr>
+    <a:masterClrMapping/>
+  </p:clrMapOvr>
+</p:sld>
+</file>
+
 <file path=ppt/slides/slide3.xml><?xml version="1.0" encoding="utf-8"?>
 <p:sld xmlns:a="http://schemas.openxmlformats.org/drawingml/2006/main" xmlns:r="http://schemas.openxmlformats.org/officeDocument/2006/relationships" xmlns:p="http://schemas.openxmlformats.org/presentationml/2006/main">
   <p:cSld>
@@ -13355,131 +13513,6 @@
     <p:extLst>
       <p:ext uri="{BB962C8B-B14F-4D97-AF65-F5344CB8AC3E}">
         <p14:creationId xmlns:p14="http://schemas.microsoft.com/office/powerpoint/2010/main" val="128125161"/>
-      </p:ext>
-    </p:extLst>
-  </p:cSld>
-  <p:clrMapOvr>
-    <a:masterClrMapping/>
-  </p:clrMapOvr>
-</p:sld>
-</file>
-
-<file path=ppt/slides/slide30.xml><?xml version="1.0" encoding="utf-8"?>
-<p:sld xmlns:a="http://schemas.openxmlformats.org/drawingml/2006/main" xmlns:r="http://schemas.openxmlformats.org/officeDocument/2006/relationships" xmlns:p="http://schemas.openxmlformats.org/presentationml/2006/main">
-  <p:cSld>
-    <p:spTree>
-      <p:nvGrpSpPr>
-        <p:cNvPr id="1" name=""/>
-        <p:cNvGrpSpPr/>
-        <p:nvPr/>
-      </p:nvGrpSpPr>
-      <p:grpSpPr>
-        <a:xfrm>
-          <a:off x="0" y="0"/>
-          <a:ext cx="0" cy="0"/>
-          <a:chOff x="0" y="0"/>
-          <a:chExt cx="0" cy="0"/>
-        </a:xfrm>
-      </p:grpSpPr>
-      <p:sp>
-        <p:nvSpPr>
-          <p:cNvPr id="2" name="Title 1"/>
-          <p:cNvSpPr>
-            <a:spLocks noGrp="1"/>
-          </p:cNvSpPr>
-          <p:nvPr>
-            <p:ph type="title"/>
-          </p:nvPr>
-        </p:nvSpPr>
-        <p:spPr/>
-        <p:txBody>
-          <a:bodyPr/>
-          <a:lstStyle/>
-          <a:p>
-            <a:r>
-              <a:rPr lang="en-US" dirty="0"/>
-              <a:t>Additional Resources</a:t>
-            </a:r>
-          </a:p>
-        </p:txBody>
-      </p:sp>
-      <p:sp>
-        <p:nvSpPr>
-          <p:cNvPr id="3" name="Content Placeholder 2"/>
-          <p:cNvSpPr>
-            <a:spLocks noGrp="1"/>
-          </p:cNvSpPr>
-          <p:nvPr>
-            <p:ph sz="half" idx="1"/>
-          </p:nvPr>
-        </p:nvSpPr>
-        <p:spPr>
-          <a:xfrm>
-            <a:off x="1103312" y="2060575"/>
-            <a:ext cx="10008033" cy="4195763"/>
-          </a:xfrm>
-        </p:spPr>
-        <p:txBody>
-          <a:bodyPr>
-            <a:normAutofit/>
-          </a:bodyPr>
-          <a:lstStyle/>
-          <a:p>
-            <a:pPr lvl="0"/>
-            <a:r>
-              <a:rPr lang="en-US" sz="2800" dirty="0" err="1"/>
-              <a:t>JSFiddle</a:t>
-            </a:r>
-            <a:endParaRPr lang="en-US" sz="2800" dirty="0"/>
-          </a:p>
-          <a:p>
-            <a:pPr lvl="1"/>
-            <a:r>
-              <a:rPr lang="en-US" sz="2600" dirty="0">
-                <a:hlinkClick r:id="rId3"/>
-              </a:rPr>
-              <a:t>https://jsfiddle.net/</a:t>
-            </a:r>
-            <a:endParaRPr lang="en-US" sz="2600" dirty="0"/>
-          </a:p>
-          <a:p>
-            <a:r>
-              <a:rPr lang="en-US" sz="3000" dirty="0"/>
-              <a:t>free Code Camp</a:t>
-            </a:r>
-          </a:p>
-          <a:p>
-            <a:pPr lvl="1"/>
-            <a:r>
-              <a:rPr lang="en-US" sz="2600" dirty="0">
-                <a:hlinkClick r:id="rId4"/>
-              </a:rPr>
-              <a:t>https://www.freecodecamp.org/</a:t>
-            </a:r>
-            <a:endParaRPr lang="en-US" sz="2600" dirty="0"/>
-          </a:p>
-          <a:p>
-            <a:r>
-              <a:rPr lang="en-US" sz="2800" dirty="0"/>
-              <a:t>Can I Use</a:t>
-            </a:r>
-          </a:p>
-          <a:p>
-            <a:pPr lvl="1"/>
-            <a:r>
-              <a:rPr lang="en-US" sz="2600" dirty="0">
-                <a:hlinkClick r:id="rId5"/>
-              </a:rPr>
-              <a:t>https://caniuse.com/</a:t>
-            </a:r>
-            <a:endParaRPr lang="en-US" sz="2600" dirty="0"/>
-          </a:p>
-        </p:txBody>
-      </p:sp>
-    </p:spTree>
-    <p:extLst>
-      <p:ext uri="{BB962C8B-B14F-4D97-AF65-F5344CB8AC3E}">
-        <p14:creationId xmlns:p14="http://schemas.microsoft.com/office/powerpoint/2010/main" val="4293064987"/>
       </p:ext>
     </p:extLst>
   </p:cSld>

--- a/Slides/09_CSS_TrainingPlan.pptx
+++ b/Slides/09_CSS_TrainingPlan.pptx
@@ -225,7 +225,7 @@
           <a:p>
             <a:fld id="{511FFA03-EA42-4D4B-BC08-EB70C6D8C289}" type="datetimeFigureOut">
               <a:rPr lang="en-US" smtClean="0"/>
-              <a:t>6/13/2018</a:t>
+              <a:t>6/16/2018</a:t>
             </a:fld>
             <a:endParaRPr lang="en-US"/>
           </a:p>
@@ -4434,7 +4434,7 @@
           <a:p>
             <a:fld id="{96FB5D56-0812-4ED5-8B52-3D0DCBF578CB}" type="datetimeFigureOut">
               <a:rPr lang="en-US" smtClean="0"/>
-              <a:t>6/13/2018</a:t>
+              <a:t>6/16/2018</a:t>
             </a:fld>
             <a:endParaRPr lang="en-US"/>
           </a:p>
@@ -4709,7 +4709,7 @@
           <a:p>
             <a:fld id="{96FB5D56-0812-4ED5-8B52-3D0DCBF578CB}" type="datetimeFigureOut">
               <a:rPr lang="en-US" smtClean="0"/>
-              <a:t>6/13/2018</a:t>
+              <a:t>6/16/2018</a:t>
             </a:fld>
             <a:endParaRPr lang="en-US"/>
           </a:p>
@@ -4903,7 +4903,7 @@
           <a:p>
             <a:fld id="{96FB5D56-0812-4ED5-8B52-3D0DCBF578CB}" type="datetimeFigureOut">
               <a:rPr lang="en-US" smtClean="0"/>
-              <a:t>6/13/2018</a:t>
+              <a:t>6/16/2018</a:t>
             </a:fld>
             <a:endParaRPr lang="en-US"/>
           </a:p>
@@ -5176,7 +5176,7 @@
           <a:p>
             <a:fld id="{96FB5D56-0812-4ED5-8B52-3D0DCBF578CB}" type="datetimeFigureOut">
               <a:rPr lang="en-US" smtClean="0"/>
-              <a:t>6/13/2018</a:t>
+              <a:t>6/16/2018</a:t>
             </a:fld>
             <a:endParaRPr lang="en-US"/>
           </a:p>
@@ -5517,7 +5517,7 @@
           <a:p>
             <a:fld id="{96FB5D56-0812-4ED5-8B52-3D0DCBF578CB}" type="datetimeFigureOut">
               <a:rPr lang="en-US" smtClean="0"/>
-              <a:t>6/13/2018</a:t>
+              <a:t>6/16/2018</a:t>
             </a:fld>
             <a:endParaRPr lang="en-US"/>
           </a:p>
@@ -6140,7 +6140,7 @@
           <a:p>
             <a:fld id="{96FB5D56-0812-4ED5-8B52-3D0DCBF578CB}" type="datetimeFigureOut">
               <a:rPr lang="en-US" smtClean="0"/>
-              <a:t>6/13/2018</a:t>
+              <a:t>6/16/2018</a:t>
             </a:fld>
             <a:endParaRPr lang="en-US"/>
           </a:p>
@@ -7000,7 +7000,7 @@
           <a:p>
             <a:fld id="{96FB5D56-0812-4ED5-8B52-3D0DCBF578CB}" type="datetimeFigureOut">
               <a:rPr lang="en-US" smtClean="0"/>
-              <a:t>6/13/2018</a:t>
+              <a:t>6/16/2018</a:t>
             </a:fld>
             <a:endParaRPr lang="en-US"/>
           </a:p>
@@ -7170,7 +7170,7 @@
           <a:p>
             <a:fld id="{96FB5D56-0812-4ED5-8B52-3D0DCBF578CB}" type="datetimeFigureOut">
               <a:rPr lang="en-US" smtClean="0"/>
-              <a:t>6/13/2018</a:t>
+              <a:t>6/16/2018</a:t>
             </a:fld>
             <a:endParaRPr lang="en-US"/>
           </a:p>
@@ -7350,7 +7350,7 @@
           <a:p>
             <a:fld id="{96FB5D56-0812-4ED5-8B52-3D0DCBF578CB}" type="datetimeFigureOut">
               <a:rPr lang="en-US" smtClean="0"/>
-              <a:t>6/13/2018</a:t>
+              <a:t>6/16/2018</a:t>
             </a:fld>
             <a:endParaRPr lang="en-US"/>
           </a:p>
@@ -7520,7 +7520,7 @@
           <a:p>
             <a:fld id="{96FB5D56-0812-4ED5-8B52-3D0DCBF578CB}" type="datetimeFigureOut">
               <a:rPr lang="en-US" smtClean="0"/>
-              <a:t>6/13/2018</a:t>
+              <a:t>6/16/2018</a:t>
             </a:fld>
             <a:endParaRPr lang="en-US"/>
           </a:p>
@@ -7767,7 +7767,7 @@
           <a:p>
             <a:fld id="{96FB5D56-0812-4ED5-8B52-3D0DCBF578CB}" type="datetimeFigureOut">
               <a:rPr lang="en-US" smtClean="0"/>
-              <a:t>6/13/2018</a:t>
+              <a:t>6/16/2018</a:t>
             </a:fld>
             <a:endParaRPr lang="en-US"/>
           </a:p>
@@ -8059,7 +8059,7 @@
           <a:p>
             <a:fld id="{96FB5D56-0812-4ED5-8B52-3D0DCBF578CB}" type="datetimeFigureOut">
               <a:rPr lang="en-US" smtClean="0"/>
-              <a:t>6/13/2018</a:t>
+              <a:t>6/16/2018</a:t>
             </a:fld>
             <a:endParaRPr lang="en-US"/>
           </a:p>
@@ -8503,7 +8503,7 @@
           <a:p>
             <a:fld id="{96FB5D56-0812-4ED5-8B52-3D0DCBF578CB}" type="datetimeFigureOut">
               <a:rPr lang="en-US" smtClean="0"/>
-              <a:t>6/13/2018</a:t>
+              <a:t>6/16/2018</a:t>
             </a:fld>
             <a:endParaRPr lang="en-US"/>
           </a:p>
@@ -8621,7 +8621,7 @@
           <a:p>
             <a:fld id="{96FB5D56-0812-4ED5-8B52-3D0DCBF578CB}" type="datetimeFigureOut">
               <a:rPr lang="en-US" smtClean="0"/>
-              <a:t>6/13/2018</a:t>
+              <a:t>6/16/2018</a:t>
             </a:fld>
             <a:endParaRPr lang="en-US"/>
           </a:p>
@@ -8716,7 +8716,7 @@
           <a:p>
             <a:fld id="{96FB5D56-0812-4ED5-8B52-3D0DCBF578CB}" type="datetimeFigureOut">
               <a:rPr lang="en-US" smtClean="0"/>
-              <a:t>6/13/2018</a:t>
+              <a:t>6/16/2018</a:t>
             </a:fld>
             <a:endParaRPr lang="en-US"/>
           </a:p>
@@ -8995,7 +8995,7 @@
           <a:p>
             <a:fld id="{96FB5D56-0812-4ED5-8B52-3D0DCBF578CB}" type="datetimeFigureOut">
               <a:rPr lang="en-US" smtClean="0"/>
-              <a:t>6/13/2018</a:t>
+              <a:t>6/16/2018</a:t>
             </a:fld>
             <a:endParaRPr lang="en-US"/>
           </a:p>
@@ -9270,7 +9270,7 @@
           <a:p>
             <a:fld id="{96FB5D56-0812-4ED5-8B52-3D0DCBF578CB}" type="datetimeFigureOut">
               <a:rPr lang="en-US" smtClean="0"/>
-              <a:t>6/13/2018</a:t>
+              <a:t>6/16/2018</a:t>
             </a:fld>
             <a:endParaRPr lang="en-US"/>
           </a:p>
@@ -9699,7 +9699,7 @@
           <a:p>
             <a:fld id="{96FB5D56-0812-4ED5-8B52-3D0DCBF578CB}" type="datetimeFigureOut">
               <a:rPr lang="en-US" smtClean="0"/>
-              <a:t>6/13/2018</a:t>
+              <a:t>6/16/2018</a:t>
             </a:fld>
             <a:endParaRPr lang="en-US"/>
           </a:p>
@@ -13458,7 +13458,7 @@
           <a:p>
             <a:r>
               <a:rPr lang="en-US" sz="2400" dirty="0"/>
-              <a:t>style=“[Style Name1}: [Value}; [Style Name2}: [Value};”</a:t>
+              <a:t>style=“[Style Name1]: [Value]; [Style Name2]: [Value];”</a:t>
             </a:r>
           </a:p>
           <a:p>
